--- a/Telegram-Qiwi-Bot.pptx
+++ b/Telegram-Qiwi-Bot.pptx
@@ -3,26 +3,27 @@
 <p:presentation xmlns:a="http://schemas.openxmlformats.org/drawingml/2006/main" xmlns:p="http://schemas.openxmlformats.org/presentationml/2006/main" xmlns:r="http://schemas.openxmlformats.org/officeDocument/2006/relationships" xmlns:p14="http://schemas.microsoft.com/office/powerpoint/2010/main" xmlns:p15="http://schemas.microsoft.com/office/powerpoint/2012/main" xmlns:mc="http://schemas.openxmlformats.org/markup-compatibility/2006">
   <p:sldMasterIdLst>
     <p:sldMasterId id="2147483648" r:id="rId2"/>
+    <p:sldMasterId id="2147483661" r:id="rId3"/>
   </p:sldMasterIdLst>
   <p:sldIdLst>
-    <p:sldId id="256" r:id="rId3"/>
-    <p:sldId id="257" r:id="rId4"/>
-    <p:sldId id="258" r:id="rId5"/>
-    <p:sldId id="259" r:id="rId6"/>
-    <p:sldId id="260" r:id="rId7"/>
-    <p:sldId id="261" r:id="rId8"/>
-    <p:sldId id="262" r:id="rId9"/>
-    <p:sldId id="263" r:id="rId10"/>
-    <p:sldId id="264" r:id="rId11"/>
-    <p:sldId id="265" r:id="rId12"/>
-    <p:sldId id="266" r:id="rId13"/>
-    <p:sldId id="267" r:id="rId14"/>
-    <p:sldId id="268" r:id="rId15"/>
-    <p:sldId id="269" r:id="rId16"/>
-    <p:sldId id="270" r:id="rId17"/>
-    <p:sldId id="271" r:id="rId18"/>
-    <p:sldId id="272" r:id="rId19"/>
-    <p:sldId id="273" r:id="rId20"/>
+    <p:sldId id="256" r:id="rId4"/>
+    <p:sldId id="257" r:id="rId5"/>
+    <p:sldId id="258" r:id="rId6"/>
+    <p:sldId id="259" r:id="rId7"/>
+    <p:sldId id="260" r:id="rId8"/>
+    <p:sldId id="261" r:id="rId9"/>
+    <p:sldId id="262" r:id="rId10"/>
+    <p:sldId id="263" r:id="rId11"/>
+    <p:sldId id="264" r:id="rId12"/>
+    <p:sldId id="265" r:id="rId13"/>
+    <p:sldId id="266" r:id="rId14"/>
+    <p:sldId id="267" r:id="rId15"/>
+    <p:sldId id="268" r:id="rId16"/>
+    <p:sldId id="269" r:id="rId17"/>
+    <p:sldId id="270" r:id="rId18"/>
+    <p:sldId id="271" r:id="rId19"/>
+    <p:sldId id="272" r:id="rId20"/>
+    <p:sldId id="273" r:id="rId21"/>
   </p:sldIdLst>
   <p:sldSz cx="10080625" cy="7559675"/>
   <p:notesSz cx="7559675" cy="10691812"/>
@@ -70,7 +71,7 @@
       </p:grpSpPr>
       <p:sp>
         <p:nvSpPr>
-          <p:cNvPr id="26" name="PlaceHolder 1"/>
+          <p:cNvPr id="23" name="PlaceHolder 1"/>
           <p:cNvSpPr>
             <a:spLocks noGrp="1"/>
           </p:cNvSpPr>
@@ -81,7 +82,7 @@
         <p:spPr>
           <a:xfrm>
             <a:off x="504000" y="301320"/>
-            <a:ext cx="9071640" cy="1262160"/>
+            <a:ext cx="9072000" cy="1261800"/>
           </a:xfrm>
           <a:prstGeom prst="rect">
             <a:avLst/>
@@ -107,7 +108,7 @@
       </p:sp>
       <p:sp>
         <p:nvSpPr>
-          <p:cNvPr id="27" name="PlaceHolder 2"/>
+          <p:cNvPr id="24" name="PlaceHolder 2"/>
           <p:cNvSpPr>
             <a:spLocks noGrp="1"/>
           </p:cNvSpPr>
@@ -117,8 +118,8 @@
         </p:nvSpPr>
         <p:spPr>
           <a:xfrm>
-            <a:off x="504000" y="1769040"/>
-            <a:ext cx="9071640" cy="2091240"/>
+            <a:off x="504000" y="1768680"/>
+            <a:ext cx="9072000" cy="2090880"/>
           </a:xfrm>
           <a:prstGeom prst="rect">
             <a:avLst/>
@@ -143,7 +144,7 @@
       </p:sp>
       <p:sp>
         <p:nvSpPr>
-          <p:cNvPr id="28" name="PlaceHolder 3"/>
+          <p:cNvPr id="25" name="PlaceHolder 3"/>
           <p:cNvSpPr>
             <a:spLocks noGrp="1"/>
           </p:cNvSpPr>
@@ -153,8 +154,8 @@
         </p:nvSpPr>
         <p:spPr>
           <a:xfrm>
-            <a:off x="504000" y="4059360"/>
-            <a:ext cx="9071640" cy="2091240"/>
+            <a:off x="504000" y="4058640"/>
+            <a:ext cx="9072000" cy="2090880"/>
           </a:xfrm>
           <a:prstGeom prst="rect">
             <a:avLst/>
@@ -201,7 +202,7 @@
       </p:grpSpPr>
       <p:sp>
         <p:nvSpPr>
-          <p:cNvPr id="29" name="PlaceHolder 1"/>
+          <p:cNvPr id="26" name="PlaceHolder 1"/>
           <p:cNvSpPr>
             <a:spLocks noGrp="1"/>
           </p:cNvSpPr>
@@ -212,7 +213,7 @@
         <p:spPr>
           <a:xfrm>
             <a:off x="504000" y="301320"/>
-            <a:ext cx="9071640" cy="1262160"/>
+            <a:ext cx="9072000" cy="1261800"/>
           </a:xfrm>
           <a:prstGeom prst="rect">
             <a:avLst/>
@@ -238,7 +239,7 @@
       </p:sp>
       <p:sp>
         <p:nvSpPr>
-          <p:cNvPr id="30" name="PlaceHolder 2"/>
+          <p:cNvPr id="27" name="PlaceHolder 2"/>
           <p:cNvSpPr>
             <a:spLocks noGrp="1"/>
           </p:cNvSpPr>
@@ -248,8 +249,8 @@
         </p:nvSpPr>
         <p:spPr>
           <a:xfrm>
-            <a:off x="504000" y="1769040"/>
-            <a:ext cx="4426920" cy="2091240"/>
+            <a:off x="504000" y="1768680"/>
+            <a:ext cx="4426920" cy="2090880"/>
           </a:xfrm>
           <a:prstGeom prst="rect">
             <a:avLst/>
@@ -274,7 +275,7 @@
       </p:sp>
       <p:sp>
         <p:nvSpPr>
-          <p:cNvPr id="31" name="PlaceHolder 3"/>
+          <p:cNvPr id="28" name="PlaceHolder 3"/>
           <p:cNvSpPr>
             <a:spLocks noGrp="1"/>
           </p:cNvSpPr>
@@ -284,8 +285,8 @@
         </p:nvSpPr>
         <p:spPr>
           <a:xfrm>
-            <a:off x="5152680" y="1769040"/>
-            <a:ext cx="4426920" cy="2091240"/>
+            <a:off x="5152680" y="1768680"/>
+            <a:ext cx="4426920" cy="2090880"/>
           </a:xfrm>
           <a:prstGeom prst="rect">
             <a:avLst/>
@@ -310,7 +311,7 @@
       </p:sp>
       <p:sp>
         <p:nvSpPr>
-          <p:cNvPr id="32" name="PlaceHolder 4"/>
+          <p:cNvPr id="29" name="PlaceHolder 4"/>
           <p:cNvSpPr>
             <a:spLocks noGrp="1"/>
           </p:cNvSpPr>
@@ -320,8 +321,8 @@
         </p:nvSpPr>
         <p:spPr>
           <a:xfrm>
-            <a:off x="5152680" y="4059360"/>
-            <a:ext cx="4426920" cy="2091240"/>
+            <a:off x="5152680" y="4058640"/>
+            <a:ext cx="4426920" cy="2090880"/>
           </a:xfrm>
           <a:prstGeom prst="rect">
             <a:avLst/>
@@ -346,7 +347,7 @@
       </p:sp>
       <p:sp>
         <p:nvSpPr>
-          <p:cNvPr id="33" name="PlaceHolder 5"/>
+          <p:cNvPr id="30" name="PlaceHolder 5"/>
           <p:cNvSpPr>
             <a:spLocks noGrp="1"/>
           </p:cNvSpPr>
@@ -356,8 +357,8 @@
         </p:nvSpPr>
         <p:spPr>
           <a:xfrm>
-            <a:off x="504000" y="4059360"/>
-            <a:ext cx="4426920" cy="2091240"/>
+            <a:off x="504000" y="4058640"/>
+            <a:ext cx="4426920" cy="2090880"/>
           </a:xfrm>
           <a:prstGeom prst="rect">
             <a:avLst/>
@@ -404,7 +405,7 @@
       </p:grpSpPr>
       <p:sp>
         <p:nvSpPr>
-          <p:cNvPr id="34" name="PlaceHolder 1"/>
+          <p:cNvPr id="31" name="PlaceHolder 1"/>
           <p:cNvSpPr>
             <a:spLocks noGrp="1"/>
           </p:cNvSpPr>
@@ -415,7 +416,7 @@
         <p:spPr>
           <a:xfrm>
             <a:off x="504000" y="301320"/>
-            <a:ext cx="9071640" cy="1262160"/>
+            <a:ext cx="9072000" cy="1261800"/>
           </a:xfrm>
           <a:prstGeom prst="rect">
             <a:avLst/>
@@ -441,7 +442,7 @@
       </p:sp>
       <p:sp>
         <p:nvSpPr>
-          <p:cNvPr id="35" name="PlaceHolder 2"/>
+          <p:cNvPr id="32" name="PlaceHolder 2"/>
           <p:cNvSpPr>
             <a:spLocks noGrp="1"/>
           </p:cNvSpPr>
@@ -451,8 +452,8 @@
         </p:nvSpPr>
         <p:spPr>
           <a:xfrm>
-            <a:off x="504000" y="1769040"/>
-            <a:ext cx="9071640" cy="4384440"/>
+            <a:off x="504000" y="1768680"/>
+            <a:ext cx="9072000" cy="4384080"/>
           </a:xfrm>
           <a:prstGeom prst="rect">
             <a:avLst/>
@@ -477,7 +478,7 @@
       </p:sp>
       <p:sp>
         <p:nvSpPr>
-          <p:cNvPr id="36" name="PlaceHolder 3"/>
+          <p:cNvPr id="33" name="PlaceHolder 3"/>
           <p:cNvSpPr>
             <a:spLocks noGrp="1"/>
           </p:cNvSpPr>
@@ -487,8 +488,8 @@
         </p:nvSpPr>
         <p:spPr>
           <a:xfrm>
-            <a:off x="504000" y="1769040"/>
-            <a:ext cx="9071640" cy="4384440"/>
+            <a:off x="504000" y="1768680"/>
+            <a:ext cx="9072000" cy="4384080"/>
           </a:xfrm>
           <a:prstGeom prst="rect">
             <a:avLst/>
@@ -513,7 +514,7 @@
       </p:sp>
       <p:pic>
         <p:nvPicPr>
-          <p:cNvPr id="37" name="" descr=""/>
+          <p:cNvPr id="34" name="" descr=""/>
           <p:cNvPicPr/>
           <p:nvPr/>
         </p:nvPicPr>
@@ -523,8 +524,8 @@
         </p:blipFill>
         <p:spPr>
           <a:xfrm>
-            <a:off x="2292120" y="1768680"/>
-            <a:ext cx="5495040" cy="4384440"/>
+            <a:off x="2292480" y="1768680"/>
+            <a:ext cx="5494680" cy="4384080"/>
           </a:xfrm>
           <a:prstGeom prst="rect">
             <a:avLst/>
@@ -536,7 +537,7 @@
       </p:pic>
       <p:pic>
         <p:nvPicPr>
-          <p:cNvPr id="38" name="" descr=""/>
+          <p:cNvPr id="35" name="" descr=""/>
           <p:cNvPicPr/>
           <p:nvPr/>
         </p:nvPicPr>
@@ -546,8 +547,8 @@
         </p:blipFill>
         <p:spPr>
           <a:xfrm>
-            <a:off x="2292120" y="1768680"/>
-            <a:ext cx="5495040" cy="4384440"/>
+            <a:off x="2292480" y="1768680"/>
+            <a:ext cx="5494680" cy="4384080"/>
           </a:xfrm>
           <a:prstGeom prst="rect">
             <a:avLst/>
@@ -557,6 +558,635 @@
           </a:ln>
         </p:spPr>
       </p:pic>
+    </p:spTree>
+  </p:cSld>
+</p:sldLayout>
+</file>
+
+<file path=ppt/slideLayouts/slideLayout13.xml><?xml version="1.0" encoding="utf-8"?>
+<p:sldLayout xmlns:a="http://schemas.openxmlformats.org/drawingml/2006/main" xmlns:p="http://schemas.openxmlformats.org/presentationml/2006/main" xmlns:r="http://schemas.openxmlformats.org/officeDocument/2006/relationships" xmlns:p14="http://schemas.microsoft.com/office/powerpoint/2010/main" xmlns:p15="http://schemas.microsoft.com/office/powerpoint/2012/main" xmlns:mc="http://schemas.openxmlformats.org/markup-compatibility/2006" type="blank" preserve="1">
+  <p:cSld name="Blank Slide">
+    <p:spTree>
+      <p:nvGrpSpPr>
+        <p:cNvPr id="1" name=""/>
+        <p:cNvGrpSpPr/>
+        <p:nvPr/>
+      </p:nvGrpSpPr>
+      <p:grpSpPr>
+        <a:xfrm>
+          <a:off x="0" y="0"/>
+          <a:ext cx="0" cy="0"/>
+          <a:chOff x="0" y="0"/>
+          <a:chExt cx="0" cy="0"/>
+        </a:xfrm>
+      </p:grpSpPr>
+    </p:spTree>
+  </p:cSld>
+</p:sldLayout>
+</file>
+
+<file path=ppt/slideLayouts/slideLayout14.xml><?xml version="1.0" encoding="utf-8"?>
+<p:sldLayout xmlns:a="http://schemas.openxmlformats.org/drawingml/2006/main" xmlns:p="http://schemas.openxmlformats.org/presentationml/2006/main" xmlns:r="http://schemas.openxmlformats.org/officeDocument/2006/relationships" xmlns:p14="http://schemas.microsoft.com/office/powerpoint/2010/main" xmlns:p15="http://schemas.microsoft.com/office/powerpoint/2012/main" xmlns:mc="http://schemas.openxmlformats.org/markup-compatibility/2006" type="tx" preserve="1">
+  <p:cSld name="Title Slide">
+    <p:spTree>
+      <p:nvGrpSpPr>
+        <p:cNvPr id="1" name=""/>
+        <p:cNvGrpSpPr/>
+        <p:nvPr/>
+      </p:nvGrpSpPr>
+      <p:grpSpPr>
+        <a:xfrm>
+          <a:off x="0" y="0"/>
+          <a:ext cx="0" cy="0"/>
+          <a:chOff x="0" y="0"/>
+          <a:chExt cx="0" cy="0"/>
+        </a:xfrm>
+      </p:grpSpPr>
+      <p:sp>
+        <p:nvSpPr>
+          <p:cNvPr id="38" name="PlaceHolder 1"/>
+          <p:cNvSpPr>
+            <a:spLocks noGrp="1"/>
+          </p:cNvSpPr>
+          <p:nvPr>
+            <p:ph type="title"/>
+          </p:nvPr>
+        </p:nvSpPr>
+        <p:spPr>
+          <a:xfrm>
+            <a:off x="504000" y="301320"/>
+            <a:ext cx="9072000" cy="1261800"/>
+          </a:xfrm>
+          <a:prstGeom prst="rect">
+            <a:avLst/>
+          </a:prstGeom>
+        </p:spPr>
+        <p:txBody>
+          <a:bodyPr lIns="0" rIns="0" tIns="0" bIns="0" anchor="ctr"/>
+          <a:p>
+            <a:pPr algn="ctr"/>
+            <a:endParaRPr b="0" lang="ru-RU" sz="4400" spc="-1" strike="noStrike">
+              <a:solidFill>
+                <a:srgbClr val="000000"/>
+              </a:solidFill>
+              <a:uFill>
+                <a:solidFill>
+                  <a:srgbClr val="ffffff"/>
+                </a:solidFill>
+              </a:uFill>
+              <a:latin typeface="Arial"/>
+            </a:endParaRPr>
+          </a:p>
+        </p:txBody>
+      </p:sp>
+      <p:sp>
+        <p:nvSpPr>
+          <p:cNvPr id="39" name="PlaceHolder 2"/>
+          <p:cNvSpPr>
+            <a:spLocks noGrp="1"/>
+          </p:cNvSpPr>
+          <p:nvPr>
+            <p:ph type="subTitle"/>
+          </p:nvPr>
+        </p:nvSpPr>
+        <p:spPr>
+          <a:xfrm>
+            <a:off x="504000" y="1768680"/>
+            <a:ext cx="9072000" cy="4384080"/>
+          </a:xfrm>
+          <a:prstGeom prst="rect">
+            <a:avLst/>
+          </a:prstGeom>
+        </p:spPr>
+        <p:txBody>
+          <a:bodyPr lIns="0" rIns="0" tIns="0" bIns="0" anchor="ctr"/>
+          <a:p>
+            <a:pPr algn="ctr"/>
+            <a:endParaRPr b="0" lang="ru-RU" sz="3200" spc="-1" strike="noStrike">
+              <a:solidFill>
+                <a:srgbClr val="000000"/>
+              </a:solidFill>
+              <a:uFill>
+                <a:solidFill>
+                  <a:srgbClr val="ffffff"/>
+                </a:solidFill>
+              </a:uFill>
+              <a:latin typeface="Arial"/>
+            </a:endParaRPr>
+          </a:p>
+        </p:txBody>
+      </p:sp>
+    </p:spTree>
+  </p:cSld>
+</p:sldLayout>
+</file>
+
+<file path=ppt/slideLayouts/slideLayout15.xml><?xml version="1.0" encoding="utf-8"?>
+<p:sldLayout xmlns:a="http://schemas.openxmlformats.org/drawingml/2006/main" xmlns:p="http://schemas.openxmlformats.org/presentationml/2006/main" xmlns:r="http://schemas.openxmlformats.org/officeDocument/2006/relationships" xmlns:p14="http://schemas.microsoft.com/office/powerpoint/2010/main" xmlns:p15="http://schemas.microsoft.com/office/powerpoint/2012/main" xmlns:mc="http://schemas.openxmlformats.org/markup-compatibility/2006" type="obj" preserve="1">
+  <p:cSld name="Title, Content">
+    <p:spTree>
+      <p:nvGrpSpPr>
+        <p:cNvPr id="1" name=""/>
+        <p:cNvGrpSpPr/>
+        <p:nvPr/>
+      </p:nvGrpSpPr>
+      <p:grpSpPr>
+        <a:xfrm>
+          <a:off x="0" y="0"/>
+          <a:ext cx="0" cy="0"/>
+          <a:chOff x="0" y="0"/>
+          <a:chExt cx="0" cy="0"/>
+        </a:xfrm>
+      </p:grpSpPr>
+      <p:sp>
+        <p:nvSpPr>
+          <p:cNvPr id="40" name="PlaceHolder 1"/>
+          <p:cNvSpPr>
+            <a:spLocks noGrp="1"/>
+          </p:cNvSpPr>
+          <p:nvPr>
+            <p:ph type="title"/>
+          </p:nvPr>
+        </p:nvSpPr>
+        <p:spPr>
+          <a:xfrm>
+            <a:off x="504000" y="301320"/>
+            <a:ext cx="9072000" cy="1261800"/>
+          </a:xfrm>
+          <a:prstGeom prst="rect">
+            <a:avLst/>
+          </a:prstGeom>
+        </p:spPr>
+        <p:txBody>
+          <a:bodyPr lIns="0" rIns="0" tIns="0" bIns="0" anchor="ctr"/>
+          <a:p>
+            <a:pPr algn="ctr"/>
+            <a:endParaRPr b="0" lang="ru-RU" sz="4400" spc="-1" strike="noStrike">
+              <a:solidFill>
+                <a:srgbClr val="000000"/>
+              </a:solidFill>
+              <a:uFill>
+                <a:solidFill>
+                  <a:srgbClr val="ffffff"/>
+                </a:solidFill>
+              </a:uFill>
+              <a:latin typeface="Arial"/>
+            </a:endParaRPr>
+          </a:p>
+        </p:txBody>
+      </p:sp>
+      <p:sp>
+        <p:nvSpPr>
+          <p:cNvPr id="41" name="PlaceHolder 2"/>
+          <p:cNvSpPr>
+            <a:spLocks noGrp="1"/>
+          </p:cNvSpPr>
+          <p:nvPr>
+            <p:ph type="body"/>
+          </p:nvPr>
+        </p:nvSpPr>
+        <p:spPr>
+          <a:xfrm>
+            <a:off x="504000" y="1768680"/>
+            <a:ext cx="9072000" cy="4384080"/>
+          </a:xfrm>
+          <a:prstGeom prst="rect">
+            <a:avLst/>
+          </a:prstGeom>
+        </p:spPr>
+        <p:txBody>
+          <a:bodyPr lIns="0" rIns="0" tIns="0" bIns="0"/>
+          <a:p>
+            <a:endParaRPr b="0" lang="ru-RU" sz="3200" spc="-1" strike="noStrike">
+              <a:solidFill>
+                <a:srgbClr val="000000"/>
+              </a:solidFill>
+              <a:uFill>
+                <a:solidFill>
+                  <a:srgbClr val="ffffff"/>
+                </a:solidFill>
+              </a:uFill>
+              <a:latin typeface="Arial"/>
+            </a:endParaRPr>
+          </a:p>
+        </p:txBody>
+      </p:sp>
+    </p:spTree>
+  </p:cSld>
+</p:sldLayout>
+</file>
+
+<file path=ppt/slideLayouts/slideLayout16.xml><?xml version="1.0" encoding="utf-8"?>
+<p:sldLayout xmlns:a="http://schemas.openxmlformats.org/drawingml/2006/main" xmlns:p="http://schemas.openxmlformats.org/presentationml/2006/main" xmlns:r="http://schemas.openxmlformats.org/officeDocument/2006/relationships" xmlns:p14="http://schemas.microsoft.com/office/powerpoint/2010/main" xmlns:p15="http://schemas.microsoft.com/office/powerpoint/2012/main" xmlns:mc="http://schemas.openxmlformats.org/markup-compatibility/2006" type="twoObj" preserve="1">
+  <p:cSld name="Title, 2 Content">
+    <p:spTree>
+      <p:nvGrpSpPr>
+        <p:cNvPr id="1" name=""/>
+        <p:cNvGrpSpPr/>
+        <p:nvPr/>
+      </p:nvGrpSpPr>
+      <p:grpSpPr>
+        <a:xfrm>
+          <a:off x="0" y="0"/>
+          <a:ext cx="0" cy="0"/>
+          <a:chOff x="0" y="0"/>
+          <a:chExt cx="0" cy="0"/>
+        </a:xfrm>
+      </p:grpSpPr>
+      <p:sp>
+        <p:nvSpPr>
+          <p:cNvPr id="42" name="PlaceHolder 1"/>
+          <p:cNvSpPr>
+            <a:spLocks noGrp="1"/>
+          </p:cNvSpPr>
+          <p:nvPr>
+            <p:ph type="title"/>
+          </p:nvPr>
+        </p:nvSpPr>
+        <p:spPr>
+          <a:xfrm>
+            <a:off x="504000" y="301320"/>
+            <a:ext cx="9072000" cy="1261800"/>
+          </a:xfrm>
+          <a:prstGeom prst="rect">
+            <a:avLst/>
+          </a:prstGeom>
+        </p:spPr>
+        <p:txBody>
+          <a:bodyPr lIns="0" rIns="0" tIns="0" bIns="0" anchor="ctr"/>
+          <a:p>
+            <a:pPr algn="ctr"/>
+            <a:endParaRPr b="0" lang="ru-RU" sz="4400" spc="-1" strike="noStrike">
+              <a:solidFill>
+                <a:srgbClr val="000000"/>
+              </a:solidFill>
+              <a:uFill>
+                <a:solidFill>
+                  <a:srgbClr val="ffffff"/>
+                </a:solidFill>
+              </a:uFill>
+              <a:latin typeface="Arial"/>
+            </a:endParaRPr>
+          </a:p>
+        </p:txBody>
+      </p:sp>
+      <p:sp>
+        <p:nvSpPr>
+          <p:cNvPr id="43" name="PlaceHolder 2"/>
+          <p:cNvSpPr>
+            <a:spLocks noGrp="1"/>
+          </p:cNvSpPr>
+          <p:nvPr>
+            <p:ph type="body"/>
+          </p:nvPr>
+        </p:nvSpPr>
+        <p:spPr>
+          <a:xfrm>
+            <a:off x="504000" y="1768680"/>
+            <a:ext cx="4426920" cy="4384080"/>
+          </a:xfrm>
+          <a:prstGeom prst="rect">
+            <a:avLst/>
+          </a:prstGeom>
+        </p:spPr>
+        <p:txBody>
+          <a:bodyPr lIns="0" rIns="0" tIns="0" bIns="0"/>
+          <a:p>
+            <a:endParaRPr b="0" lang="ru-RU" sz="3200" spc="-1" strike="noStrike">
+              <a:solidFill>
+                <a:srgbClr val="000000"/>
+              </a:solidFill>
+              <a:uFill>
+                <a:solidFill>
+                  <a:srgbClr val="ffffff"/>
+                </a:solidFill>
+              </a:uFill>
+              <a:latin typeface="Arial"/>
+            </a:endParaRPr>
+          </a:p>
+        </p:txBody>
+      </p:sp>
+      <p:sp>
+        <p:nvSpPr>
+          <p:cNvPr id="44" name="PlaceHolder 3"/>
+          <p:cNvSpPr>
+            <a:spLocks noGrp="1"/>
+          </p:cNvSpPr>
+          <p:nvPr>
+            <p:ph type="body"/>
+          </p:nvPr>
+        </p:nvSpPr>
+        <p:spPr>
+          <a:xfrm>
+            <a:off x="5152680" y="1768680"/>
+            <a:ext cx="4426920" cy="4384080"/>
+          </a:xfrm>
+          <a:prstGeom prst="rect">
+            <a:avLst/>
+          </a:prstGeom>
+        </p:spPr>
+        <p:txBody>
+          <a:bodyPr lIns="0" rIns="0" tIns="0" bIns="0"/>
+          <a:p>
+            <a:endParaRPr b="0" lang="ru-RU" sz="3200" spc="-1" strike="noStrike">
+              <a:solidFill>
+                <a:srgbClr val="000000"/>
+              </a:solidFill>
+              <a:uFill>
+                <a:solidFill>
+                  <a:srgbClr val="ffffff"/>
+                </a:solidFill>
+              </a:uFill>
+              <a:latin typeface="Arial"/>
+            </a:endParaRPr>
+          </a:p>
+        </p:txBody>
+      </p:sp>
+    </p:spTree>
+  </p:cSld>
+</p:sldLayout>
+</file>
+
+<file path=ppt/slideLayouts/slideLayout17.xml><?xml version="1.0" encoding="utf-8"?>
+<p:sldLayout xmlns:a="http://schemas.openxmlformats.org/drawingml/2006/main" xmlns:p="http://schemas.openxmlformats.org/presentationml/2006/main" xmlns:r="http://schemas.openxmlformats.org/officeDocument/2006/relationships" xmlns:p14="http://schemas.microsoft.com/office/powerpoint/2010/main" xmlns:p15="http://schemas.microsoft.com/office/powerpoint/2012/main" xmlns:mc="http://schemas.openxmlformats.org/markup-compatibility/2006" type="titleOnly" preserve="1">
+  <p:cSld name="Title Only">
+    <p:spTree>
+      <p:nvGrpSpPr>
+        <p:cNvPr id="1" name=""/>
+        <p:cNvGrpSpPr/>
+        <p:nvPr/>
+      </p:nvGrpSpPr>
+      <p:grpSpPr>
+        <a:xfrm>
+          <a:off x="0" y="0"/>
+          <a:ext cx="0" cy="0"/>
+          <a:chOff x="0" y="0"/>
+          <a:chExt cx="0" cy="0"/>
+        </a:xfrm>
+      </p:grpSpPr>
+      <p:sp>
+        <p:nvSpPr>
+          <p:cNvPr id="45" name="PlaceHolder 1"/>
+          <p:cNvSpPr>
+            <a:spLocks noGrp="1"/>
+          </p:cNvSpPr>
+          <p:nvPr>
+            <p:ph type="title"/>
+          </p:nvPr>
+        </p:nvSpPr>
+        <p:spPr>
+          <a:xfrm>
+            <a:off x="504000" y="301320"/>
+            <a:ext cx="9072000" cy="1261800"/>
+          </a:xfrm>
+          <a:prstGeom prst="rect">
+            <a:avLst/>
+          </a:prstGeom>
+        </p:spPr>
+        <p:txBody>
+          <a:bodyPr lIns="0" rIns="0" tIns="0" bIns="0" anchor="ctr"/>
+          <a:p>
+            <a:pPr algn="ctr"/>
+            <a:endParaRPr b="0" lang="ru-RU" sz="4400" spc="-1" strike="noStrike">
+              <a:solidFill>
+                <a:srgbClr val="000000"/>
+              </a:solidFill>
+              <a:uFill>
+                <a:solidFill>
+                  <a:srgbClr val="ffffff"/>
+                </a:solidFill>
+              </a:uFill>
+              <a:latin typeface="Arial"/>
+            </a:endParaRPr>
+          </a:p>
+        </p:txBody>
+      </p:sp>
+    </p:spTree>
+  </p:cSld>
+</p:sldLayout>
+</file>
+
+<file path=ppt/slideLayouts/slideLayout18.xml><?xml version="1.0" encoding="utf-8"?>
+<p:sldLayout xmlns:a="http://schemas.openxmlformats.org/drawingml/2006/main" xmlns:p="http://schemas.openxmlformats.org/presentationml/2006/main" xmlns:r="http://schemas.openxmlformats.org/officeDocument/2006/relationships" xmlns:p14="http://schemas.microsoft.com/office/powerpoint/2010/main" xmlns:p15="http://schemas.microsoft.com/office/powerpoint/2012/main" xmlns:mc="http://schemas.openxmlformats.org/markup-compatibility/2006" type="objOnly" preserve="1">
+  <p:cSld name="Centered Text">
+    <p:spTree>
+      <p:nvGrpSpPr>
+        <p:cNvPr id="1" name=""/>
+        <p:cNvGrpSpPr/>
+        <p:nvPr/>
+      </p:nvGrpSpPr>
+      <p:grpSpPr>
+        <a:xfrm>
+          <a:off x="0" y="0"/>
+          <a:ext cx="0" cy="0"/>
+          <a:chOff x="0" y="0"/>
+          <a:chExt cx="0" cy="0"/>
+        </a:xfrm>
+      </p:grpSpPr>
+      <p:sp>
+        <p:nvSpPr>
+          <p:cNvPr id="46" name="PlaceHolder 1"/>
+          <p:cNvSpPr>
+            <a:spLocks noGrp="1"/>
+          </p:cNvSpPr>
+          <p:nvPr>
+            <p:ph type="subTitle"/>
+          </p:nvPr>
+        </p:nvSpPr>
+        <p:spPr>
+          <a:xfrm>
+            <a:off x="504000" y="301320"/>
+            <a:ext cx="9072000" cy="5850360"/>
+          </a:xfrm>
+          <a:prstGeom prst="rect">
+            <a:avLst/>
+          </a:prstGeom>
+        </p:spPr>
+        <p:txBody>
+          <a:bodyPr lIns="0" rIns="0" tIns="0" bIns="0" anchor="ctr"/>
+          <a:p>
+            <a:pPr algn="ctr"/>
+            <a:endParaRPr b="0" lang="ru-RU" sz="3200" spc="-1" strike="noStrike">
+              <a:solidFill>
+                <a:srgbClr val="000000"/>
+              </a:solidFill>
+              <a:uFill>
+                <a:solidFill>
+                  <a:srgbClr val="ffffff"/>
+                </a:solidFill>
+              </a:uFill>
+              <a:latin typeface="Arial"/>
+            </a:endParaRPr>
+          </a:p>
+        </p:txBody>
+      </p:sp>
+    </p:spTree>
+  </p:cSld>
+</p:sldLayout>
+</file>
+
+<file path=ppt/slideLayouts/slideLayout19.xml><?xml version="1.0" encoding="utf-8"?>
+<p:sldLayout xmlns:a="http://schemas.openxmlformats.org/drawingml/2006/main" xmlns:p="http://schemas.openxmlformats.org/presentationml/2006/main" xmlns:r="http://schemas.openxmlformats.org/officeDocument/2006/relationships" xmlns:p14="http://schemas.microsoft.com/office/powerpoint/2010/main" xmlns:p15="http://schemas.microsoft.com/office/powerpoint/2012/main" xmlns:mc="http://schemas.openxmlformats.org/markup-compatibility/2006" type="twoObjAndObj" preserve="1">
+  <p:cSld name="Title, 2 Content and Content">
+    <p:spTree>
+      <p:nvGrpSpPr>
+        <p:cNvPr id="1" name=""/>
+        <p:cNvGrpSpPr/>
+        <p:nvPr/>
+      </p:nvGrpSpPr>
+      <p:grpSpPr>
+        <a:xfrm>
+          <a:off x="0" y="0"/>
+          <a:ext cx="0" cy="0"/>
+          <a:chOff x="0" y="0"/>
+          <a:chExt cx="0" cy="0"/>
+        </a:xfrm>
+      </p:grpSpPr>
+      <p:sp>
+        <p:nvSpPr>
+          <p:cNvPr id="47" name="PlaceHolder 1"/>
+          <p:cNvSpPr>
+            <a:spLocks noGrp="1"/>
+          </p:cNvSpPr>
+          <p:nvPr>
+            <p:ph type="title"/>
+          </p:nvPr>
+        </p:nvSpPr>
+        <p:spPr>
+          <a:xfrm>
+            <a:off x="504000" y="301320"/>
+            <a:ext cx="9072000" cy="1261800"/>
+          </a:xfrm>
+          <a:prstGeom prst="rect">
+            <a:avLst/>
+          </a:prstGeom>
+        </p:spPr>
+        <p:txBody>
+          <a:bodyPr lIns="0" rIns="0" tIns="0" bIns="0" anchor="ctr"/>
+          <a:p>
+            <a:pPr algn="ctr"/>
+            <a:endParaRPr b="0" lang="ru-RU" sz="4400" spc="-1" strike="noStrike">
+              <a:solidFill>
+                <a:srgbClr val="000000"/>
+              </a:solidFill>
+              <a:uFill>
+                <a:solidFill>
+                  <a:srgbClr val="ffffff"/>
+                </a:solidFill>
+              </a:uFill>
+              <a:latin typeface="Arial"/>
+            </a:endParaRPr>
+          </a:p>
+        </p:txBody>
+      </p:sp>
+      <p:sp>
+        <p:nvSpPr>
+          <p:cNvPr id="48" name="PlaceHolder 2"/>
+          <p:cNvSpPr>
+            <a:spLocks noGrp="1"/>
+          </p:cNvSpPr>
+          <p:nvPr>
+            <p:ph type="body"/>
+          </p:nvPr>
+        </p:nvSpPr>
+        <p:spPr>
+          <a:xfrm>
+            <a:off x="504000" y="1768680"/>
+            <a:ext cx="4426920" cy="2090880"/>
+          </a:xfrm>
+          <a:prstGeom prst="rect">
+            <a:avLst/>
+          </a:prstGeom>
+        </p:spPr>
+        <p:txBody>
+          <a:bodyPr lIns="0" rIns="0" tIns="0" bIns="0"/>
+          <a:p>
+            <a:endParaRPr b="0" lang="ru-RU" sz="3200" spc="-1" strike="noStrike">
+              <a:solidFill>
+                <a:srgbClr val="000000"/>
+              </a:solidFill>
+              <a:uFill>
+                <a:solidFill>
+                  <a:srgbClr val="ffffff"/>
+                </a:solidFill>
+              </a:uFill>
+              <a:latin typeface="Arial"/>
+            </a:endParaRPr>
+          </a:p>
+        </p:txBody>
+      </p:sp>
+      <p:sp>
+        <p:nvSpPr>
+          <p:cNvPr id="49" name="PlaceHolder 3"/>
+          <p:cNvSpPr>
+            <a:spLocks noGrp="1"/>
+          </p:cNvSpPr>
+          <p:nvPr>
+            <p:ph type="body"/>
+          </p:nvPr>
+        </p:nvSpPr>
+        <p:spPr>
+          <a:xfrm>
+            <a:off x="504000" y="4058640"/>
+            <a:ext cx="4426920" cy="2090880"/>
+          </a:xfrm>
+          <a:prstGeom prst="rect">
+            <a:avLst/>
+          </a:prstGeom>
+        </p:spPr>
+        <p:txBody>
+          <a:bodyPr lIns="0" rIns="0" tIns="0" bIns="0"/>
+          <a:p>
+            <a:endParaRPr b="0" lang="ru-RU" sz="3200" spc="-1" strike="noStrike">
+              <a:solidFill>
+                <a:srgbClr val="000000"/>
+              </a:solidFill>
+              <a:uFill>
+                <a:solidFill>
+                  <a:srgbClr val="ffffff"/>
+                </a:solidFill>
+              </a:uFill>
+              <a:latin typeface="Arial"/>
+            </a:endParaRPr>
+          </a:p>
+        </p:txBody>
+      </p:sp>
+      <p:sp>
+        <p:nvSpPr>
+          <p:cNvPr id="50" name="PlaceHolder 4"/>
+          <p:cNvSpPr>
+            <a:spLocks noGrp="1"/>
+          </p:cNvSpPr>
+          <p:nvPr>
+            <p:ph type="body"/>
+          </p:nvPr>
+        </p:nvSpPr>
+        <p:spPr>
+          <a:xfrm>
+            <a:off x="5152680" y="1768680"/>
+            <a:ext cx="4426920" cy="4384080"/>
+          </a:xfrm>
+          <a:prstGeom prst="rect">
+            <a:avLst/>
+          </a:prstGeom>
+        </p:spPr>
+        <p:txBody>
+          <a:bodyPr lIns="0" rIns="0" tIns="0" bIns="0"/>
+          <a:p>
+            <a:endParaRPr b="0" lang="ru-RU" sz="3200" spc="-1" strike="noStrike">
+              <a:solidFill>
+                <a:srgbClr val="000000"/>
+              </a:solidFill>
+              <a:uFill>
+                <a:solidFill>
+                  <a:srgbClr val="ffffff"/>
+                </a:solidFill>
+              </a:uFill>
+              <a:latin typeface="Arial"/>
+            </a:endParaRPr>
+          </a:p>
+        </p:txBody>
+      </p:sp>
     </p:spTree>
   </p:cSld>
 </p:sldLayout>
@@ -581,7 +1211,7 @@
       </p:grpSpPr>
       <p:sp>
         <p:nvSpPr>
-          <p:cNvPr id="5" name="PlaceHolder 1"/>
+          <p:cNvPr id="2" name="PlaceHolder 1"/>
           <p:cNvSpPr>
             <a:spLocks noGrp="1"/>
           </p:cNvSpPr>
@@ -592,7 +1222,7 @@
         <p:spPr>
           <a:xfrm>
             <a:off x="504000" y="301320"/>
-            <a:ext cx="9071640" cy="1262160"/>
+            <a:ext cx="9072000" cy="1261800"/>
           </a:xfrm>
           <a:prstGeom prst="rect">
             <a:avLst/>
@@ -618,7 +1248,7 @@
       </p:sp>
       <p:sp>
         <p:nvSpPr>
-          <p:cNvPr id="6" name="PlaceHolder 2"/>
+          <p:cNvPr id="3" name="PlaceHolder 2"/>
           <p:cNvSpPr>
             <a:spLocks noGrp="1"/>
           </p:cNvSpPr>
@@ -628,8 +1258,8 @@
         </p:nvSpPr>
         <p:spPr>
           <a:xfrm>
-            <a:off x="504000" y="1769040"/>
-            <a:ext cx="9071640" cy="4384440"/>
+            <a:off x="504000" y="1768680"/>
+            <a:ext cx="9072000" cy="4384080"/>
           </a:xfrm>
           <a:prstGeom prst="rect">
             <a:avLst/>
@@ -653,6 +1283,851 @@
           </a:p>
         </p:txBody>
       </p:sp>
+    </p:spTree>
+  </p:cSld>
+</p:sldLayout>
+</file>
+
+<file path=ppt/slideLayouts/slideLayout20.xml><?xml version="1.0" encoding="utf-8"?>
+<p:sldLayout xmlns:a="http://schemas.openxmlformats.org/drawingml/2006/main" xmlns:p="http://schemas.openxmlformats.org/presentationml/2006/main" xmlns:r="http://schemas.openxmlformats.org/officeDocument/2006/relationships" xmlns:p14="http://schemas.microsoft.com/office/powerpoint/2010/main" xmlns:p15="http://schemas.microsoft.com/office/powerpoint/2012/main" xmlns:mc="http://schemas.openxmlformats.org/markup-compatibility/2006" type="objAndTwoObj" preserve="1">
+  <p:cSld name="Title Content and 2 Content">
+    <p:spTree>
+      <p:nvGrpSpPr>
+        <p:cNvPr id="1" name=""/>
+        <p:cNvGrpSpPr/>
+        <p:nvPr/>
+      </p:nvGrpSpPr>
+      <p:grpSpPr>
+        <a:xfrm>
+          <a:off x="0" y="0"/>
+          <a:ext cx="0" cy="0"/>
+          <a:chOff x="0" y="0"/>
+          <a:chExt cx="0" cy="0"/>
+        </a:xfrm>
+      </p:grpSpPr>
+      <p:sp>
+        <p:nvSpPr>
+          <p:cNvPr id="51" name="PlaceHolder 1"/>
+          <p:cNvSpPr>
+            <a:spLocks noGrp="1"/>
+          </p:cNvSpPr>
+          <p:nvPr>
+            <p:ph type="title"/>
+          </p:nvPr>
+        </p:nvSpPr>
+        <p:spPr>
+          <a:xfrm>
+            <a:off x="504000" y="301320"/>
+            <a:ext cx="9072000" cy="1261800"/>
+          </a:xfrm>
+          <a:prstGeom prst="rect">
+            <a:avLst/>
+          </a:prstGeom>
+        </p:spPr>
+        <p:txBody>
+          <a:bodyPr lIns="0" rIns="0" tIns="0" bIns="0" anchor="ctr"/>
+          <a:p>
+            <a:pPr algn="ctr"/>
+            <a:endParaRPr b="0" lang="ru-RU" sz="4400" spc="-1" strike="noStrike">
+              <a:solidFill>
+                <a:srgbClr val="000000"/>
+              </a:solidFill>
+              <a:uFill>
+                <a:solidFill>
+                  <a:srgbClr val="ffffff"/>
+                </a:solidFill>
+              </a:uFill>
+              <a:latin typeface="Arial"/>
+            </a:endParaRPr>
+          </a:p>
+        </p:txBody>
+      </p:sp>
+      <p:sp>
+        <p:nvSpPr>
+          <p:cNvPr id="52" name="PlaceHolder 2"/>
+          <p:cNvSpPr>
+            <a:spLocks noGrp="1"/>
+          </p:cNvSpPr>
+          <p:nvPr>
+            <p:ph type="body"/>
+          </p:nvPr>
+        </p:nvSpPr>
+        <p:spPr>
+          <a:xfrm>
+            <a:off x="504000" y="1768680"/>
+            <a:ext cx="4426920" cy="4384080"/>
+          </a:xfrm>
+          <a:prstGeom prst="rect">
+            <a:avLst/>
+          </a:prstGeom>
+        </p:spPr>
+        <p:txBody>
+          <a:bodyPr lIns="0" rIns="0" tIns="0" bIns="0"/>
+          <a:p>
+            <a:endParaRPr b="0" lang="ru-RU" sz="3200" spc="-1" strike="noStrike">
+              <a:solidFill>
+                <a:srgbClr val="000000"/>
+              </a:solidFill>
+              <a:uFill>
+                <a:solidFill>
+                  <a:srgbClr val="ffffff"/>
+                </a:solidFill>
+              </a:uFill>
+              <a:latin typeface="Arial"/>
+            </a:endParaRPr>
+          </a:p>
+        </p:txBody>
+      </p:sp>
+      <p:sp>
+        <p:nvSpPr>
+          <p:cNvPr id="53" name="PlaceHolder 3"/>
+          <p:cNvSpPr>
+            <a:spLocks noGrp="1"/>
+          </p:cNvSpPr>
+          <p:nvPr>
+            <p:ph type="body"/>
+          </p:nvPr>
+        </p:nvSpPr>
+        <p:spPr>
+          <a:xfrm>
+            <a:off x="5152680" y="1768680"/>
+            <a:ext cx="4426920" cy="2090880"/>
+          </a:xfrm>
+          <a:prstGeom prst="rect">
+            <a:avLst/>
+          </a:prstGeom>
+        </p:spPr>
+        <p:txBody>
+          <a:bodyPr lIns="0" rIns="0" tIns="0" bIns="0"/>
+          <a:p>
+            <a:endParaRPr b="0" lang="ru-RU" sz="3200" spc="-1" strike="noStrike">
+              <a:solidFill>
+                <a:srgbClr val="000000"/>
+              </a:solidFill>
+              <a:uFill>
+                <a:solidFill>
+                  <a:srgbClr val="ffffff"/>
+                </a:solidFill>
+              </a:uFill>
+              <a:latin typeface="Arial"/>
+            </a:endParaRPr>
+          </a:p>
+        </p:txBody>
+      </p:sp>
+      <p:sp>
+        <p:nvSpPr>
+          <p:cNvPr id="54" name="PlaceHolder 4"/>
+          <p:cNvSpPr>
+            <a:spLocks noGrp="1"/>
+          </p:cNvSpPr>
+          <p:nvPr>
+            <p:ph type="body"/>
+          </p:nvPr>
+        </p:nvSpPr>
+        <p:spPr>
+          <a:xfrm>
+            <a:off x="5152680" y="4058640"/>
+            <a:ext cx="4426920" cy="2090880"/>
+          </a:xfrm>
+          <a:prstGeom prst="rect">
+            <a:avLst/>
+          </a:prstGeom>
+        </p:spPr>
+        <p:txBody>
+          <a:bodyPr lIns="0" rIns="0" tIns="0" bIns="0"/>
+          <a:p>
+            <a:endParaRPr b="0" lang="ru-RU" sz="3200" spc="-1" strike="noStrike">
+              <a:solidFill>
+                <a:srgbClr val="000000"/>
+              </a:solidFill>
+              <a:uFill>
+                <a:solidFill>
+                  <a:srgbClr val="ffffff"/>
+                </a:solidFill>
+              </a:uFill>
+              <a:latin typeface="Arial"/>
+            </a:endParaRPr>
+          </a:p>
+        </p:txBody>
+      </p:sp>
+    </p:spTree>
+  </p:cSld>
+</p:sldLayout>
+</file>
+
+<file path=ppt/slideLayouts/slideLayout21.xml><?xml version="1.0" encoding="utf-8"?>
+<p:sldLayout xmlns:a="http://schemas.openxmlformats.org/drawingml/2006/main" xmlns:p="http://schemas.openxmlformats.org/presentationml/2006/main" xmlns:r="http://schemas.openxmlformats.org/officeDocument/2006/relationships" xmlns:p14="http://schemas.microsoft.com/office/powerpoint/2010/main" xmlns:p15="http://schemas.microsoft.com/office/powerpoint/2012/main" xmlns:mc="http://schemas.openxmlformats.org/markup-compatibility/2006" type="twoObjOverTx" preserve="1">
+  <p:cSld name="Title, 2 Content over Content">
+    <p:spTree>
+      <p:nvGrpSpPr>
+        <p:cNvPr id="1" name=""/>
+        <p:cNvGrpSpPr/>
+        <p:nvPr/>
+      </p:nvGrpSpPr>
+      <p:grpSpPr>
+        <a:xfrm>
+          <a:off x="0" y="0"/>
+          <a:ext cx="0" cy="0"/>
+          <a:chOff x="0" y="0"/>
+          <a:chExt cx="0" cy="0"/>
+        </a:xfrm>
+      </p:grpSpPr>
+      <p:sp>
+        <p:nvSpPr>
+          <p:cNvPr id="55" name="PlaceHolder 1"/>
+          <p:cNvSpPr>
+            <a:spLocks noGrp="1"/>
+          </p:cNvSpPr>
+          <p:nvPr>
+            <p:ph type="title"/>
+          </p:nvPr>
+        </p:nvSpPr>
+        <p:spPr>
+          <a:xfrm>
+            <a:off x="504000" y="301320"/>
+            <a:ext cx="9072000" cy="1261800"/>
+          </a:xfrm>
+          <a:prstGeom prst="rect">
+            <a:avLst/>
+          </a:prstGeom>
+        </p:spPr>
+        <p:txBody>
+          <a:bodyPr lIns="0" rIns="0" tIns="0" bIns="0" anchor="ctr"/>
+          <a:p>
+            <a:pPr algn="ctr"/>
+            <a:endParaRPr b="0" lang="ru-RU" sz="4400" spc="-1" strike="noStrike">
+              <a:solidFill>
+                <a:srgbClr val="000000"/>
+              </a:solidFill>
+              <a:uFill>
+                <a:solidFill>
+                  <a:srgbClr val="ffffff"/>
+                </a:solidFill>
+              </a:uFill>
+              <a:latin typeface="Arial"/>
+            </a:endParaRPr>
+          </a:p>
+        </p:txBody>
+      </p:sp>
+      <p:sp>
+        <p:nvSpPr>
+          <p:cNvPr id="56" name="PlaceHolder 2"/>
+          <p:cNvSpPr>
+            <a:spLocks noGrp="1"/>
+          </p:cNvSpPr>
+          <p:nvPr>
+            <p:ph type="body"/>
+          </p:nvPr>
+        </p:nvSpPr>
+        <p:spPr>
+          <a:xfrm>
+            <a:off x="504000" y="1768680"/>
+            <a:ext cx="4426920" cy="2090880"/>
+          </a:xfrm>
+          <a:prstGeom prst="rect">
+            <a:avLst/>
+          </a:prstGeom>
+        </p:spPr>
+        <p:txBody>
+          <a:bodyPr lIns="0" rIns="0" tIns="0" bIns="0"/>
+          <a:p>
+            <a:endParaRPr b="0" lang="ru-RU" sz="3200" spc="-1" strike="noStrike">
+              <a:solidFill>
+                <a:srgbClr val="000000"/>
+              </a:solidFill>
+              <a:uFill>
+                <a:solidFill>
+                  <a:srgbClr val="ffffff"/>
+                </a:solidFill>
+              </a:uFill>
+              <a:latin typeface="Arial"/>
+            </a:endParaRPr>
+          </a:p>
+        </p:txBody>
+      </p:sp>
+      <p:sp>
+        <p:nvSpPr>
+          <p:cNvPr id="57" name="PlaceHolder 3"/>
+          <p:cNvSpPr>
+            <a:spLocks noGrp="1"/>
+          </p:cNvSpPr>
+          <p:nvPr>
+            <p:ph type="body"/>
+          </p:nvPr>
+        </p:nvSpPr>
+        <p:spPr>
+          <a:xfrm>
+            <a:off x="5152680" y="1768680"/>
+            <a:ext cx="4426920" cy="2090880"/>
+          </a:xfrm>
+          <a:prstGeom prst="rect">
+            <a:avLst/>
+          </a:prstGeom>
+        </p:spPr>
+        <p:txBody>
+          <a:bodyPr lIns="0" rIns="0" tIns="0" bIns="0"/>
+          <a:p>
+            <a:endParaRPr b="0" lang="ru-RU" sz="3200" spc="-1" strike="noStrike">
+              <a:solidFill>
+                <a:srgbClr val="000000"/>
+              </a:solidFill>
+              <a:uFill>
+                <a:solidFill>
+                  <a:srgbClr val="ffffff"/>
+                </a:solidFill>
+              </a:uFill>
+              <a:latin typeface="Arial"/>
+            </a:endParaRPr>
+          </a:p>
+        </p:txBody>
+      </p:sp>
+      <p:sp>
+        <p:nvSpPr>
+          <p:cNvPr id="58" name="PlaceHolder 4"/>
+          <p:cNvSpPr>
+            <a:spLocks noGrp="1"/>
+          </p:cNvSpPr>
+          <p:nvPr>
+            <p:ph type="body"/>
+          </p:nvPr>
+        </p:nvSpPr>
+        <p:spPr>
+          <a:xfrm>
+            <a:off x="504000" y="4058640"/>
+            <a:ext cx="9072000" cy="2090880"/>
+          </a:xfrm>
+          <a:prstGeom prst="rect">
+            <a:avLst/>
+          </a:prstGeom>
+        </p:spPr>
+        <p:txBody>
+          <a:bodyPr lIns="0" rIns="0" tIns="0" bIns="0"/>
+          <a:p>
+            <a:endParaRPr b="0" lang="ru-RU" sz="3200" spc="-1" strike="noStrike">
+              <a:solidFill>
+                <a:srgbClr val="000000"/>
+              </a:solidFill>
+              <a:uFill>
+                <a:solidFill>
+                  <a:srgbClr val="ffffff"/>
+                </a:solidFill>
+              </a:uFill>
+              <a:latin typeface="Arial"/>
+            </a:endParaRPr>
+          </a:p>
+        </p:txBody>
+      </p:sp>
+    </p:spTree>
+  </p:cSld>
+</p:sldLayout>
+</file>
+
+<file path=ppt/slideLayouts/slideLayout22.xml><?xml version="1.0" encoding="utf-8"?>
+<p:sldLayout xmlns:a="http://schemas.openxmlformats.org/drawingml/2006/main" xmlns:p="http://schemas.openxmlformats.org/presentationml/2006/main" xmlns:r="http://schemas.openxmlformats.org/officeDocument/2006/relationships" xmlns:p14="http://schemas.microsoft.com/office/powerpoint/2010/main" xmlns:p15="http://schemas.microsoft.com/office/powerpoint/2012/main" xmlns:mc="http://schemas.openxmlformats.org/markup-compatibility/2006" type="objOverTx" preserve="1">
+  <p:cSld name="Title, Content over Content">
+    <p:spTree>
+      <p:nvGrpSpPr>
+        <p:cNvPr id="1" name=""/>
+        <p:cNvGrpSpPr/>
+        <p:nvPr/>
+      </p:nvGrpSpPr>
+      <p:grpSpPr>
+        <a:xfrm>
+          <a:off x="0" y="0"/>
+          <a:ext cx="0" cy="0"/>
+          <a:chOff x="0" y="0"/>
+          <a:chExt cx="0" cy="0"/>
+        </a:xfrm>
+      </p:grpSpPr>
+      <p:sp>
+        <p:nvSpPr>
+          <p:cNvPr id="59" name="PlaceHolder 1"/>
+          <p:cNvSpPr>
+            <a:spLocks noGrp="1"/>
+          </p:cNvSpPr>
+          <p:nvPr>
+            <p:ph type="title"/>
+          </p:nvPr>
+        </p:nvSpPr>
+        <p:spPr>
+          <a:xfrm>
+            <a:off x="504000" y="301320"/>
+            <a:ext cx="9072000" cy="1261800"/>
+          </a:xfrm>
+          <a:prstGeom prst="rect">
+            <a:avLst/>
+          </a:prstGeom>
+        </p:spPr>
+        <p:txBody>
+          <a:bodyPr lIns="0" rIns="0" tIns="0" bIns="0" anchor="ctr"/>
+          <a:p>
+            <a:pPr algn="ctr"/>
+            <a:endParaRPr b="0" lang="ru-RU" sz="4400" spc="-1" strike="noStrike">
+              <a:solidFill>
+                <a:srgbClr val="000000"/>
+              </a:solidFill>
+              <a:uFill>
+                <a:solidFill>
+                  <a:srgbClr val="ffffff"/>
+                </a:solidFill>
+              </a:uFill>
+              <a:latin typeface="Arial"/>
+            </a:endParaRPr>
+          </a:p>
+        </p:txBody>
+      </p:sp>
+      <p:sp>
+        <p:nvSpPr>
+          <p:cNvPr id="60" name="PlaceHolder 2"/>
+          <p:cNvSpPr>
+            <a:spLocks noGrp="1"/>
+          </p:cNvSpPr>
+          <p:nvPr>
+            <p:ph type="body"/>
+          </p:nvPr>
+        </p:nvSpPr>
+        <p:spPr>
+          <a:xfrm>
+            <a:off x="504000" y="1768680"/>
+            <a:ext cx="9072000" cy="2090880"/>
+          </a:xfrm>
+          <a:prstGeom prst="rect">
+            <a:avLst/>
+          </a:prstGeom>
+        </p:spPr>
+        <p:txBody>
+          <a:bodyPr lIns="0" rIns="0" tIns="0" bIns="0"/>
+          <a:p>
+            <a:endParaRPr b="0" lang="ru-RU" sz="3200" spc="-1" strike="noStrike">
+              <a:solidFill>
+                <a:srgbClr val="000000"/>
+              </a:solidFill>
+              <a:uFill>
+                <a:solidFill>
+                  <a:srgbClr val="ffffff"/>
+                </a:solidFill>
+              </a:uFill>
+              <a:latin typeface="Arial"/>
+            </a:endParaRPr>
+          </a:p>
+        </p:txBody>
+      </p:sp>
+      <p:sp>
+        <p:nvSpPr>
+          <p:cNvPr id="61" name="PlaceHolder 3"/>
+          <p:cNvSpPr>
+            <a:spLocks noGrp="1"/>
+          </p:cNvSpPr>
+          <p:nvPr>
+            <p:ph type="body"/>
+          </p:nvPr>
+        </p:nvSpPr>
+        <p:spPr>
+          <a:xfrm>
+            <a:off x="504000" y="4058640"/>
+            <a:ext cx="9072000" cy="2090880"/>
+          </a:xfrm>
+          <a:prstGeom prst="rect">
+            <a:avLst/>
+          </a:prstGeom>
+        </p:spPr>
+        <p:txBody>
+          <a:bodyPr lIns="0" rIns="0" tIns="0" bIns="0"/>
+          <a:p>
+            <a:endParaRPr b="0" lang="ru-RU" sz="3200" spc="-1" strike="noStrike">
+              <a:solidFill>
+                <a:srgbClr val="000000"/>
+              </a:solidFill>
+              <a:uFill>
+                <a:solidFill>
+                  <a:srgbClr val="ffffff"/>
+                </a:solidFill>
+              </a:uFill>
+              <a:latin typeface="Arial"/>
+            </a:endParaRPr>
+          </a:p>
+        </p:txBody>
+      </p:sp>
+    </p:spTree>
+  </p:cSld>
+</p:sldLayout>
+</file>
+
+<file path=ppt/slideLayouts/slideLayout23.xml><?xml version="1.0" encoding="utf-8"?>
+<p:sldLayout xmlns:a="http://schemas.openxmlformats.org/drawingml/2006/main" xmlns:p="http://schemas.openxmlformats.org/presentationml/2006/main" xmlns:r="http://schemas.openxmlformats.org/officeDocument/2006/relationships" xmlns:p14="http://schemas.microsoft.com/office/powerpoint/2010/main" xmlns:p15="http://schemas.microsoft.com/office/powerpoint/2012/main" xmlns:mc="http://schemas.openxmlformats.org/markup-compatibility/2006" type="fourObj" preserve="1">
+  <p:cSld name="Title, 4 Content">
+    <p:spTree>
+      <p:nvGrpSpPr>
+        <p:cNvPr id="1" name=""/>
+        <p:cNvGrpSpPr/>
+        <p:nvPr/>
+      </p:nvGrpSpPr>
+      <p:grpSpPr>
+        <a:xfrm>
+          <a:off x="0" y="0"/>
+          <a:ext cx="0" cy="0"/>
+          <a:chOff x="0" y="0"/>
+          <a:chExt cx="0" cy="0"/>
+        </a:xfrm>
+      </p:grpSpPr>
+      <p:sp>
+        <p:nvSpPr>
+          <p:cNvPr id="62" name="PlaceHolder 1"/>
+          <p:cNvSpPr>
+            <a:spLocks noGrp="1"/>
+          </p:cNvSpPr>
+          <p:nvPr>
+            <p:ph type="title"/>
+          </p:nvPr>
+        </p:nvSpPr>
+        <p:spPr>
+          <a:xfrm>
+            <a:off x="504000" y="301320"/>
+            <a:ext cx="9072000" cy="1261800"/>
+          </a:xfrm>
+          <a:prstGeom prst="rect">
+            <a:avLst/>
+          </a:prstGeom>
+        </p:spPr>
+        <p:txBody>
+          <a:bodyPr lIns="0" rIns="0" tIns="0" bIns="0" anchor="ctr"/>
+          <a:p>
+            <a:pPr algn="ctr"/>
+            <a:endParaRPr b="0" lang="ru-RU" sz="4400" spc="-1" strike="noStrike">
+              <a:solidFill>
+                <a:srgbClr val="000000"/>
+              </a:solidFill>
+              <a:uFill>
+                <a:solidFill>
+                  <a:srgbClr val="ffffff"/>
+                </a:solidFill>
+              </a:uFill>
+              <a:latin typeface="Arial"/>
+            </a:endParaRPr>
+          </a:p>
+        </p:txBody>
+      </p:sp>
+      <p:sp>
+        <p:nvSpPr>
+          <p:cNvPr id="63" name="PlaceHolder 2"/>
+          <p:cNvSpPr>
+            <a:spLocks noGrp="1"/>
+          </p:cNvSpPr>
+          <p:nvPr>
+            <p:ph type="body"/>
+          </p:nvPr>
+        </p:nvSpPr>
+        <p:spPr>
+          <a:xfrm>
+            <a:off x="504000" y="1768680"/>
+            <a:ext cx="4426920" cy="2090880"/>
+          </a:xfrm>
+          <a:prstGeom prst="rect">
+            <a:avLst/>
+          </a:prstGeom>
+        </p:spPr>
+        <p:txBody>
+          <a:bodyPr lIns="0" rIns="0" tIns="0" bIns="0"/>
+          <a:p>
+            <a:endParaRPr b="0" lang="ru-RU" sz="3200" spc="-1" strike="noStrike">
+              <a:solidFill>
+                <a:srgbClr val="000000"/>
+              </a:solidFill>
+              <a:uFill>
+                <a:solidFill>
+                  <a:srgbClr val="ffffff"/>
+                </a:solidFill>
+              </a:uFill>
+              <a:latin typeface="Arial"/>
+            </a:endParaRPr>
+          </a:p>
+        </p:txBody>
+      </p:sp>
+      <p:sp>
+        <p:nvSpPr>
+          <p:cNvPr id="64" name="PlaceHolder 3"/>
+          <p:cNvSpPr>
+            <a:spLocks noGrp="1"/>
+          </p:cNvSpPr>
+          <p:nvPr>
+            <p:ph type="body"/>
+          </p:nvPr>
+        </p:nvSpPr>
+        <p:spPr>
+          <a:xfrm>
+            <a:off x="5152680" y="1768680"/>
+            <a:ext cx="4426920" cy="2090880"/>
+          </a:xfrm>
+          <a:prstGeom prst="rect">
+            <a:avLst/>
+          </a:prstGeom>
+        </p:spPr>
+        <p:txBody>
+          <a:bodyPr lIns="0" rIns="0" tIns="0" bIns="0"/>
+          <a:p>
+            <a:endParaRPr b="0" lang="ru-RU" sz="3200" spc="-1" strike="noStrike">
+              <a:solidFill>
+                <a:srgbClr val="000000"/>
+              </a:solidFill>
+              <a:uFill>
+                <a:solidFill>
+                  <a:srgbClr val="ffffff"/>
+                </a:solidFill>
+              </a:uFill>
+              <a:latin typeface="Arial"/>
+            </a:endParaRPr>
+          </a:p>
+        </p:txBody>
+      </p:sp>
+      <p:sp>
+        <p:nvSpPr>
+          <p:cNvPr id="65" name="PlaceHolder 4"/>
+          <p:cNvSpPr>
+            <a:spLocks noGrp="1"/>
+          </p:cNvSpPr>
+          <p:nvPr>
+            <p:ph type="body"/>
+          </p:nvPr>
+        </p:nvSpPr>
+        <p:spPr>
+          <a:xfrm>
+            <a:off x="5152680" y="4058640"/>
+            <a:ext cx="4426920" cy="2090880"/>
+          </a:xfrm>
+          <a:prstGeom prst="rect">
+            <a:avLst/>
+          </a:prstGeom>
+        </p:spPr>
+        <p:txBody>
+          <a:bodyPr lIns="0" rIns="0" tIns="0" bIns="0"/>
+          <a:p>
+            <a:endParaRPr b="0" lang="ru-RU" sz="3200" spc="-1" strike="noStrike">
+              <a:solidFill>
+                <a:srgbClr val="000000"/>
+              </a:solidFill>
+              <a:uFill>
+                <a:solidFill>
+                  <a:srgbClr val="ffffff"/>
+                </a:solidFill>
+              </a:uFill>
+              <a:latin typeface="Arial"/>
+            </a:endParaRPr>
+          </a:p>
+        </p:txBody>
+      </p:sp>
+      <p:sp>
+        <p:nvSpPr>
+          <p:cNvPr id="66" name="PlaceHolder 5"/>
+          <p:cNvSpPr>
+            <a:spLocks noGrp="1"/>
+          </p:cNvSpPr>
+          <p:nvPr>
+            <p:ph type="body"/>
+          </p:nvPr>
+        </p:nvSpPr>
+        <p:spPr>
+          <a:xfrm>
+            <a:off x="504000" y="4058640"/>
+            <a:ext cx="4426920" cy="2090880"/>
+          </a:xfrm>
+          <a:prstGeom prst="rect">
+            <a:avLst/>
+          </a:prstGeom>
+        </p:spPr>
+        <p:txBody>
+          <a:bodyPr lIns="0" rIns="0" tIns="0" bIns="0"/>
+          <a:p>
+            <a:endParaRPr b="0" lang="ru-RU" sz="3200" spc="-1" strike="noStrike">
+              <a:solidFill>
+                <a:srgbClr val="000000"/>
+              </a:solidFill>
+              <a:uFill>
+                <a:solidFill>
+                  <a:srgbClr val="ffffff"/>
+                </a:solidFill>
+              </a:uFill>
+              <a:latin typeface="Arial"/>
+            </a:endParaRPr>
+          </a:p>
+        </p:txBody>
+      </p:sp>
+    </p:spTree>
+  </p:cSld>
+</p:sldLayout>
+</file>
+
+<file path=ppt/slideLayouts/slideLayout24.xml><?xml version="1.0" encoding="utf-8"?>
+<p:sldLayout xmlns:a="http://schemas.openxmlformats.org/drawingml/2006/main" xmlns:p="http://schemas.openxmlformats.org/presentationml/2006/main" xmlns:r="http://schemas.openxmlformats.org/officeDocument/2006/relationships" xmlns:p14="http://schemas.microsoft.com/office/powerpoint/2010/main" xmlns:p15="http://schemas.microsoft.com/office/powerpoint/2012/main" xmlns:mc="http://schemas.openxmlformats.org/markup-compatibility/2006" type="blank" preserve="1">
+  <p:cSld name="Title, 6 Content">
+    <p:spTree>
+      <p:nvGrpSpPr>
+        <p:cNvPr id="1" name=""/>
+        <p:cNvGrpSpPr/>
+        <p:nvPr/>
+      </p:nvGrpSpPr>
+      <p:grpSpPr>
+        <a:xfrm>
+          <a:off x="0" y="0"/>
+          <a:ext cx="0" cy="0"/>
+          <a:chOff x="0" y="0"/>
+          <a:chExt cx="0" cy="0"/>
+        </a:xfrm>
+      </p:grpSpPr>
+      <p:sp>
+        <p:nvSpPr>
+          <p:cNvPr id="67" name="PlaceHolder 1"/>
+          <p:cNvSpPr>
+            <a:spLocks noGrp="1"/>
+          </p:cNvSpPr>
+          <p:nvPr>
+            <p:ph type="title"/>
+          </p:nvPr>
+        </p:nvSpPr>
+        <p:spPr>
+          <a:xfrm>
+            <a:off x="504000" y="301320"/>
+            <a:ext cx="9072000" cy="1261800"/>
+          </a:xfrm>
+          <a:prstGeom prst="rect">
+            <a:avLst/>
+          </a:prstGeom>
+        </p:spPr>
+        <p:txBody>
+          <a:bodyPr lIns="0" rIns="0" tIns="0" bIns="0" anchor="ctr"/>
+          <a:p>
+            <a:pPr algn="ctr"/>
+            <a:endParaRPr b="0" lang="ru-RU" sz="4400" spc="-1" strike="noStrike">
+              <a:solidFill>
+                <a:srgbClr val="000000"/>
+              </a:solidFill>
+              <a:uFill>
+                <a:solidFill>
+                  <a:srgbClr val="ffffff"/>
+                </a:solidFill>
+              </a:uFill>
+              <a:latin typeface="Arial"/>
+            </a:endParaRPr>
+          </a:p>
+        </p:txBody>
+      </p:sp>
+      <p:sp>
+        <p:nvSpPr>
+          <p:cNvPr id="68" name="PlaceHolder 2"/>
+          <p:cNvSpPr>
+            <a:spLocks noGrp="1"/>
+          </p:cNvSpPr>
+          <p:nvPr>
+            <p:ph type="body"/>
+          </p:nvPr>
+        </p:nvSpPr>
+        <p:spPr>
+          <a:xfrm>
+            <a:off x="504000" y="1768680"/>
+            <a:ext cx="9072000" cy="4384080"/>
+          </a:xfrm>
+          <a:prstGeom prst="rect">
+            <a:avLst/>
+          </a:prstGeom>
+        </p:spPr>
+        <p:txBody>
+          <a:bodyPr lIns="0" rIns="0" tIns="0" bIns="0"/>
+          <a:p>
+            <a:endParaRPr b="0" lang="ru-RU" sz="3200" spc="-1" strike="noStrike">
+              <a:solidFill>
+                <a:srgbClr val="000000"/>
+              </a:solidFill>
+              <a:uFill>
+                <a:solidFill>
+                  <a:srgbClr val="ffffff"/>
+                </a:solidFill>
+              </a:uFill>
+              <a:latin typeface="Arial"/>
+            </a:endParaRPr>
+          </a:p>
+        </p:txBody>
+      </p:sp>
+      <p:sp>
+        <p:nvSpPr>
+          <p:cNvPr id="69" name="PlaceHolder 3"/>
+          <p:cNvSpPr>
+            <a:spLocks noGrp="1"/>
+          </p:cNvSpPr>
+          <p:nvPr>
+            <p:ph type="body"/>
+          </p:nvPr>
+        </p:nvSpPr>
+        <p:spPr>
+          <a:xfrm>
+            <a:off x="504000" y="1768680"/>
+            <a:ext cx="9072000" cy="4384080"/>
+          </a:xfrm>
+          <a:prstGeom prst="rect">
+            <a:avLst/>
+          </a:prstGeom>
+        </p:spPr>
+        <p:txBody>
+          <a:bodyPr lIns="0" rIns="0" tIns="0" bIns="0"/>
+          <a:p>
+            <a:endParaRPr b="0" lang="ru-RU" sz="3200" spc="-1" strike="noStrike">
+              <a:solidFill>
+                <a:srgbClr val="000000"/>
+              </a:solidFill>
+              <a:uFill>
+                <a:solidFill>
+                  <a:srgbClr val="ffffff"/>
+                </a:solidFill>
+              </a:uFill>
+              <a:latin typeface="Arial"/>
+            </a:endParaRPr>
+          </a:p>
+        </p:txBody>
+      </p:sp>
+      <p:pic>
+        <p:nvPicPr>
+          <p:cNvPr id="70" name="" descr=""/>
+          <p:cNvPicPr/>
+          <p:nvPr/>
+        </p:nvPicPr>
+        <p:blipFill>
+          <a:blip r:embed="rId2"/>
+          <a:stretch/>
+        </p:blipFill>
+        <p:spPr>
+          <a:xfrm>
+            <a:off x="2292480" y="1768680"/>
+            <a:ext cx="5494680" cy="4384080"/>
+          </a:xfrm>
+          <a:prstGeom prst="rect">
+            <a:avLst/>
+          </a:prstGeom>
+          <a:ln>
+            <a:noFill/>
+          </a:ln>
+        </p:spPr>
+      </p:pic>
+      <p:pic>
+        <p:nvPicPr>
+          <p:cNvPr id="71" name="" descr=""/>
+          <p:cNvPicPr/>
+          <p:nvPr/>
+        </p:nvPicPr>
+        <p:blipFill>
+          <a:blip r:embed="rId3"/>
+          <a:stretch/>
+        </p:blipFill>
+        <p:spPr>
+          <a:xfrm>
+            <a:off x="2292480" y="1768680"/>
+            <a:ext cx="5494680" cy="4384080"/>
+          </a:xfrm>
+          <a:prstGeom prst="rect">
+            <a:avLst/>
+          </a:prstGeom>
+          <a:ln>
+            <a:noFill/>
+          </a:ln>
+        </p:spPr>
+      </p:pic>
     </p:spTree>
   </p:cSld>
 </p:sldLayout>
@@ -677,7 +2152,7 @@
       </p:grpSpPr>
       <p:sp>
         <p:nvSpPr>
-          <p:cNvPr id="7" name="PlaceHolder 1"/>
+          <p:cNvPr id="4" name="PlaceHolder 1"/>
           <p:cNvSpPr>
             <a:spLocks noGrp="1"/>
           </p:cNvSpPr>
@@ -688,7 +2163,7 @@
         <p:spPr>
           <a:xfrm>
             <a:off x="504000" y="301320"/>
-            <a:ext cx="9071640" cy="1262160"/>
+            <a:ext cx="9072000" cy="1261800"/>
           </a:xfrm>
           <a:prstGeom prst="rect">
             <a:avLst/>
@@ -714,7 +2189,7 @@
       </p:sp>
       <p:sp>
         <p:nvSpPr>
-          <p:cNvPr id="8" name="PlaceHolder 2"/>
+          <p:cNvPr id="5" name="PlaceHolder 2"/>
           <p:cNvSpPr>
             <a:spLocks noGrp="1"/>
           </p:cNvSpPr>
@@ -724,8 +2199,8 @@
         </p:nvSpPr>
         <p:spPr>
           <a:xfrm>
-            <a:off x="504000" y="1769040"/>
-            <a:ext cx="9071640" cy="4384440"/>
+            <a:off x="504000" y="1768680"/>
+            <a:ext cx="9072000" cy="4384080"/>
           </a:xfrm>
           <a:prstGeom prst="rect">
             <a:avLst/>
@@ -772,7 +2247,7 @@
       </p:grpSpPr>
       <p:sp>
         <p:nvSpPr>
-          <p:cNvPr id="9" name="PlaceHolder 1"/>
+          <p:cNvPr id="6" name="PlaceHolder 1"/>
           <p:cNvSpPr>
             <a:spLocks noGrp="1"/>
           </p:cNvSpPr>
@@ -783,7 +2258,7 @@
         <p:spPr>
           <a:xfrm>
             <a:off x="504000" y="301320"/>
-            <a:ext cx="9071640" cy="1262160"/>
+            <a:ext cx="9072000" cy="1261800"/>
           </a:xfrm>
           <a:prstGeom prst="rect">
             <a:avLst/>
@@ -809,7 +2284,7 @@
       </p:sp>
       <p:sp>
         <p:nvSpPr>
-          <p:cNvPr id="10" name="PlaceHolder 2"/>
+          <p:cNvPr id="7" name="PlaceHolder 2"/>
           <p:cNvSpPr>
             <a:spLocks noGrp="1"/>
           </p:cNvSpPr>
@@ -819,8 +2294,8 @@
         </p:nvSpPr>
         <p:spPr>
           <a:xfrm>
-            <a:off x="504000" y="1769040"/>
-            <a:ext cx="4426920" cy="4384440"/>
+            <a:off x="504000" y="1768680"/>
+            <a:ext cx="4426920" cy="4384080"/>
           </a:xfrm>
           <a:prstGeom prst="rect">
             <a:avLst/>
@@ -845,7 +2320,7 @@
       </p:sp>
       <p:sp>
         <p:nvSpPr>
-          <p:cNvPr id="11" name="PlaceHolder 3"/>
+          <p:cNvPr id="8" name="PlaceHolder 3"/>
           <p:cNvSpPr>
             <a:spLocks noGrp="1"/>
           </p:cNvSpPr>
@@ -855,8 +2330,8 @@
         </p:nvSpPr>
         <p:spPr>
           <a:xfrm>
-            <a:off x="5152680" y="1769040"/>
-            <a:ext cx="4426920" cy="4384440"/>
+            <a:off x="5152680" y="1768680"/>
+            <a:ext cx="4426920" cy="4384080"/>
           </a:xfrm>
           <a:prstGeom prst="rect">
             <a:avLst/>
@@ -903,7 +2378,7 @@
       </p:grpSpPr>
       <p:sp>
         <p:nvSpPr>
-          <p:cNvPr id="12" name="PlaceHolder 1"/>
+          <p:cNvPr id="9" name="PlaceHolder 1"/>
           <p:cNvSpPr>
             <a:spLocks noGrp="1"/>
           </p:cNvSpPr>
@@ -914,7 +2389,7 @@
         <p:spPr>
           <a:xfrm>
             <a:off x="504000" y="301320"/>
-            <a:ext cx="9071640" cy="1262160"/>
+            <a:ext cx="9072000" cy="1261800"/>
           </a:xfrm>
           <a:prstGeom prst="rect">
             <a:avLst/>
@@ -962,7 +2437,7 @@
       </p:grpSpPr>
       <p:sp>
         <p:nvSpPr>
-          <p:cNvPr id="13" name="PlaceHolder 1"/>
+          <p:cNvPr id="10" name="PlaceHolder 1"/>
           <p:cNvSpPr>
             <a:spLocks noGrp="1"/>
           </p:cNvSpPr>
@@ -973,7 +2448,7 @@
         <p:spPr>
           <a:xfrm>
             <a:off x="504000" y="301320"/>
-            <a:ext cx="9071640" cy="5851800"/>
+            <a:ext cx="9072000" cy="5850360"/>
           </a:xfrm>
           <a:prstGeom prst="rect">
             <a:avLst/>
@@ -1021,7 +2496,7 @@
       </p:grpSpPr>
       <p:sp>
         <p:nvSpPr>
-          <p:cNvPr id="14" name="PlaceHolder 1"/>
+          <p:cNvPr id="11" name="PlaceHolder 1"/>
           <p:cNvSpPr>
             <a:spLocks noGrp="1"/>
           </p:cNvSpPr>
@@ -1032,7 +2507,7 @@
         <p:spPr>
           <a:xfrm>
             <a:off x="504000" y="301320"/>
-            <a:ext cx="9071640" cy="1262160"/>
+            <a:ext cx="9072000" cy="1261800"/>
           </a:xfrm>
           <a:prstGeom prst="rect">
             <a:avLst/>
@@ -1058,7 +2533,7 @@
       </p:sp>
       <p:sp>
         <p:nvSpPr>
-          <p:cNvPr id="15" name="PlaceHolder 2"/>
+          <p:cNvPr id="12" name="PlaceHolder 2"/>
           <p:cNvSpPr>
             <a:spLocks noGrp="1"/>
           </p:cNvSpPr>
@@ -1068,8 +2543,8 @@
         </p:nvSpPr>
         <p:spPr>
           <a:xfrm>
-            <a:off x="504000" y="1769040"/>
-            <a:ext cx="4426920" cy="2091240"/>
+            <a:off x="504000" y="1768680"/>
+            <a:ext cx="4426920" cy="2090880"/>
           </a:xfrm>
           <a:prstGeom prst="rect">
             <a:avLst/>
@@ -1094,7 +2569,7 @@
       </p:sp>
       <p:sp>
         <p:nvSpPr>
-          <p:cNvPr id="16" name="PlaceHolder 3"/>
+          <p:cNvPr id="13" name="PlaceHolder 3"/>
           <p:cNvSpPr>
             <a:spLocks noGrp="1"/>
           </p:cNvSpPr>
@@ -1104,8 +2579,8 @@
         </p:nvSpPr>
         <p:spPr>
           <a:xfrm>
-            <a:off x="504000" y="4059360"/>
-            <a:ext cx="4426920" cy="2091240"/>
+            <a:off x="504000" y="4058640"/>
+            <a:ext cx="4426920" cy="2090880"/>
           </a:xfrm>
           <a:prstGeom prst="rect">
             <a:avLst/>
@@ -1130,7 +2605,7 @@
       </p:sp>
       <p:sp>
         <p:nvSpPr>
-          <p:cNvPr id="17" name="PlaceHolder 4"/>
+          <p:cNvPr id="14" name="PlaceHolder 4"/>
           <p:cNvSpPr>
             <a:spLocks noGrp="1"/>
           </p:cNvSpPr>
@@ -1140,8 +2615,8 @@
         </p:nvSpPr>
         <p:spPr>
           <a:xfrm>
-            <a:off x="5152680" y="1769040"/>
-            <a:ext cx="4426920" cy="4384440"/>
+            <a:off x="5152680" y="1768680"/>
+            <a:ext cx="4426920" cy="4384080"/>
           </a:xfrm>
           <a:prstGeom prst="rect">
             <a:avLst/>
@@ -1188,7 +2663,7 @@
       </p:grpSpPr>
       <p:sp>
         <p:nvSpPr>
-          <p:cNvPr id="18" name="PlaceHolder 1"/>
+          <p:cNvPr id="15" name="PlaceHolder 1"/>
           <p:cNvSpPr>
             <a:spLocks noGrp="1"/>
           </p:cNvSpPr>
@@ -1199,7 +2674,7 @@
         <p:spPr>
           <a:xfrm>
             <a:off x="504000" y="301320"/>
-            <a:ext cx="9071640" cy="1262160"/>
+            <a:ext cx="9072000" cy="1261800"/>
           </a:xfrm>
           <a:prstGeom prst="rect">
             <a:avLst/>
@@ -1225,7 +2700,7 @@
       </p:sp>
       <p:sp>
         <p:nvSpPr>
-          <p:cNvPr id="19" name="PlaceHolder 2"/>
+          <p:cNvPr id="16" name="PlaceHolder 2"/>
           <p:cNvSpPr>
             <a:spLocks noGrp="1"/>
           </p:cNvSpPr>
@@ -1235,8 +2710,8 @@
         </p:nvSpPr>
         <p:spPr>
           <a:xfrm>
-            <a:off x="504000" y="1769040"/>
-            <a:ext cx="4426920" cy="4384440"/>
+            <a:off x="504000" y="1768680"/>
+            <a:ext cx="4426920" cy="4384080"/>
           </a:xfrm>
           <a:prstGeom prst="rect">
             <a:avLst/>
@@ -1261,7 +2736,7 @@
       </p:sp>
       <p:sp>
         <p:nvSpPr>
-          <p:cNvPr id="20" name="PlaceHolder 3"/>
+          <p:cNvPr id="17" name="PlaceHolder 3"/>
           <p:cNvSpPr>
             <a:spLocks noGrp="1"/>
           </p:cNvSpPr>
@@ -1271,8 +2746,8 @@
         </p:nvSpPr>
         <p:spPr>
           <a:xfrm>
-            <a:off x="5152680" y="1769040"/>
-            <a:ext cx="4426920" cy="2091240"/>
+            <a:off x="5152680" y="1768680"/>
+            <a:ext cx="4426920" cy="2090880"/>
           </a:xfrm>
           <a:prstGeom prst="rect">
             <a:avLst/>
@@ -1297,7 +2772,7 @@
       </p:sp>
       <p:sp>
         <p:nvSpPr>
-          <p:cNvPr id="21" name="PlaceHolder 4"/>
+          <p:cNvPr id="18" name="PlaceHolder 4"/>
           <p:cNvSpPr>
             <a:spLocks noGrp="1"/>
           </p:cNvSpPr>
@@ -1307,8 +2782,8 @@
         </p:nvSpPr>
         <p:spPr>
           <a:xfrm>
-            <a:off x="5152680" y="4059360"/>
-            <a:ext cx="4426920" cy="2091240"/>
+            <a:off x="5152680" y="4058640"/>
+            <a:ext cx="4426920" cy="2090880"/>
           </a:xfrm>
           <a:prstGeom prst="rect">
             <a:avLst/>
@@ -1355,7 +2830,7 @@
       </p:grpSpPr>
       <p:sp>
         <p:nvSpPr>
-          <p:cNvPr id="22" name="PlaceHolder 1"/>
+          <p:cNvPr id="19" name="PlaceHolder 1"/>
           <p:cNvSpPr>
             <a:spLocks noGrp="1"/>
           </p:cNvSpPr>
@@ -1366,7 +2841,7 @@
         <p:spPr>
           <a:xfrm>
             <a:off x="504000" y="301320"/>
-            <a:ext cx="9071640" cy="1262160"/>
+            <a:ext cx="9072000" cy="1261800"/>
           </a:xfrm>
           <a:prstGeom prst="rect">
             <a:avLst/>
@@ -1392,7 +2867,7 @@
       </p:sp>
       <p:sp>
         <p:nvSpPr>
-          <p:cNvPr id="23" name="PlaceHolder 2"/>
+          <p:cNvPr id="20" name="PlaceHolder 2"/>
           <p:cNvSpPr>
             <a:spLocks noGrp="1"/>
           </p:cNvSpPr>
@@ -1402,8 +2877,8 @@
         </p:nvSpPr>
         <p:spPr>
           <a:xfrm>
-            <a:off x="504000" y="1769040"/>
-            <a:ext cx="4426920" cy="2091240"/>
+            <a:off x="504000" y="1768680"/>
+            <a:ext cx="4426920" cy="2090880"/>
           </a:xfrm>
           <a:prstGeom prst="rect">
             <a:avLst/>
@@ -1428,7 +2903,7 @@
       </p:sp>
       <p:sp>
         <p:nvSpPr>
-          <p:cNvPr id="24" name="PlaceHolder 3"/>
+          <p:cNvPr id="21" name="PlaceHolder 3"/>
           <p:cNvSpPr>
             <a:spLocks noGrp="1"/>
           </p:cNvSpPr>
@@ -1438,8 +2913,8 @@
         </p:nvSpPr>
         <p:spPr>
           <a:xfrm>
-            <a:off x="5152680" y="1769040"/>
-            <a:ext cx="4426920" cy="2091240"/>
+            <a:off x="5152680" y="1768680"/>
+            <a:ext cx="4426920" cy="2090880"/>
           </a:xfrm>
           <a:prstGeom prst="rect">
             <a:avLst/>
@@ -1464,7 +2939,7 @@
       </p:sp>
       <p:sp>
         <p:nvSpPr>
-          <p:cNvPr id="25" name="PlaceHolder 4"/>
+          <p:cNvPr id="22" name="PlaceHolder 4"/>
           <p:cNvSpPr>
             <a:spLocks noGrp="1"/>
           </p:cNvSpPr>
@@ -1474,8 +2949,8 @@
         </p:nvSpPr>
         <p:spPr>
           <a:xfrm>
-            <a:off x="504000" y="4059360"/>
-            <a:ext cx="9071640" cy="2091240"/>
+            <a:off x="504000" y="4058640"/>
+            <a:ext cx="9072000" cy="2090880"/>
           </a:xfrm>
           <a:prstGeom prst="rect">
             <a:avLst/>
@@ -1533,7 +3008,7 @@
         <p:spPr>
           <a:xfrm>
             <a:off x="504000" y="301320"/>
-            <a:ext cx="9071640" cy="1262160"/>
+            <a:ext cx="9070920" cy="1261440"/>
           </a:xfrm>
           <a:prstGeom prst="rect">
             <a:avLst/>
@@ -1543,76 +3018,6 @@
           <a:bodyPr lIns="0" rIns="0" tIns="0" bIns="0" anchor="ctr"/>
           <a:p>
             <a:pPr algn="ctr"/>
-            <a:r>
-              <a:rPr b="0" lang="ru-RU" sz="4400" spc="-1" strike="noStrike">
-                <a:solidFill>
-                  <a:srgbClr val="000000"/>
-                </a:solidFill>
-                <a:uFill>
-                  <a:solidFill>
-                    <a:srgbClr val="ffffff"/>
-                  </a:solidFill>
-                </a:uFill>
-                <a:latin typeface="Arial"/>
-              </a:rPr>
-              <a:t>Для правки </a:t>
-            </a:r>
-            <a:r>
-              <a:rPr b="0" lang="ru-RU" sz="4400" spc="-1" strike="noStrike">
-                <a:solidFill>
-                  <a:srgbClr val="000000"/>
-                </a:solidFill>
-                <a:uFill>
-                  <a:solidFill>
-                    <a:srgbClr val="ffffff"/>
-                  </a:solidFill>
-                </a:uFill>
-                <a:latin typeface="Arial"/>
-              </a:rPr>
-              <a:t>текста </a:t>
-            </a:r>
-            <a:r>
-              <a:rPr b="0" lang="ru-RU" sz="4400" spc="-1" strike="noStrike">
-                <a:solidFill>
-                  <a:srgbClr val="000000"/>
-                </a:solidFill>
-                <a:uFill>
-                  <a:solidFill>
-                    <a:srgbClr val="ffffff"/>
-                  </a:solidFill>
-                </a:uFill>
-                <a:latin typeface="Arial"/>
-              </a:rPr>
-              <a:t>заголовка </a:t>
-            </a:r>
-            <a:r>
-              <a:rPr b="0" lang="ru-RU" sz="4400" spc="-1" strike="noStrike">
-                <a:solidFill>
-                  <a:srgbClr val="000000"/>
-                </a:solidFill>
-                <a:uFill>
-                  <a:solidFill>
-                    <a:srgbClr val="ffffff"/>
-                  </a:solidFill>
-                </a:uFill>
-                <a:latin typeface="Arial"/>
-              </a:rPr>
-              <a:t>щёлкните </a:t>
-            </a:r>
-            <a:r>
-              <a:rPr b="0" lang="ru-RU" sz="4400" spc="-1" strike="noStrike">
-                <a:solidFill>
-                  <a:srgbClr val="000000"/>
-                </a:solidFill>
-                <a:uFill>
-                  <a:solidFill>
-                    <a:srgbClr val="ffffff"/>
-                  </a:solidFill>
-                </a:uFill>
-                <a:latin typeface="Arial"/>
-              </a:rPr>
-              <a:t>мышью</a:t>
-            </a:r>
             <a:endParaRPr b="0" lang="ru-RU" sz="4400" spc="-1" strike="noStrike">
               <a:solidFill>
                 <a:srgbClr val="000000"/>
@@ -1640,7 +3045,7 @@
         <p:spPr>
           <a:xfrm>
             <a:off x="504000" y="1769040"/>
-            <a:ext cx="9071640" cy="4384440"/>
+            <a:ext cx="9070920" cy="4383720"/>
           </a:xfrm>
           <a:prstGeom prst="rect">
             <a:avLst/>
@@ -1658,7 +3063,7 @@
               <a:buChar char=""/>
             </a:pPr>
             <a:r>
-              <a:rPr b="0" lang="ru-RU" sz="3200" spc="-1" strike="noStrike">
+              <a:rPr b="0" lang="ru-RU" sz="1800" spc="-1" strike="noStrike">
                 <a:solidFill>
                   <a:srgbClr val="000000"/>
                 </a:solidFill>
@@ -1671,7 +3076,7 @@
               </a:rPr>
               <a:t>Для правки структуры щёлкните мышью</a:t>
             </a:r>
-            <a:endParaRPr b="0" lang="ru-RU" sz="3200" spc="-1" strike="noStrike">
+            <a:endParaRPr b="0" lang="ru-RU" sz="1800" spc="-1" strike="noStrike">
               <a:solidFill>
                 <a:srgbClr val="000000"/>
               </a:solidFill>
@@ -1693,7 +3098,7 @@
               <a:buChar char=""/>
             </a:pPr>
             <a:r>
-              <a:rPr b="0" lang="ru-RU" sz="2800" spc="-1" strike="noStrike">
+              <a:rPr b="0" lang="ru-RU" sz="1800" spc="-1" strike="noStrike">
                 <a:solidFill>
                   <a:srgbClr val="000000"/>
                 </a:solidFill>
@@ -1706,7 +3111,7 @@
               </a:rPr>
               <a:t>Второй уровень структуры</a:t>
             </a:r>
-            <a:endParaRPr b="0" lang="ru-RU" sz="2800" spc="-1" strike="noStrike">
+            <a:endParaRPr b="0" lang="ru-RU" sz="1800" spc="-1" strike="noStrike">
               <a:solidFill>
                 <a:srgbClr val="000000"/>
               </a:solidFill>
@@ -1728,7 +3133,7 @@
               <a:buChar char=""/>
             </a:pPr>
             <a:r>
-              <a:rPr b="0" lang="ru-RU" sz="2400" spc="-1" strike="noStrike">
+              <a:rPr b="0" lang="ru-RU" sz="1800" spc="-1" strike="noStrike">
                 <a:solidFill>
                   <a:srgbClr val="000000"/>
                 </a:solidFill>
@@ -1741,7 +3146,7 @@
               </a:rPr>
               <a:t>Третий уровень структуры</a:t>
             </a:r>
-            <a:endParaRPr b="0" lang="ru-RU" sz="2400" spc="-1" strike="noStrike">
+            <a:endParaRPr b="0" lang="ru-RU" sz="1800" spc="-1" strike="noStrike">
               <a:solidFill>
                 <a:srgbClr val="000000"/>
               </a:solidFill>
@@ -1763,7 +3168,7 @@
               <a:buChar char=""/>
             </a:pPr>
             <a:r>
-              <a:rPr b="0" lang="ru-RU" sz="2000" spc="-1" strike="noStrike">
+              <a:rPr b="0" lang="ru-RU" sz="1800" spc="-1" strike="noStrike">
                 <a:solidFill>
                   <a:srgbClr val="000000"/>
                 </a:solidFill>
@@ -1776,7 +3181,7 @@
               </a:rPr>
               <a:t>Четвёртый уровень структуры</a:t>
             </a:r>
-            <a:endParaRPr b="0" lang="ru-RU" sz="2000" spc="-1" strike="noStrike">
+            <a:endParaRPr b="0" lang="ru-RU" sz="1800" spc="-1" strike="noStrike">
               <a:solidFill>
                 <a:srgbClr val="000000"/>
               </a:solidFill>
@@ -1798,7 +3203,7 @@
               <a:buChar char=""/>
             </a:pPr>
             <a:r>
-              <a:rPr b="0" lang="ru-RU" sz="2000" spc="-1" strike="noStrike">
+              <a:rPr b="0" lang="ru-RU" sz="1800" spc="-1" strike="noStrike">
                 <a:solidFill>
                   <a:srgbClr val="000000"/>
                 </a:solidFill>
@@ -1811,7 +3216,7 @@
               </a:rPr>
               <a:t>Пятый уровень структуры</a:t>
             </a:r>
-            <a:endParaRPr b="0" lang="ru-RU" sz="2000" spc="-1" strike="noStrike">
+            <a:endParaRPr b="0" lang="ru-RU" sz="1800" spc="-1" strike="noStrike">
               <a:solidFill>
                 <a:srgbClr val="000000"/>
               </a:solidFill>
@@ -1833,7 +3238,7 @@
               <a:buChar char=""/>
             </a:pPr>
             <a:r>
-              <a:rPr b="0" lang="ru-RU" sz="2000" spc="-1" strike="noStrike">
+              <a:rPr b="0" lang="ru-RU" sz="1800" spc="-1" strike="noStrike">
                 <a:solidFill>
                   <a:srgbClr val="000000"/>
                 </a:solidFill>
@@ -1846,7 +3251,7 @@
               </a:rPr>
               <a:t>Шестой уровень структуры</a:t>
             </a:r>
-            <a:endParaRPr b="0" lang="ru-RU" sz="2000" spc="-1" strike="noStrike">
+            <a:endParaRPr b="0" lang="ru-RU" sz="1800" spc="-1" strike="noStrike">
               <a:solidFill>
                 <a:srgbClr val="000000"/>
               </a:solidFill>
@@ -1868,7 +3273,7 @@
               <a:buChar char=""/>
             </a:pPr>
             <a:r>
-              <a:rPr b="0" lang="ru-RU" sz="2000" spc="-1" strike="noStrike">
+              <a:rPr b="0" lang="ru-RU" sz="1800" spc="-1" strike="noStrike">
                 <a:solidFill>
                   <a:srgbClr val="000000"/>
                 </a:solidFill>
@@ -1881,7 +3286,7 @@
               </a:rPr>
               <a:t>Седьмой уровень структуры</a:t>
             </a:r>
-            <a:endParaRPr b="0" lang="ru-RU" sz="2000" spc="-1" strike="noStrike">
+            <a:endParaRPr b="0" lang="ru-RU" sz="1800" spc="-1" strike="noStrike">
               <a:solidFill>
                 <a:srgbClr val="000000"/>
               </a:solidFill>
@@ -1891,158 +3296,6 @@
                 </a:solidFill>
               </a:uFill>
               <a:latin typeface="Arial"/>
-            </a:endParaRPr>
-          </a:p>
-        </p:txBody>
-      </p:sp>
-      <p:sp>
-        <p:nvSpPr>
-          <p:cNvPr id="2" name="PlaceHolder 3"/>
-          <p:cNvSpPr>
-            <a:spLocks noGrp="1"/>
-          </p:cNvSpPr>
-          <p:nvPr>
-            <p:ph type="dt"/>
-          </p:nvPr>
-        </p:nvSpPr>
-        <p:spPr>
-          <a:xfrm>
-            <a:off x="504000" y="6887160"/>
-            <a:ext cx="2348280" cy="521280"/>
-          </a:xfrm>
-          <a:prstGeom prst="rect">
-            <a:avLst/>
-          </a:prstGeom>
-        </p:spPr>
-        <p:txBody>
-          <a:bodyPr lIns="0" rIns="0" tIns="0" bIns="0"/>
-          <a:p>
-            <a:r>
-              <a:rPr b="0" lang="ru-RU" sz="1400" spc="-1" strike="noStrike">
-                <a:solidFill>
-                  <a:srgbClr val="000000"/>
-                </a:solidFill>
-                <a:uFill>
-                  <a:solidFill>
-                    <a:srgbClr val="ffffff"/>
-                  </a:solidFill>
-                </a:uFill>
-                <a:latin typeface="Times New Roman"/>
-              </a:rPr>
-              <a:t> </a:t>
-            </a:r>
-            <a:endParaRPr b="0" lang="ru-RU" sz="1400" spc="-1" strike="noStrike">
-              <a:solidFill>
-                <a:srgbClr val="000000"/>
-              </a:solidFill>
-              <a:uFill>
-                <a:solidFill>
-                  <a:srgbClr val="ffffff"/>
-                </a:solidFill>
-              </a:uFill>
-              <a:latin typeface="Times New Roman"/>
-            </a:endParaRPr>
-          </a:p>
-        </p:txBody>
-      </p:sp>
-      <p:sp>
-        <p:nvSpPr>
-          <p:cNvPr id="3" name="PlaceHolder 4"/>
-          <p:cNvSpPr>
-            <a:spLocks noGrp="1"/>
-          </p:cNvSpPr>
-          <p:nvPr>
-            <p:ph type="ftr"/>
-          </p:nvPr>
-        </p:nvSpPr>
-        <p:spPr>
-          <a:xfrm>
-            <a:off x="3447360" y="6887160"/>
-            <a:ext cx="3195000" cy="521280"/>
-          </a:xfrm>
-          <a:prstGeom prst="rect">
-            <a:avLst/>
-          </a:prstGeom>
-        </p:spPr>
-        <p:txBody>
-          <a:bodyPr lIns="0" rIns="0" tIns="0" bIns="0"/>
-          <a:p>
-            <a:pPr algn="ctr"/>
-            <a:r>
-              <a:rPr b="0" lang="ru-RU" sz="1400" spc="-1" strike="noStrike">
-                <a:solidFill>
-                  <a:srgbClr val="000000"/>
-                </a:solidFill>
-                <a:uFill>
-                  <a:solidFill>
-                    <a:srgbClr val="ffffff"/>
-                  </a:solidFill>
-                </a:uFill>
-                <a:latin typeface="Times New Roman"/>
-              </a:rPr>
-              <a:t> </a:t>
-            </a:r>
-            <a:endParaRPr b="0" lang="ru-RU" sz="1400" spc="-1" strike="noStrike">
-              <a:solidFill>
-                <a:srgbClr val="000000"/>
-              </a:solidFill>
-              <a:uFill>
-                <a:solidFill>
-                  <a:srgbClr val="ffffff"/>
-                </a:solidFill>
-              </a:uFill>
-              <a:latin typeface="Times New Roman"/>
-            </a:endParaRPr>
-          </a:p>
-        </p:txBody>
-      </p:sp>
-      <p:sp>
-        <p:nvSpPr>
-          <p:cNvPr id="4" name="PlaceHolder 5"/>
-          <p:cNvSpPr>
-            <a:spLocks noGrp="1"/>
-          </p:cNvSpPr>
-          <p:nvPr>
-            <p:ph type="sldNum"/>
-          </p:nvPr>
-        </p:nvSpPr>
-        <p:spPr>
-          <a:xfrm>
-            <a:off x="7227360" y="6887160"/>
-            <a:ext cx="2348280" cy="521280"/>
-          </a:xfrm>
-          <a:prstGeom prst="rect">
-            <a:avLst/>
-          </a:prstGeom>
-        </p:spPr>
-        <p:txBody>
-          <a:bodyPr lIns="0" rIns="0" tIns="0" bIns="0"/>
-          <a:p>
-            <a:pPr algn="r"/>
-            <a:fld id="{F663E9D0-11DF-4BD0-83C9-BD103C1B4885}" type="slidenum">
-              <a:rPr b="0" lang="ru-RU" sz="1400" spc="-1" strike="noStrike">
-                <a:solidFill>
-                  <a:srgbClr val="000000"/>
-                </a:solidFill>
-                <a:uFill>
-                  <a:solidFill>
-                    <a:srgbClr val="ffffff"/>
-                  </a:solidFill>
-                </a:uFill>
-                <a:latin typeface="Times New Roman"/>
-              </a:rPr>
-              <a:t>18</a:t>
-            </a:fld>
-            <a:endParaRPr b="0" lang="ru-RU" sz="1400" spc="-1" strike="noStrike">
-              <a:solidFill>
-                <a:srgbClr val="000000"/>
-              </a:solidFill>
-              <a:uFill>
-                <a:solidFill>
-                  <a:srgbClr val="ffffff"/>
-                </a:solidFill>
-              </a:uFill>
-              <a:latin typeface="Times New Roman"/>
             </a:endParaRPr>
           </a:p>
         </p:txBody>
@@ -2067,6 +3320,418 @@
 </p:sldMaster>
 </file>
 
+<file path=ppt/slideMasters/slideMaster2.xml><?xml version="1.0" encoding="utf-8"?>
+<p:sldMaster xmlns:a="http://schemas.openxmlformats.org/drawingml/2006/main" xmlns:p="http://schemas.openxmlformats.org/presentationml/2006/main" xmlns:r="http://schemas.openxmlformats.org/officeDocument/2006/relationships" xmlns:p14="http://schemas.microsoft.com/office/powerpoint/2010/main" xmlns:p15="http://schemas.microsoft.com/office/powerpoint/2012/main" xmlns:mc="http://schemas.openxmlformats.org/markup-compatibility/2006">
+  <p:cSld>
+    <p:spTree>
+      <p:nvGrpSpPr>
+        <p:cNvPr id="1" name=""/>
+        <p:cNvGrpSpPr/>
+        <p:nvPr/>
+      </p:nvGrpSpPr>
+      <p:grpSpPr>
+        <a:xfrm>
+          <a:off x="0" y="0"/>
+          <a:ext cx="0" cy="0"/>
+          <a:chOff x="0" y="0"/>
+          <a:chExt cx="0" cy="0"/>
+        </a:xfrm>
+      </p:grpSpPr>
+      <p:sp>
+        <p:nvSpPr>
+          <p:cNvPr id="36" name="PlaceHolder 1"/>
+          <p:cNvSpPr>
+            <a:spLocks noGrp="1"/>
+          </p:cNvSpPr>
+          <p:nvPr>
+            <p:ph type="title"/>
+          </p:nvPr>
+        </p:nvSpPr>
+        <p:spPr>
+          <a:xfrm>
+            <a:off x="504000" y="301320"/>
+            <a:ext cx="9072000" cy="1261800"/>
+          </a:xfrm>
+          <a:prstGeom prst="rect">
+            <a:avLst/>
+          </a:prstGeom>
+        </p:spPr>
+        <p:txBody>
+          <a:bodyPr lIns="0" rIns="0" tIns="0" bIns="0" anchor="ctr"/>
+          <a:p>
+            <a:pPr algn="ctr"/>
+            <a:r>
+              <a:rPr b="0" lang="ru-RU" sz="4400" spc="-1" strike="noStrike">
+                <a:solidFill>
+                  <a:srgbClr val="000000"/>
+                </a:solidFill>
+                <a:uFill>
+                  <a:solidFill>
+                    <a:srgbClr val="ffffff"/>
+                  </a:solidFill>
+                </a:uFill>
+                <a:latin typeface="Arial"/>
+              </a:rPr>
+              <a:t>Для правки </a:t>
+            </a:r>
+            <a:r>
+              <a:rPr b="0" lang="ru-RU" sz="4400" spc="-1" strike="noStrike">
+                <a:solidFill>
+                  <a:srgbClr val="000000"/>
+                </a:solidFill>
+                <a:uFill>
+                  <a:solidFill>
+                    <a:srgbClr val="ffffff"/>
+                  </a:solidFill>
+                </a:uFill>
+                <a:latin typeface="Arial"/>
+              </a:rPr>
+              <a:t>текста </a:t>
+            </a:r>
+            <a:r>
+              <a:rPr b="0" lang="ru-RU" sz="4400" spc="-1" strike="noStrike">
+                <a:solidFill>
+                  <a:srgbClr val="000000"/>
+                </a:solidFill>
+                <a:uFill>
+                  <a:solidFill>
+                    <a:srgbClr val="ffffff"/>
+                  </a:solidFill>
+                </a:uFill>
+                <a:latin typeface="Arial"/>
+              </a:rPr>
+              <a:t>заголовка </a:t>
+            </a:r>
+            <a:r>
+              <a:rPr b="0" lang="ru-RU" sz="4400" spc="-1" strike="noStrike">
+                <a:solidFill>
+                  <a:srgbClr val="000000"/>
+                </a:solidFill>
+                <a:uFill>
+                  <a:solidFill>
+                    <a:srgbClr val="ffffff"/>
+                  </a:solidFill>
+                </a:uFill>
+                <a:latin typeface="Arial"/>
+              </a:rPr>
+              <a:t>щёлкните </a:t>
+            </a:r>
+            <a:r>
+              <a:rPr b="0" lang="ru-RU" sz="4400" spc="-1" strike="noStrike">
+                <a:solidFill>
+                  <a:srgbClr val="000000"/>
+                </a:solidFill>
+                <a:uFill>
+                  <a:solidFill>
+                    <a:srgbClr val="ffffff"/>
+                  </a:solidFill>
+                </a:uFill>
+                <a:latin typeface="Arial"/>
+              </a:rPr>
+              <a:t>мышью</a:t>
+            </a:r>
+            <a:endParaRPr b="0" lang="ru-RU" sz="4400" spc="-1" strike="noStrike">
+              <a:solidFill>
+                <a:srgbClr val="000000"/>
+              </a:solidFill>
+              <a:uFill>
+                <a:solidFill>
+                  <a:srgbClr val="ffffff"/>
+                </a:solidFill>
+              </a:uFill>
+              <a:latin typeface="Arial"/>
+            </a:endParaRPr>
+          </a:p>
+        </p:txBody>
+      </p:sp>
+      <p:sp>
+        <p:nvSpPr>
+          <p:cNvPr id="37" name="PlaceHolder 2"/>
+          <p:cNvSpPr>
+            <a:spLocks noGrp="1"/>
+          </p:cNvSpPr>
+          <p:nvPr>
+            <p:ph type="body"/>
+          </p:nvPr>
+        </p:nvSpPr>
+        <p:spPr>
+          <a:xfrm>
+            <a:off x="504000" y="1768680"/>
+            <a:ext cx="9072000" cy="4384080"/>
+          </a:xfrm>
+          <a:prstGeom prst="rect">
+            <a:avLst/>
+          </a:prstGeom>
+        </p:spPr>
+        <p:txBody>
+          <a:bodyPr lIns="0" rIns="0" tIns="0" bIns="0"/>
+          <a:p>
+            <a:pPr marL="432000" indent="-324000">
+              <a:buClr>
+                <a:srgbClr val="000000"/>
+              </a:buClr>
+              <a:buSzPct val="45000"/>
+              <a:buFont typeface="Wingdings" charset="2"/>
+              <a:buChar char=""/>
+            </a:pPr>
+            <a:r>
+              <a:rPr b="0" lang="ru-RU" sz="3200" spc="-1" strike="noStrike">
+                <a:solidFill>
+                  <a:srgbClr val="000000"/>
+                </a:solidFill>
+                <a:uFill>
+                  <a:solidFill>
+                    <a:srgbClr val="ffffff"/>
+                  </a:solidFill>
+                </a:uFill>
+                <a:latin typeface="Arial"/>
+              </a:rPr>
+              <a:t>Для правки структуры щёлкните мышью</a:t>
+            </a:r>
+            <a:endParaRPr b="0" lang="ru-RU" sz="3200" spc="-1" strike="noStrike">
+              <a:solidFill>
+                <a:srgbClr val="000000"/>
+              </a:solidFill>
+              <a:uFill>
+                <a:solidFill>
+                  <a:srgbClr val="ffffff"/>
+                </a:solidFill>
+              </a:uFill>
+              <a:latin typeface="Arial"/>
+            </a:endParaRPr>
+          </a:p>
+          <a:p>
+            <a:pPr lvl="1" marL="864000" indent="-324000">
+              <a:buClr>
+                <a:srgbClr val="000000"/>
+              </a:buClr>
+              <a:buSzPct val="75000"/>
+              <a:buFont typeface="Symbol" charset="2"/>
+              <a:buChar char=""/>
+            </a:pPr>
+            <a:r>
+              <a:rPr b="0" lang="ru-RU" sz="2800" spc="-1" strike="noStrike">
+                <a:solidFill>
+                  <a:srgbClr val="000000"/>
+                </a:solidFill>
+                <a:uFill>
+                  <a:solidFill>
+                    <a:srgbClr val="ffffff"/>
+                  </a:solidFill>
+                </a:uFill>
+                <a:latin typeface="Arial"/>
+              </a:rPr>
+              <a:t>Второй уровень структуры</a:t>
+            </a:r>
+            <a:endParaRPr b="0" lang="ru-RU" sz="2800" spc="-1" strike="noStrike">
+              <a:solidFill>
+                <a:srgbClr val="000000"/>
+              </a:solidFill>
+              <a:uFill>
+                <a:solidFill>
+                  <a:srgbClr val="ffffff"/>
+                </a:solidFill>
+              </a:uFill>
+              <a:latin typeface="Arial"/>
+            </a:endParaRPr>
+          </a:p>
+          <a:p>
+            <a:pPr lvl="2" marL="1296000" indent="-288000">
+              <a:buClr>
+                <a:srgbClr val="000000"/>
+              </a:buClr>
+              <a:buSzPct val="45000"/>
+              <a:buFont typeface="Wingdings" charset="2"/>
+              <a:buChar char=""/>
+            </a:pPr>
+            <a:r>
+              <a:rPr b="0" lang="ru-RU" sz="2400" spc="-1" strike="noStrike">
+                <a:solidFill>
+                  <a:srgbClr val="000000"/>
+                </a:solidFill>
+                <a:uFill>
+                  <a:solidFill>
+                    <a:srgbClr val="ffffff"/>
+                  </a:solidFill>
+                </a:uFill>
+                <a:latin typeface="Arial"/>
+              </a:rPr>
+              <a:t>Третий уровень структуры</a:t>
+            </a:r>
+            <a:endParaRPr b="0" lang="ru-RU" sz="2400" spc="-1" strike="noStrike">
+              <a:solidFill>
+                <a:srgbClr val="000000"/>
+              </a:solidFill>
+              <a:uFill>
+                <a:solidFill>
+                  <a:srgbClr val="ffffff"/>
+                </a:solidFill>
+              </a:uFill>
+              <a:latin typeface="Arial"/>
+            </a:endParaRPr>
+          </a:p>
+          <a:p>
+            <a:pPr lvl="3" marL="1728000" indent="-216000">
+              <a:buClr>
+                <a:srgbClr val="000000"/>
+              </a:buClr>
+              <a:buSzPct val="75000"/>
+              <a:buFont typeface="Symbol" charset="2"/>
+              <a:buChar char=""/>
+            </a:pPr>
+            <a:r>
+              <a:rPr b="0" lang="ru-RU" sz="2000" spc="-1" strike="noStrike">
+                <a:solidFill>
+                  <a:srgbClr val="000000"/>
+                </a:solidFill>
+                <a:uFill>
+                  <a:solidFill>
+                    <a:srgbClr val="ffffff"/>
+                  </a:solidFill>
+                </a:uFill>
+                <a:latin typeface="Arial"/>
+              </a:rPr>
+              <a:t>Четвёртый уровень структуры</a:t>
+            </a:r>
+            <a:endParaRPr b="0" lang="ru-RU" sz="2000" spc="-1" strike="noStrike">
+              <a:solidFill>
+                <a:srgbClr val="000000"/>
+              </a:solidFill>
+              <a:uFill>
+                <a:solidFill>
+                  <a:srgbClr val="ffffff"/>
+                </a:solidFill>
+              </a:uFill>
+              <a:latin typeface="Arial"/>
+            </a:endParaRPr>
+          </a:p>
+          <a:p>
+            <a:pPr lvl="4" marL="2160000" indent="-216000">
+              <a:buClr>
+                <a:srgbClr val="000000"/>
+              </a:buClr>
+              <a:buSzPct val="45000"/>
+              <a:buFont typeface="Wingdings" charset="2"/>
+              <a:buChar char=""/>
+            </a:pPr>
+            <a:r>
+              <a:rPr b="0" lang="ru-RU" sz="2000" spc="-1" strike="noStrike">
+                <a:solidFill>
+                  <a:srgbClr val="000000"/>
+                </a:solidFill>
+                <a:uFill>
+                  <a:solidFill>
+                    <a:srgbClr val="ffffff"/>
+                  </a:solidFill>
+                </a:uFill>
+                <a:latin typeface="Arial"/>
+              </a:rPr>
+              <a:t>Пятый уровень структуры</a:t>
+            </a:r>
+            <a:endParaRPr b="0" lang="ru-RU" sz="2000" spc="-1" strike="noStrike">
+              <a:solidFill>
+                <a:srgbClr val="000000"/>
+              </a:solidFill>
+              <a:uFill>
+                <a:solidFill>
+                  <a:srgbClr val="ffffff"/>
+                </a:solidFill>
+              </a:uFill>
+              <a:latin typeface="Arial"/>
+            </a:endParaRPr>
+          </a:p>
+          <a:p>
+            <a:pPr lvl="5" marL="2592000" indent="-216000">
+              <a:buClr>
+                <a:srgbClr val="000000"/>
+              </a:buClr>
+              <a:buSzPct val="45000"/>
+              <a:buFont typeface="Wingdings" charset="2"/>
+              <a:buChar char=""/>
+            </a:pPr>
+            <a:r>
+              <a:rPr b="0" lang="ru-RU" sz="2000" spc="-1" strike="noStrike">
+                <a:solidFill>
+                  <a:srgbClr val="000000"/>
+                </a:solidFill>
+                <a:uFill>
+                  <a:solidFill>
+                    <a:srgbClr val="ffffff"/>
+                  </a:solidFill>
+                </a:uFill>
+                <a:latin typeface="Arial"/>
+              </a:rPr>
+              <a:t>Шестой уровень структуры</a:t>
+            </a:r>
+            <a:endParaRPr b="0" lang="ru-RU" sz="2000" spc="-1" strike="noStrike">
+              <a:solidFill>
+                <a:srgbClr val="000000"/>
+              </a:solidFill>
+              <a:uFill>
+                <a:solidFill>
+                  <a:srgbClr val="ffffff"/>
+                </a:solidFill>
+              </a:uFill>
+              <a:latin typeface="Arial"/>
+            </a:endParaRPr>
+          </a:p>
+          <a:p>
+            <a:pPr lvl="6" marL="3024000" indent="-216000">
+              <a:buClr>
+                <a:srgbClr val="000000"/>
+              </a:buClr>
+              <a:buSzPct val="45000"/>
+              <a:buFont typeface="Wingdings" charset="2"/>
+              <a:buChar char=""/>
+            </a:pPr>
+            <a:r>
+              <a:rPr b="0" lang="ru-RU" sz="2000" spc="-1" strike="noStrike">
+                <a:solidFill>
+                  <a:srgbClr val="000000"/>
+                </a:solidFill>
+                <a:uFill>
+                  <a:solidFill>
+                    <a:srgbClr val="ffffff"/>
+                  </a:solidFill>
+                </a:uFill>
+                <a:latin typeface="Arial"/>
+              </a:rPr>
+              <a:t>Седьмой уровень структуры</a:t>
+            </a:r>
+            <a:endParaRPr b="0" lang="ru-RU" sz="2000" spc="-1" strike="noStrike">
+              <a:solidFill>
+                <a:srgbClr val="000000"/>
+              </a:solidFill>
+              <a:uFill>
+                <a:solidFill>
+                  <a:srgbClr val="ffffff"/>
+                </a:solidFill>
+              </a:uFill>
+              <a:latin typeface="Arial"/>
+            </a:endParaRPr>
+          </a:p>
+        </p:txBody>
+      </p:sp>
+    </p:spTree>
+  </p:cSld>
+  <p:clrMap bg1="lt1" bg2="lt2" tx1="dk1" tx2="dk2" accent1="accent1" accent2="accent2" accent3="accent3" accent4="accent4" accent5="accent5" accent6="accent6" hlink="hlink" folHlink="folHlink"/>
+  <p:sldLayoutIdLst>
+    <p:sldLayoutId id="2147483662" r:id="rId2"/>
+    <p:sldLayoutId id="2147483663" r:id="rId3"/>
+    <p:sldLayoutId id="2147483664" r:id="rId4"/>
+    <p:sldLayoutId id="2147483665" r:id="rId5"/>
+    <p:sldLayoutId id="2147483666" r:id="rId6"/>
+    <p:sldLayoutId id="2147483667" r:id="rId7"/>
+    <p:sldLayoutId id="2147483668" r:id="rId8"/>
+    <p:sldLayoutId id="2147483669" r:id="rId9"/>
+    <p:sldLayoutId id="2147483670" r:id="rId10"/>
+    <p:sldLayoutId id="2147483671" r:id="rId11"/>
+    <p:sldLayoutId id="2147483672" r:id="rId12"/>
+    <p:sldLayoutId id="2147483673" r:id="rId13"/>
+  </p:sldLayoutIdLst>
+</p:sldMaster>
+</file>
+
 <file path=ppt/slides/slide1.xml><?xml version="1.0" encoding="utf-8"?>
 <p:sld xmlns:a="http://schemas.openxmlformats.org/drawingml/2006/main" xmlns:p="http://schemas.openxmlformats.org/presentationml/2006/main" xmlns:r="http://schemas.openxmlformats.org/officeDocument/2006/relationships" xmlns:p14="http://schemas.microsoft.com/office/powerpoint/2010/main" xmlns:p15="http://schemas.microsoft.com/office/powerpoint/2012/main" xmlns:mc="http://schemas.openxmlformats.org/markup-compatibility/2006">
   <p:cSld>
@@ -2086,14 +3751,14 @@
       </p:grpSpPr>
       <p:sp>
         <p:nvSpPr>
-          <p:cNvPr id="39" name="TextShape 1"/>
-          <p:cNvSpPr txBox="1"/>
+          <p:cNvPr id="72" name="CustomShape 1"/>
+          <p:cNvSpPr/>
           <p:nvPr/>
         </p:nvSpPr>
         <p:spPr>
           <a:xfrm>
             <a:off x="576000" y="2016000"/>
-            <a:ext cx="9071640" cy="1262160"/>
+            <a:ext cx="9070920" cy="1261440"/>
           </a:xfrm>
           <a:prstGeom prst="rect">
             <a:avLst/>
@@ -2103,10 +3768,20 @@
             <a:noFill/>
           </a:ln>
         </p:spPr>
+        <p:style>
+          <a:lnRef idx="0"/>
+          <a:fillRef idx="0"/>
+          <a:effectRef idx="0"/>
+          <a:fontRef idx="minor"/>
+        </p:style>
         <p:txBody>
           <a:bodyPr lIns="0" rIns="0" tIns="0" bIns="0" anchor="ctr"/>
           <a:p>
-            <a:pPr algn="ctr"/>
+            <a:pPr algn="ctr">
+              <a:lnSpc>
+                <a:spcPct val="100000"/>
+              </a:lnSpc>
+            </a:pPr>
             <a:r>
               <a:rPr b="0" lang="ru-RU" sz="4400" spc="-1" strike="noStrike">
                 <a:solidFill>
@@ -2118,24 +3793,11 @@
                   </a:solidFill>
                 </a:uFill>
                 <a:latin typeface="Arial"/>
+                <a:ea typeface="DejaVu Sans"/>
               </a:rPr>
-              <a:t>Telegram </a:t>
+              <a:t>Telegram Qiwi Bot</a:t>
             </a:r>
-            <a:r>
-              <a:rPr b="0" lang="ru-RU" sz="4400" spc="-1" strike="noStrike">
-                <a:solidFill>
-                  <a:srgbClr val="000000"/>
-                </a:solidFill>
-                <a:uFill>
-                  <a:solidFill>
-                    <a:srgbClr val="ffffff"/>
-                  </a:solidFill>
-                </a:uFill>
-                <a:latin typeface="Arial"/>
-              </a:rPr>
-              <a:t>Qiwi Bot</a:t>
-            </a:r>
-            <a:endParaRPr b="0" lang="ru-RU" sz="4400" spc="-1" strike="noStrike">
+            <a:endParaRPr b="0" lang="ru-RU" sz="1800" spc="-1" strike="noStrike">
               <a:solidFill>
                 <a:srgbClr val="000000"/>
               </a:solidFill>
@@ -2151,14 +3813,14 @@
       </p:sp>
       <p:sp>
         <p:nvSpPr>
-          <p:cNvPr id="40" name="TextShape 2"/>
-          <p:cNvSpPr txBox="1"/>
+          <p:cNvPr id="73" name="CustomShape 2"/>
+          <p:cNvSpPr/>
           <p:nvPr/>
         </p:nvSpPr>
         <p:spPr>
           <a:xfrm>
             <a:off x="3888000" y="6144120"/>
-            <a:ext cx="5759640" cy="911880"/>
+            <a:ext cx="5758920" cy="911160"/>
           </a:xfrm>
           <a:prstGeom prst="rect">
             <a:avLst/>
@@ -2168,10 +3830,20 @@
             <a:noFill/>
           </a:ln>
         </p:spPr>
+        <p:style>
+          <a:lnRef idx="0"/>
+          <a:fillRef idx="0"/>
+          <a:effectRef idx="0"/>
+          <a:fontRef idx="minor"/>
+        </p:style>
         <p:txBody>
           <a:bodyPr lIns="0" rIns="0" tIns="0" bIns="0" anchor="ctr"/>
           <a:p>
-            <a:pPr algn="r"/>
+            <a:pPr algn="r">
+              <a:lnSpc>
+                <a:spcPct val="100000"/>
+              </a:lnSpc>
+            </a:pPr>
             <a:r>
               <a:rPr b="0" lang="ru-RU" sz="3200" spc="-1" strike="noStrike">
                 <a:solidFill>
@@ -2183,10 +3855,11 @@
                   </a:solidFill>
                 </a:uFill>
                 <a:latin typeface="Arial"/>
+                <a:ea typeface="DejaVu Sans"/>
               </a:rPr>
               <a:t>Выполнил:</a:t>
             </a:r>
-            <a:endParaRPr b="0" lang="ru-RU" sz="3200" spc="-1" strike="noStrike">
+            <a:endParaRPr b="0" lang="ru-RU" sz="1800" spc="-1" strike="noStrike">
               <a:solidFill>
                 <a:srgbClr val="000000"/>
               </a:solidFill>
@@ -2199,7 +3872,11 @@
             </a:endParaRPr>
           </a:p>
           <a:p>
-            <a:pPr algn="r"/>
+            <a:pPr algn="r">
+              <a:lnSpc>
+                <a:spcPct val="100000"/>
+              </a:lnSpc>
+            </a:pPr>
             <a:r>
               <a:rPr b="0" lang="ru-RU" sz="3200" spc="-1" strike="noStrike">
                 <a:solidFill>
@@ -2211,24 +3888,11 @@
                   </a:solidFill>
                 </a:uFill>
                 <a:latin typeface="Arial"/>
+                <a:ea typeface="DejaVu Sans"/>
               </a:rPr>
-              <a:t>Лехов Кирилл </a:t>
+              <a:t>Лехов Кирилл Александрович</a:t>
             </a:r>
-            <a:r>
-              <a:rPr b="0" lang="ru-RU" sz="3200" spc="-1" strike="noStrike">
-                <a:solidFill>
-                  <a:srgbClr val="000000"/>
-                </a:solidFill>
-                <a:uFill>
-                  <a:solidFill>
-                    <a:srgbClr val="ffffff"/>
-                  </a:solidFill>
-                </a:uFill>
-                <a:latin typeface="Arial"/>
-              </a:rPr>
-              <a:t>Александрович</a:t>
-            </a:r>
-            <a:endParaRPr b="0" lang="ru-RU" sz="3200" spc="-1" strike="noStrike">
+            <a:endParaRPr b="0" lang="ru-RU" sz="1800" spc="-1" strike="noStrike">
               <a:solidFill>
                 <a:srgbClr val="000000"/>
               </a:solidFill>
@@ -2293,14 +3957,14 @@
       </p:grpSpPr>
       <p:sp>
         <p:nvSpPr>
-          <p:cNvPr id="57" name="TextShape 1"/>
-          <p:cNvSpPr txBox="1"/>
+          <p:cNvPr id="90" name="CustomShape 1"/>
+          <p:cNvSpPr/>
           <p:nvPr/>
         </p:nvSpPr>
         <p:spPr>
           <a:xfrm>
             <a:off x="504000" y="301320"/>
-            <a:ext cx="9071640" cy="1262160"/>
+            <a:ext cx="9070920" cy="1261440"/>
           </a:xfrm>
           <a:prstGeom prst="rect">
             <a:avLst/>
@@ -2310,10 +3974,20 @@
             <a:noFill/>
           </a:ln>
         </p:spPr>
+        <p:style>
+          <a:lnRef idx="0"/>
+          <a:fillRef idx="0"/>
+          <a:effectRef idx="0"/>
+          <a:fontRef idx="minor"/>
+        </p:style>
         <p:txBody>
           <a:bodyPr lIns="0" rIns="0" tIns="0" bIns="0" anchor="ctr"/>
           <a:p>
-            <a:pPr algn="ctr"/>
+            <a:pPr algn="ctr">
+              <a:lnSpc>
+                <a:spcPct val="100000"/>
+              </a:lnSpc>
+            </a:pPr>
             <a:r>
               <a:rPr b="0" lang="ru-RU" sz="4400" spc="-1" strike="noStrike">
                 <a:solidFill>
@@ -2325,9 +3999,28 @@
                   </a:solidFill>
                 </a:uFill>
                 <a:latin typeface="Arial"/>
+                <a:ea typeface="DejaVu Sans"/>
               </a:rPr>
               <a:t>Описание реализации</a:t>
             </a:r>
+            <a:endParaRPr b="0" lang="ru-RU" sz="1800" spc="-1" strike="noStrike">
+              <a:solidFill>
+                <a:srgbClr val="000000"/>
+              </a:solidFill>
+              <a:uFill>
+                <a:solidFill>
+                  <a:srgbClr val="ffffff"/>
+                </a:solidFill>
+              </a:uFill>
+              <a:latin typeface="Arial"/>
+            </a:endParaRPr>
+          </a:p>
+          <a:p>
+            <a:pPr algn="ctr">
+              <a:lnSpc>
+                <a:spcPct val="100000"/>
+              </a:lnSpc>
+            </a:pPr>
             <a:r>
               <a:rPr b="0" lang="ru-RU" sz="4400" spc="-1" strike="noStrike">
                 <a:solidFill>
@@ -2339,25 +4032,11 @@
                   </a:solidFill>
                 </a:uFill>
                 <a:latin typeface="Arial"/>
-              </a:rPr>
-              <a:t>
-</a:t>
-            </a:r>
-            <a:r>
-              <a:rPr b="0" lang="ru-RU" sz="4400" spc="-1" strike="noStrike">
-                <a:solidFill>
-                  <a:srgbClr val="000000"/>
-                </a:solidFill>
-                <a:uFill>
-                  <a:solidFill>
-                    <a:srgbClr val="ffffff"/>
-                  </a:solidFill>
-                </a:uFill>
-                <a:latin typeface="Arial"/>
+                <a:ea typeface="DejaVu Sans"/>
               </a:rPr>
               <a:t>class UserQiwi</a:t>
             </a:r>
-            <a:endParaRPr b="0" lang="ru-RU" sz="4400" spc="-1" strike="noStrike">
+            <a:endParaRPr b="0" lang="ru-RU" sz="1800" spc="-1" strike="noStrike">
               <a:solidFill>
                 <a:srgbClr val="000000"/>
               </a:solidFill>
@@ -2373,13 +4052,13 @@
       </p:sp>
       <p:graphicFrame>
         <p:nvGraphicFramePr>
-          <p:cNvPr id="58" name="Table 2"/>
+          <p:cNvPr id="91" name="Table 2"/>
           <p:cNvGraphicFramePr/>
           <p:nvPr/>
         </p:nvGraphicFramePr>
         <p:xfrm>
           <a:off x="144000" y="1599840"/>
-          <a:ext cx="9791640" cy="5540400"/>
+          <a:ext cx="9791280" cy="4321080"/>
         </p:xfrm>
         <a:graphic>
           <a:graphicData uri="http://schemas.openxmlformats.org/drawingml/2006/table">
@@ -2394,7 +4073,7 @@
               <a:tr h="719640">
                 <a:tc>
                   <a:txBody>
-                    <a:bodyPr lIns="90000" rIns="90000" tIns="46800" bIns="46800"/>
+                    <a:bodyPr lIns="90000" rIns="90000"/>
                     <a:p>
                       <a:r>
                         <a:rPr b="0" lang="ru-RU" sz="1800" spc="-1" strike="noStrike">
@@ -2451,7 +4130,7 @@
                 </a:tc>
                 <a:tc>
                   <a:txBody>
-                    <a:bodyPr lIns="90000" rIns="90000" tIns="46800" bIns="46800"/>
+                    <a:bodyPr lIns="90000" rIns="90000"/>
                     <a:p>
                       <a:r>
                         <a:rPr b="0" lang="ru-RU" sz="1800" spc="-1" strike="noStrike">
@@ -2508,7 +4187,7 @@
                 </a:tc>
                 <a:tc>
                   <a:txBody>
-                    <a:bodyPr lIns="90000" rIns="90000" tIns="46800" bIns="46800"/>
+                    <a:bodyPr lIns="90000" rIns="90000"/>
                     <a:p>
                       <a:r>
                         <a:rPr b="0" lang="ru-RU" sz="1800" spc="-1" strike="noStrike">
@@ -2565,7 +4244,7 @@
                 </a:tc>
                 <a:tc>
                   <a:txBody>
-                    <a:bodyPr lIns="90000" rIns="90000" tIns="46800" bIns="46800"/>
+                    <a:bodyPr lIns="90000" rIns="90000"/>
                     <a:p>
                       <a:r>
                         <a:rPr b="0" lang="ru-RU" sz="1800" spc="-1" strike="noStrike">
@@ -2624,7 +4303,7 @@
               <a:tr h="719640">
                 <a:tc>
                   <a:txBody>
-                    <a:bodyPr lIns="90000" rIns="90000" tIns="46800" bIns="46800"/>
+                    <a:bodyPr lIns="90000" rIns="90000"/>
                     <a:p>
                       <a:r>
                         <a:rPr b="0" lang="ru-RU" sz="1800" spc="-1" strike="noStrike">
@@ -2681,7 +4360,7 @@
                 </a:tc>
                 <a:tc>
                   <a:txBody>
-                    <a:bodyPr lIns="90000" rIns="90000" tIns="46800" bIns="46800"/>
+                    <a:bodyPr lIns="90000" rIns="90000"/>
                     <a:p>
                       <a:r>
                         <a:rPr b="0" lang="ru-RU" sz="1800" spc="-1" strike="noStrike">
@@ -2765,7 +4444,7 @@
                 </a:tc>
                 <a:tc>
                   <a:txBody>
-                    <a:bodyPr lIns="90000" rIns="90000" tIns="46800" bIns="46800"/>
+                    <a:bodyPr lIns="90000" rIns="90000"/>
                     <a:p>
                       <a:r>
                         <a:rPr b="0" lang="ru-RU" sz="1800" spc="-1" strike="noStrike">
@@ -2835,7 +4514,7 @@
                 </a:tc>
                 <a:tc>
                   <a:txBody>
-                    <a:bodyPr lIns="90000" rIns="90000" tIns="46800" bIns="46800"/>
+                    <a:bodyPr lIns="90000" rIns="90000"/>
                     <a:p>
                       <a:r>
                         <a:rPr b="0" lang="ru-RU" sz="1800" spc="-1" strike="noStrike">
@@ -2894,7 +4573,7 @@
               <a:tr h="719640">
                 <a:tc>
                   <a:txBody>
-                    <a:bodyPr lIns="90000" rIns="90000" tIns="46800" bIns="46800"/>
+                    <a:bodyPr lIns="90000" rIns="90000"/>
                     <a:p>
                       <a:r>
                         <a:rPr b="0" lang="ru-RU" sz="1800" spc="-1" strike="noStrike">
@@ -2951,7 +4630,7 @@
                 </a:tc>
                 <a:tc>
                   <a:txBody>
-                    <a:bodyPr lIns="90000" rIns="90000" tIns="46800" bIns="46800"/>
+                    <a:bodyPr lIns="90000" rIns="90000"/>
                     <a:p>
                       <a:r>
                         <a:rPr b="0" lang="ru-RU" sz="1800" spc="-1" strike="noStrike">
@@ -3008,7 +4687,7 @@
                 </a:tc>
                 <a:tc>
                   <a:txBody>
-                    <a:bodyPr lIns="90000" rIns="90000" tIns="46800" bIns="46800"/>
+                    <a:bodyPr lIns="90000" rIns="90000"/>
                     <a:p>
                       <a:r>
                         <a:rPr b="0" lang="ru-RU" sz="1800" spc="-1" strike="noStrike">
@@ -3065,7 +4744,7 @@
                 </a:tc>
                 <a:tc>
                   <a:txBody>
-                    <a:bodyPr lIns="90000" rIns="90000" tIns="46800" bIns="46800"/>
+                    <a:bodyPr lIns="90000" rIns="90000"/>
                     <a:p>
                       <a:r>
                         <a:rPr b="0" lang="ru-RU" sz="1800" spc="-1" strike="noStrike">
@@ -3124,7 +4803,7 @@
               <a:tr h="719640">
                 <a:tc>
                   <a:txBody>
-                    <a:bodyPr lIns="90000" rIns="90000" tIns="46800" bIns="46800"/>
+                    <a:bodyPr lIns="90000" rIns="90000"/>
                     <a:p>
                       <a:r>
                         <a:rPr b="0" lang="ru-RU" sz="1800" spc="-1" strike="noStrike">
@@ -3181,7 +4860,7 @@
                 </a:tc>
                 <a:tc>
                   <a:txBody>
-                    <a:bodyPr lIns="90000" rIns="90000" tIns="46800" bIns="46800"/>
+                    <a:bodyPr lIns="90000" rIns="90000"/>
                     <a:p>
                       <a:r>
                         <a:rPr b="0" lang="ru-RU" sz="1800" spc="-1" strike="noStrike">
@@ -3265,7 +4944,7 @@
                 </a:tc>
                 <a:tc>
                   <a:txBody>
-                    <a:bodyPr lIns="90000" rIns="90000" tIns="46800" bIns="46800"/>
+                    <a:bodyPr lIns="90000" rIns="90000"/>
                     <a:p>
                       <a:r>
                         <a:rPr b="0" lang="ru-RU" sz="1800" spc="-1" strike="noStrike">
@@ -3322,7 +5001,7 @@
                 </a:tc>
                 <a:tc>
                   <a:txBody>
-                    <a:bodyPr lIns="90000" rIns="90000" tIns="46800" bIns="46800"/>
+                    <a:bodyPr lIns="90000" rIns="90000"/>
                     <a:p>
                       <a:r>
                         <a:rPr b="0" lang="ru-RU" sz="1800" spc="-1" strike="noStrike">
@@ -3381,7 +5060,7 @@
               <a:tr h="721440">
                 <a:tc>
                   <a:txBody>
-                    <a:bodyPr lIns="90000" rIns="90000" tIns="46800" bIns="46800"/>
+                    <a:bodyPr lIns="90000" rIns="90000"/>
                     <a:p>
                       <a:r>
                         <a:rPr b="0" lang="ru-RU" sz="1800" spc="-1" strike="noStrike">
@@ -3438,7 +5117,7 @@
                 </a:tc>
                 <a:tc>
                   <a:txBody>
-                    <a:bodyPr lIns="90000" rIns="90000" tIns="46800" bIns="46800"/>
+                    <a:bodyPr lIns="90000" rIns="90000"/>
                     <a:p>
                       <a:r>
                         <a:rPr b="0" lang="ru-RU" sz="1800" spc="-1" strike="noStrike">
@@ -3549,7 +5228,7 @@
                 </a:tc>
                 <a:tc>
                   <a:txBody>
-                    <a:bodyPr lIns="90000" rIns="90000" tIns="46800" bIns="46800"/>
+                    <a:bodyPr lIns="90000" rIns="90000"/>
                     <a:p>
                       <a:r>
                         <a:rPr b="0" lang="ru-RU" sz="1800" spc="-1" strike="noStrike">
@@ -3606,7 +5285,7 @@
                 </a:tc>
                 <a:tc>
                   <a:txBody>
-                    <a:bodyPr lIns="90000" rIns="90000" tIns="46800" bIns="46800"/>
+                    <a:bodyPr lIns="90000" rIns="90000"/>
                     <a:p>
                       <a:r>
                         <a:rPr b="0" lang="ru-RU" sz="1800" spc="-1" strike="noStrike">
@@ -3665,7 +5344,7 @@
               <a:tr h="721440">
                 <a:tc>
                   <a:txBody>
-                    <a:bodyPr lIns="90000" rIns="90000" tIns="46800" bIns="46800"/>
+                    <a:bodyPr lIns="90000" rIns="90000"/>
                     <a:p>
                       <a:r>
                         <a:rPr b="0" lang="ru-RU" sz="1800" spc="-1" strike="noStrike">
@@ -3722,7 +5401,7 @@
                 </a:tc>
                 <a:tc>
                   <a:txBody>
-                    <a:bodyPr lIns="90000" rIns="90000" tIns="46800" bIns="46800"/>
+                    <a:bodyPr lIns="90000" rIns="90000"/>
                     <a:p>
                       <a:r>
                         <a:rPr b="0" lang="ru-RU" sz="1800" spc="-1" strike="noStrike">
@@ -3806,7 +5485,7 @@
                 </a:tc>
                 <a:tc>
                   <a:txBody>
-                    <a:bodyPr lIns="90000" rIns="90000" tIns="46800" bIns="46800"/>
+                    <a:bodyPr lIns="90000" rIns="90000"/>
                     <a:p>
                       <a:r>
                         <a:rPr b="0" lang="ru-RU" sz="1800" spc="-1" strike="noStrike">
@@ -3863,7 +5542,7 @@
                 </a:tc>
                 <a:tc>
                   <a:txBody>
-                    <a:bodyPr lIns="90000" rIns="90000" tIns="46800" bIns="46800"/>
+                    <a:bodyPr lIns="90000" rIns="90000"/>
                     <a:p>
                       <a:r>
                         <a:rPr b="0" lang="ru-RU" sz="1800" spc="-1" strike="noStrike">
@@ -3974,14 +5653,14 @@
       </p:grpSpPr>
       <p:sp>
         <p:nvSpPr>
-          <p:cNvPr id="59" name="TextShape 1"/>
-          <p:cNvSpPr txBox="1"/>
+          <p:cNvPr id="92" name="CustomShape 1"/>
+          <p:cNvSpPr/>
           <p:nvPr/>
         </p:nvSpPr>
         <p:spPr>
           <a:xfrm>
             <a:off x="504000" y="301320"/>
-            <a:ext cx="9071640" cy="1262160"/>
+            <a:ext cx="9070920" cy="1261440"/>
           </a:xfrm>
           <a:prstGeom prst="rect">
             <a:avLst/>
@@ -3991,10 +5670,20 @@
             <a:noFill/>
           </a:ln>
         </p:spPr>
+        <p:style>
+          <a:lnRef idx="0"/>
+          <a:fillRef idx="0"/>
+          <a:effectRef idx="0"/>
+          <a:fontRef idx="minor"/>
+        </p:style>
         <p:txBody>
           <a:bodyPr lIns="0" rIns="0" tIns="0" bIns="0" anchor="ctr"/>
           <a:p>
-            <a:pPr algn="ctr"/>
+            <a:pPr algn="ctr">
+              <a:lnSpc>
+                <a:spcPct val="100000"/>
+              </a:lnSpc>
+            </a:pPr>
             <a:r>
               <a:rPr b="0" lang="ru-RU" sz="4400" spc="-1" strike="noStrike">
                 <a:solidFill>
@@ -4006,9 +5695,28 @@
                   </a:solidFill>
                 </a:uFill>
                 <a:latin typeface="Arial"/>
+                <a:ea typeface="DejaVu Sans"/>
               </a:rPr>
               <a:t>Описание реализации</a:t>
             </a:r>
+            <a:endParaRPr b="0" lang="ru-RU" sz="1800" spc="-1" strike="noStrike">
+              <a:solidFill>
+                <a:srgbClr val="000000"/>
+              </a:solidFill>
+              <a:uFill>
+                <a:solidFill>
+                  <a:srgbClr val="ffffff"/>
+                </a:solidFill>
+              </a:uFill>
+              <a:latin typeface="Arial"/>
+            </a:endParaRPr>
+          </a:p>
+          <a:p>
+            <a:pPr algn="ctr">
+              <a:lnSpc>
+                <a:spcPct val="100000"/>
+              </a:lnSpc>
+            </a:pPr>
             <a:r>
               <a:rPr b="0" lang="ru-RU" sz="4400" spc="-1" strike="noStrike">
                 <a:solidFill>
@@ -4020,25 +5728,11 @@
                   </a:solidFill>
                 </a:uFill>
                 <a:latin typeface="Arial"/>
-              </a:rPr>
-              <a:t>
-</a:t>
-            </a:r>
-            <a:r>
-              <a:rPr b="0" lang="ru-RU" sz="4400" spc="-1" strike="noStrike">
-                <a:solidFill>
-                  <a:srgbClr val="000000"/>
-                </a:solidFill>
-                <a:uFill>
-                  <a:solidFill>
-                    <a:srgbClr val="ffffff"/>
-                  </a:solidFill>
-                </a:uFill>
-                <a:latin typeface="Arial"/>
+                <a:ea typeface="DejaVu Sans"/>
               </a:rPr>
               <a:t>class UserQiwi</a:t>
             </a:r>
-            <a:endParaRPr b="0" lang="ru-RU" sz="4400" spc="-1" strike="noStrike">
+            <a:endParaRPr b="0" lang="ru-RU" sz="1800" spc="-1" strike="noStrike">
               <a:solidFill>
                 <a:srgbClr val="000000"/>
               </a:solidFill>
@@ -4054,13 +5748,13 @@
       </p:sp>
       <p:graphicFrame>
         <p:nvGraphicFramePr>
-          <p:cNvPr id="60" name="Table 2"/>
+          <p:cNvPr id="93" name="Table 2"/>
           <p:cNvGraphicFramePr/>
           <p:nvPr/>
         </p:nvGraphicFramePr>
         <p:xfrm>
           <a:off x="144000" y="1599840"/>
-          <a:ext cx="9791640" cy="5540400"/>
+          <a:ext cx="9791280" cy="2158560"/>
         </p:xfrm>
         <a:graphic>
           <a:graphicData uri="http://schemas.openxmlformats.org/drawingml/2006/table">
@@ -4075,7 +5769,7 @@
               <a:tr h="719640">
                 <a:tc>
                   <a:txBody>
-                    <a:bodyPr lIns="90000" rIns="90000" tIns="46800" bIns="46800"/>
+                    <a:bodyPr lIns="90000" rIns="90000"/>
                     <a:p>
                       <a:r>
                         <a:rPr b="0" lang="ru-RU" sz="1800" spc="-1" strike="noStrike">
@@ -4132,7 +5826,7 @@
                 </a:tc>
                 <a:tc>
                   <a:txBody>
-                    <a:bodyPr lIns="90000" rIns="90000" tIns="46800" bIns="46800"/>
+                    <a:bodyPr lIns="90000" rIns="90000"/>
                     <a:p>
                       <a:r>
                         <a:rPr b="0" lang="ru-RU" sz="1800" spc="-1" strike="noStrike">
@@ -4189,7 +5883,7 @@
                 </a:tc>
                 <a:tc>
                   <a:txBody>
-                    <a:bodyPr lIns="90000" rIns="90000" tIns="46800" bIns="46800"/>
+                    <a:bodyPr lIns="90000" rIns="90000"/>
                     <a:p>
                       <a:r>
                         <a:rPr b="0" lang="ru-RU" sz="1800" spc="-1" strike="noStrike">
@@ -4246,7 +5940,7 @@
                 </a:tc>
                 <a:tc>
                   <a:txBody>
-                    <a:bodyPr lIns="90000" rIns="90000" tIns="46800" bIns="46800"/>
+                    <a:bodyPr lIns="90000" rIns="90000"/>
                     <a:p>
                       <a:r>
                         <a:rPr b="0" lang="ru-RU" sz="1800" spc="-1" strike="noStrike">
@@ -4260,35 +5954,7 @@
                           </a:uFill>
                           <a:latin typeface="Arial"/>
                         </a:rPr>
-                        <a:t>Тип </a:t>
-                      </a:r>
-                      <a:r>
-                        <a:rPr b="0" lang="ru-RU" sz="1800" spc="-1" strike="noStrike">
-                          <a:solidFill>
-                            <a:srgbClr val="000000"/>
-                          </a:solidFill>
-                          <a:uFill>
-                            <a:solidFill>
-                              <a:srgbClr val="ffffff"/>
-                            </a:solidFill>
-                          </a:uFill>
-                          <a:latin typeface="Arial"/>
-                        </a:rPr>
-                        <a:t>возвращаемых </a:t>
-                      </a:r>
-                      <a:r>
-                        <a:rPr b="0" lang="ru-RU" sz="1800" spc="-1" strike="noStrike">
-                          <a:solidFill>
-                            <a:srgbClr val="000000"/>
-                          </a:solidFill>
-                          <a:uFill>
-                            <a:solidFill>
-                              <a:srgbClr val="ffffff"/>
-                            </a:solidFill>
-                          </a:uFill>
-                          <a:latin typeface="Arial"/>
-                        </a:rPr>
-                        <a:t>данных</a:t>
+                        <a:t>Тип возвращаемых данных</a:t>
                       </a:r>
                       <a:endParaRPr b="0" lang="ru-RU" sz="1800" spc="-1" strike="noStrike">
                         <a:solidFill>
@@ -4333,7 +5999,7 @@
               <a:tr h="719640">
                 <a:tc>
                   <a:txBody>
-                    <a:bodyPr lIns="90000" rIns="90000" tIns="46800" bIns="46800"/>
+                    <a:bodyPr lIns="90000" rIns="90000"/>
                     <a:p>
                       <a:r>
                         <a:rPr b="0" lang="ru-RU" sz="1800" spc="-1" strike="noStrike">
@@ -4347,21 +6013,7 @@
                           </a:uFill>
                           <a:latin typeface="Arial"/>
                         </a:rPr>
-                        <a:t>transaction_tele</a:t>
-                      </a:r>
-                      <a:r>
-                        <a:rPr b="0" lang="ru-RU" sz="1800" spc="-1" strike="noStrike">
-                          <a:solidFill>
-                            <a:srgbClr val="000000"/>
-                          </a:solidFill>
-                          <a:uFill>
-                            <a:solidFill>
-                              <a:srgbClr val="ffffff"/>
-                            </a:solidFill>
-                          </a:uFill>
-                          <a:latin typeface="Arial"/>
-                        </a:rPr>
-                        <a:t>phone</a:t>
+                        <a:t>transaction_telephone</a:t>
                       </a:r>
                       <a:endParaRPr b="0" lang="ru-RU" sz="1800" spc="-1" strike="noStrike">
                         <a:solidFill>
@@ -4404,7 +6056,7 @@
                 </a:tc>
                 <a:tc>
                   <a:txBody>
-                    <a:bodyPr lIns="90000" rIns="90000" tIns="46800" bIns="46800"/>
+                    <a:bodyPr lIns="90000" rIns="90000"/>
                     <a:p>
                       <a:r>
                         <a:rPr b="0" lang="ru-RU" sz="1800" spc="-1" strike="noStrike">
@@ -4472,21 +6124,7 @@
                           </a:uFill>
                           <a:latin typeface="Arial"/>
                         </a:rPr>
-                        <a:t>(по умолчанию </a:t>
-                      </a:r>
-                      <a:r>
-                        <a:rPr b="0" lang="ru-RU" sz="1800" spc="-1" strike="noStrike">
-                          <a:solidFill>
-                            <a:srgbClr val="000000"/>
-                          </a:solidFill>
-                          <a:uFill>
-                            <a:solidFill>
-                              <a:srgbClr val="ffffff"/>
-                            </a:solidFill>
-                          </a:uFill>
-                          <a:latin typeface="Arial"/>
-                        </a:rPr>
-                        <a:t>None)</a:t>
+                        <a:t>(по умолчанию None)</a:t>
                       </a:r>
                       <a:endParaRPr b="0" lang="ru-RU" sz="1800" spc="-1" strike="noStrike">
                         <a:solidFill>
@@ -4529,7 +6167,7 @@
                 </a:tc>
                 <a:tc>
                   <a:txBody>
-                    <a:bodyPr lIns="90000" rIns="90000" tIns="46800" bIns="46800"/>
+                    <a:bodyPr lIns="90000" rIns="90000"/>
                     <a:p>
                       <a:r>
                         <a:rPr b="0" lang="ru-RU" sz="1800" spc="-1" strike="noStrike">
@@ -4543,133 +6181,7 @@
                           </a:uFill>
                           <a:latin typeface="Arial"/>
                         </a:rPr>
-                        <a:t>Переводит </a:t>
-                      </a:r>
-                      <a:r>
-                        <a:rPr b="0" lang="ru-RU" sz="1800" spc="-1" strike="noStrike">
-                          <a:solidFill>
-                            <a:srgbClr val="000000"/>
-                          </a:solidFill>
-                          <a:uFill>
-                            <a:solidFill>
-                              <a:srgbClr val="ffffff"/>
-                            </a:solidFill>
-                          </a:uFill>
-                          <a:latin typeface="Arial"/>
-                        </a:rPr>
-                        <a:t>средства со </a:t>
-                      </a:r>
-                      <a:r>
-                        <a:rPr b="0" lang="ru-RU" sz="1800" spc="-1" strike="noStrike">
-                          <a:solidFill>
-                            <a:srgbClr val="000000"/>
-                          </a:solidFill>
-                          <a:uFill>
-                            <a:solidFill>
-                              <a:srgbClr val="ffffff"/>
-                            </a:solidFill>
-                          </a:uFill>
-                          <a:latin typeface="Arial"/>
-                        </a:rPr>
-                        <a:t>счета </a:t>
-                      </a:r>
-                      <a:r>
-                        <a:rPr b="0" lang="ru-RU" sz="1800" spc="-1" strike="noStrike">
-                          <a:solidFill>
-                            <a:srgbClr val="000000"/>
-                          </a:solidFill>
-                          <a:uFill>
-                            <a:solidFill>
-                              <a:srgbClr val="ffffff"/>
-                            </a:solidFill>
-                          </a:uFill>
-                          <a:latin typeface="Arial"/>
-                        </a:rPr>
-                        <a:t>владельца на </a:t>
-                      </a:r>
-                      <a:r>
-                        <a:rPr b="0" lang="ru-RU" sz="1800" spc="-1" strike="noStrike">
-                          <a:solidFill>
-                            <a:srgbClr val="000000"/>
-                          </a:solidFill>
-                          <a:uFill>
-                            <a:solidFill>
-                              <a:srgbClr val="ffffff"/>
-                            </a:solidFill>
-                          </a:uFill>
-                          <a:latin typeface="Arial"/>
-                        </a:rPr>
-                        <a:t>указанный </a:t>
-                      </a:r>
-                      <a:r>
-                        <a:rPr b="0" lang="ru-RU" sz="1800" spc="-1" strike="noStrike">
-                          <a:solidFill>
-                            <a:srgbClr val="000000"/>
-                          </a:solidFill>
-                          <a:uFill>
-                            <a:solidFill>
-                              <a:srgbClr val="ffffff"/>
-                            </a:solidFill>
-                          </a:uFill>
-                          <a:latin typeface="Arial"/>
-                        </a:rPr>
-                        <a:t>номер. Если </a:t>
-                      </a:r>
-                      <a:r>
-                        <a:rPr b="0" lang="ru-RU" sz="1800" spc="-1" strike="noStrike">
-                          <a:solidFill>
-                            <a:srgbClr val="000000"/>
-                          </a:solidFill>
-                          <a:uFill>
-                            <a:solidFill>
-                              <a:srgbClr val="ffffff"/>
-                            </a:solidFill>
-                          </a:uFill>
-                          <a:latin typeface="Arial"/>
-                        </a:rPr>
-                        <a:t>такого нет, </a:t>
-                      </a:r>
-                      <a:r>
-                        <a:rPr b="0" lang="ru-RU" sz="1800" spc="-1" strike="noStrike">
-                          <a:solidFill>
-                            <a:srgbClr val="000000"/>
-                          </a:solidFill>
-                          <a:uFill>
-                            <a:solidFill>
-                              <a:srgbClr val="ffffff"/>
-                            </a:solidFill>
-                          </a:uFill>
-                          <a:latin typeface="Arial"/>
-                        </a:rPr>
-                        <a:t>используется </a:t>
-                      </a:r>
-                      <a:r>
-                        <a:rPr b="0" lang="ru-RU" sz="1800" spc="-1" strike="noStrike">
-                          <a:solidFill>
-                            <a:srgbClr val="000000"/>
-                          </a:solidFill>
-                          <a:uFill>
-                            <a:solidFill>
-                              <a:srgbClr val="ffffff"/>
-                            </a:solidFill>
-                          </a:uFill>
-                          <a:latin typeface="Arial"/>
-                        </a:rPr>
-                        <a:t>номер </a:t>
-                      </a:r>
-                      <a:r>
-                        <a:rPr b="0" lang="ru-RU" sz="1800" spc="-1" strike="noStrike">
-                          <a:solidFill>
-                            <a:srgbClr val="000000"/>
-                          </a:solidFill>
-                          <a:uFill>
-                            <a:solidFill>
-                              <a:srgbClr val="ffffff"/>
-                            </a:solidFill>
-                          </a:uFill>
-                          <a:latin typeface="Arial"/>
-                        </a:rPr>
-                        <a:t>пользователя.</a:t>
+                        <a:t>Переводит средства со счета владельца на указанный номер. Если такого нет, используется номер пользователя.</a:t>
                       </a:r>
                       <a:endParaRPr b="0" lang="ru-RU" sz="1800" spc="-1" strike="noStrike">
                         <a:solidFill>
@@ -4725,7 +6237,7 @@
                 </a:tc>
                 <a:tc>
                   <a:txBody>
-                    <a:bodyPr lIns="90000" rIns="90000" tIns="46800" bIns="46800"/>
+                    <a:bodyPr lIns="90000" rIns="90000"/>
                     <a:p>
                       <a:r>
                         <a:rPr b="0" lang="ru-RU" sz="1800" spc="-1" strike="noStrike">
@@ -4784,7 +6296,7 @@
               <a:tr h="719640">
                 <a:tc>
                   <a:txBody>
-                    <a:bodyPr lIns="90000" rIns="90000" tIns="46800" bIns="46800"/>
+                    <a:bodyPr lIns="90000" rIns="90000"/>
                     <a:p>
                       <a:r>
                         <a:rPr b="0" lang="ru-RU" sz="1800" spc="-1" strike="noStrike">
@@ -4841,7 +6353,7 @@
                 </a:tc>
                 <a:tc>
                   <a:txBody>
-                    <a:bodyPr lIns="90000" rIns="90000" tIns="46800" bIns="46800"/>
+                    <a:bodyPr lIns="90000" rIns="90000"/>
                     <a:p>
                       <a:r>
                         <a:rPr b="0" lang="ru-RU" sz="1800" spc="-1" strike="noStrike">
@@ -4855,35 +6367,7 @@
                           </a:uFill>
                           <a:latin typeface="Arial"/>
                         </a:rPr>
-                        <a:t>self, </a:t>
-                      </a:r>
-                      <a:r>
-                        <a:rPr b="0" lang="ru-RU" sz="1800" spc="-1" strike="noStrike">
-                          <a:solidFill>
-                            <a:srgbClr val="000000"/>
-                          </a:solidFill>
-                          <a:uFill>
-                            <a:solidFill>
-                              <a:srgbClr val="ffffff"/>
-                            </a:solidFill>
-                          </a:uFill>
-                          <a:latin typeface="Arial"/>
-                        </a:rPr>
-                        <a:t>account_id, </a:t>
-                      </a:r>
-                      <a:r>
-                        <a:rPr b="0" lang="ru-RU" sz="1800" spc="-1" strike="noStrike">
-                          <a:solidFill>
-                            <a:srgbClr val="000000"/>
-                          </a:solidFill>
-                          <a:uFill>
-                            <a:solidFill>
-                              <a:srgbClr val="ffffff"/>
-                            </a:solidFill>
-                          </a:uFill>
-                          <a:latin typeface="Arial"/>
-                        </a:rPr>
-                        <a:t>amount</a:t>
+                        <a:t>self, account_id, amount</a:t>
                       </a:r>
                       <a:endParaRPr b="0" lang="ru-RU" sz="1800" spc="-1" strike="noStrike">
                         <a:solidFill>
@@ -4926,7 +6410,7 @@
                 </a:tc>
                 <a:tc>
                   <a:txBody>
-                    <a:bodyPr lIns="90000" rIns="90000" tIns="46800" bIns="46800"/>
+                    <a:bodyPr lIns="90000" rIns="90000"/>
                     <a:p>
                       <a:r>
                         <a:rPr b="0" lang="ru-RU" sz="1800" spc="-1" strike="noStrike">
@@ -4940,77 +6424,7 @@
                           </a:uFill>
                           <a:latin typeface="Arial"/>
                         </a:rPr>
-                        <a:t>Переводит </a:t>
-                      </a:r>
-                      <a:r>
-                        <a:rPr b="0" lang="ru-RU" sz="1800" spc="-1" strike="noStrike">
-                          <a:solidFill>
-                            <a:srgbClr val="000000"/>
-                          </a:solidFill>
-                          <a:uFill>
-                            <a:solidFill>
-                              <a:srgbClr val="ffffff"/>
-                            </a:solidFill>
-                          </a:uFill>
-                          <a:latin typeface="Arial"/>
-                        </a:rPr>
-                        <a:t>средства со </a:t>
-                      </a:r>
-                      <a:r>
-                        <a:rPr b="0" lang="ru-RU" sz="1800" spc="-1" strike="noStrike">
-                          <a:solidFill>
-                            <a:srgbClr val="000000"/>
-                          </a:solidFill>
-                          <a:uFill>
-                            <a:solidFill>
-                              <a:srgbClr val="ffffff"/>
-                            </a:solidFill>
-                          </a:uFill>
-                          <a:latin typeface="Arial"/>
-                        </a:rPr>
-                        <a:t>счета </a:t>
-                      </a:r>
-                      <a:r>
-                        <a:rPr b="0" lang="ru-RU" sz="1800" spc="-1" strike="noStrike">
-                          <a:solidFill>
-                            <a:srgbClr val="000000"/>
-                          </a:solidFill>
-                          <a:uFill>
-                            <a:solidFill>
-                              <a:srgbClr val="ffffff"/>
-                            </a:solidFill>
-                          </a:uFill>
-                          <a:latin typeface="Arial"/>
-                        </a:rPr>
-                        <a:t>владельца на </a:t>
-                      </a:r>
-                      <a:r>
-                        <a:rPr b="0" lang="ru-RU" sz="1800" spc="-1" strike="noStrike">
-                          <a:solidFill>
-                            <a:srgbClr val="000000"/>
-                          </a:solidFill>
-                          <a:uFill>
-                            <a:solidFill>
-                              <a:srgbClr val="ffffff"/>
-                            </a:solidFill>
-                          </a:uFill>
-                          <a:latin typeface="Arial"/>
-                        </a:rPr>
-                        <a:t>указанный </a:t>
-                      </a:r>
-                      <a:r>
-                        <a:rPr b="0" lang="ru-RU" sz="1800" spc="-1" strike="noStrike">
-                          <a:solidFill>
-                            <a:srgbClr val="000000"/>
-                          </a:solidFill>
-                          <a:uFill>
-                            <a:solidFill>
-                              <a:srgbClr val="ffffff"/>
-                            </a:solidFill>
-                          </a:uFill>
-                          <a:latin typeface="Arial"/>
-                        </a:rPr>
-                        <a:t>счет. </a:t>
+                        <a:t>Переводит средства со счета владельца на указанный счет. </a:t>
                       </a:r>
                       <a:endParaRPr b="0" lang="ru-RU" sz="1800" spc="-1" strike="noStrike">
                         <a:solidFill>
@@ -5053,7 +6467,7 @@
                 </a:tc>
                 <a:tc>
                   <a:txBody>
-                    <a:bodyPr lIns="90000" rIns="90000" tIns="46800" bIns="46800"/>
+                    <a:bodyPr lIns="90000" rIns="90000"/>
                     <a:p>
                       <a:r>
                         <a:rPr b="0" lang="ru-RU" sz="1800" spc="-1" strike="noStrike">
@@ -5164,14 +6578,14 @@
       </p:grpSpPr>
       <p:sp>
         <p:nvSpPr>
-          <p:cNvPr id="61" name="TextShape 1"/>
-          <p:cNvSpPr txBox="1"/>
+          <p:cNvPr id="94" name="CustomShape 1"/>
+          <p:cNvSpPr/>
           <p:nvPr/>
         </p:nvSpPr>
         <p:spPr>
           <a:xfrm>
             <a:off x="504000" y="301320"/>
-            <a:ext cx="9071640" cy="1262160"/>
+            <a:ext cx="9070920" cy="1261440"/>
           </a:xfrm>
           <a:prstGeom prst="rect">
             <a:avLst/>
@@ -5181,10 +6595,20 @@
             <a:noFill/>
           </a:ln>
         </p:spPr>
+        <p:style>
+          <a:lnRef idx="0"/>
+          <a:fillRef idx="0"/>
+          <a:effectRef idx="0"/>
+          <a:fontRef idx="minor"/>
+        </p:style>
         <p:txBody>
           <a:bodyPr lIns="0" rIns="0" tIns="0" bIns="0" anchor="ctr"/>
           <a:p>
-            <a:pPr algn="ctr"/>
+            <a:pPr algn="ctr">
+              <a:lnSpc>
+                <a:spcPct val="100000"/>
+              </a:lnSpc>
+            </a:pPr>
             <a:r>
               <a:rPr b="0" lang="ru-RU" sz="4400" spc="-1" strike="noStrike">
                 <a:solidFill>
@@ -5196,9 +6620,28 @@
                   </a:solidFill>
                 </a:uFill>
                 <a:latin typeface="Arial"/>
+                <a:ea typeface="DejaVu Sans"/>
               </a:rPr>
               <a:t>Описание реализации</a:t>
             </a:r>
+            <a:endParaRPr b="0" lang="ru-RU" sz="1800" spc="-1" strike="noStrike">
+              <a:solidFill>
+                <a:srgbClr val="000000"/>
+              </a:solidFill>
+              <a:uFill>
+                <a:solidFill>
+                  <a:srgbClr val="ffffff"/>
+                </a:solidFill>
+              </a:uFill>
+              <a:latin typeface="Arial"/>
+            </a:endParaRPr>
+          </a:p>
+          <a:p>
+            <a:pPr algn="ctr">
+              <a:lnSpc>
+                <a:spcPct val="100000"/>
+              </a:lnSpc>
+            </a:pPr>
             <a:r>
               <a:rPr b="0" lang="ru-RU" sz="4400" spc="-1" strike="noStrike">
                 <a:solidFill>
@@ -5210,25 +6653,11 @@
                   </a:solidFill>
                 </a:uFill>
                 <a:latin typeface="Arial"/>
-              </a:rPr>
-              <a:t>
-</a:t>
-            </a:r>
-            <a:r>
-              <a:rPr b="0" lang="ru-RU" sz="4400" spc="-1" strike="noStrike">
-                <a:solidFill>
-                  <a:srgbClr val="000000"/>
-                </a:solidFill>
-                <a:uFill>
-                  <a:solidFill>
-                    <a:srgbClr val="ffffff"/>
-                  </a:solidFill>
-                </a:uFill>
-                <a:latin typeface="Arial"/>
+                <a:ea typeface="DejaVu Sans"/>
               </a:rPr>
               <a:t>(функции QIWI_API)</a:t>
             </a:r>
-            <a:endParaRPr b="0" lang="ru-RU" sz="4400" spc="-1" strike="noStrike">
+            <a:endParaRPr b="0" lang="ru-RU" sz="1800" spc="-1" strike="noStrike">
               <a:solidFill>
                 <a:srgbClr val="000000"/>
               </a:solidFill>
@@ -5244,14 +6673,14 @@
       </p:sp>
       <p:sp>
         <p:nvSpPr>
-          <p:cNvPr id="62" name="TextShape 2"/>
-          <p:cNvSpPr txBox="1"/>
+          <p:cNvPr id="95" name="CustomShape 2"/>
+          <p:cNvSpPr/>
           <p:nvPr/>
         </p:nvSpPr>
         <p:spPr>
           <a:xfrm>
             <a:off x="504000" y="1769040"/>
-            <a:ext cx="9071640" cy="5574960"/>
+            <a:ext cx="9070920" cy="5574240"/>
           </a:xfrm>
           <a:prstGeom prst="rect">
             <a:avLst/>
@@ -5261,6 +6690,12 @@
             <a:noFill/>
           </a:ln>
         </p:spPr>
+        <p:style>
+          <a:lnRef idx="0"/>
+          <a:fillRef idx="0"/>
+          <a:effectRef idx="0"/>
+          <a:fontRef idx="minor"/>
+        </p:style>
         <p:txBody>
           <a:bodyPr lIns="0" rIns="0" tIns="0" bIns="0"/>
           <a:p>
@@ -5275,10 +6710,11 @@
                   </a:solidFill>
                 </a:uFill>
                 <a:latin typeface="Arial"/>
+                <a:ea typeface="DejaVu Sans"/>
               </a:rPr>
               <a:t>run_the_query(headers, url) — Выполняет GET запрос (urllib + json) | dict/bool</a:t>
             </a:r>
-            <a:endParaRPr b="0" lang="ru-RU" sz="3200" spc="-1" strike="noStrike">
+            <a:endParaRPr b="0" lang="ru-RU" sz="1800" spc="-1" strike="noStrike">
               <a:solidFill>
                 <a:srgbClr val="000000"/>
               </a:solidFill>
@@ -5302,10 +6738,11 @@
                   </a:solidFill>
                 </a:uFill>
                 <a:latin typeface="Arial"/>
+                <a:ea typeface="DejaVu Sans"/>
               </a:rPr>
               <a:t>found_address(ip) — Выполняет GET запрос (requests). Возвращает город определенный по ip адресу | str/bool</a:t>
             </a:r>
-            <a:endParaRPr b="0" lang="ru-RU" sz="3200" spc="-1" strike="noStrike">
+            <a:endParaRPr b="0" lang="ru-RU" sz="1800" spc="-1" strike="noStrike">
               <a:solidFill>
                 <a:srgbClr val="000000"/>
               </a:solidFill>
@@ -5329,10 +6766,11 @@
                   </a:solidFill>
                 </a:uFill>
                 <a:latin typeface="Arial"/>
+                <a:ea typeface="DejaVu Sans"/>
               </a:rPr>
               <a:t>write_file(headers, url, file_name) — Выполняет GET запрос (urllib). Записывает изображение чека в указанный файл. | bool</a:t>
             </a:r>
-            <a:endParaRPr b="0" lang="ru-RU" sz="3200" spc="-1" strike="noStrike">
+            <a:endParaRPr b="0" lang="ru-RU" sz="1800" spc="-1" strike="noStrike">
               <a:solidFill>
                 <a:srgbClr val="000000"/>
               </a:solidFill>
@@ -5356,10 +6794,11 @@
                   </a:solidFill>
                 </a:uFill>
                 <a:latin typeface="Arial"/>
+                <a:ea typeface="DejaVu Sans"/>
               </a:rPr>
               <a:t>found_id(number) — Выполняет POST запрос (requests). Возвращает id мобильного оператора. | str/bool  </a:t>
             </a:r>
-            <a:endParaRPr b="0" lang="ru-RU" sz="3200" spc="-1" strike="noStrike">
+            <a:endParaRPr b="0" lang="ru-RU" sz="1800" spc="-1" strike="noStrike">
               <a:solidFill>
                 <a:srgbClr val="000000"/>
               </a:solidFill>
@@ -5424,14 +6863,14 @@
       </p:grpSpPr>
       <p:sp>
         <p:nvSpPr>
-          <p:cNvPr id="63" name="TextShape 1"/>
-          <p:cNvSpPr txBox="1"/>
+          <p:cNvPr id="96" name="CustomShape 1"/>
+          <p:cNvSpPr/>
           <p:nvPr/>
         </p:nvSpPr>
         <p:spPr>
           <a:xfrm>
             <a:off x="504000" y="301320"/>
-            <a:ext cx="9071640" cy="1262160"/>
+            <a:ext cx="9070920" cy="1261440"/>
           </a:xfrm>
           <a:prstGeom prst="rect">
             <a:avLst/>
@@ -5441,10 +6880,20 @@
             <a:noFill/>
           </a:ln>
         </p:spPr>
+        <p:style>
+          <a:lnRef idx="0"/>
+          <a:fillRef idx="0"/>
+          <a:effectRef idx="0"/>
+          <a:fontRef idx="minor"/>
+        </p:style>
         <p:txBody>
           <a:bodyPr lIns="0" rIns="0" tIns="0" bIns="0" anchor="ctr"/>
           <a:p>
-            <a:pPr algn="ctr"/>
+            <a:pPr algn="ctr">
+              <a:lnSpc>
+                <a:spcPct val="100000"/>
+              </a:lnSpc>
+            </a:pPr>
             <a:r>
               <a:rPr b="0" lang="ru-RU" sz="4400" spc="-1" strike="noStrike">
                 <a:solidFill>
@@ -5456,9 +6905,28 @@
                   </a:solidFill>
                 </a:uFill>
                 <a:latin typeface="Arial"/>
+                <a:ea typeface="DejaVu Sans"/>
               </a:rPr>
               <a:t>Описание реализации</a:t>
             </a:r>
+            <a:endParaRPr b="0" lang="ru-RU" sz="1800" spc="-1" strike="noStrike">
+              <a:solidFill>
+                <a:srgbClr val="000000"/>
+              </a:solidFill>
+              <a:uFill>
+                <a:solidFill>
+                  <a:srgbClr val="ffffff"/>
+                </a:solidFill>
+              </a:uFill>
+              <a:latin typeface="Arial"/>
+            </a:endParaRPr>
+          </a:p>
+          <a:p>
+            <a:pPr algn="ctr">
+              <a:lnSpc>
+                <a:spcPct val="100000"/>
+              </a:lnSpc>
+            </a:pPr>
             <a:r>
               <a:rPr b="0" lang="ru-RU" sz="4400" spc="-1" strike="noStrike">
                 <a:solidFill>
@@ -5470,25 +6938,11 @@
                   </a:solidFill>
                 </a:uFill>
                 <a:latin typeface="Arial"/>
-              </a:rPr>
-              <a:t>
-</a:t>
-            </a:r>
-            <a:r>
-              <a:rPr b="0" lang="ru-RU" sz="4400" spc="-1" strike="noStrike">
-                <a:solidFill>
-                  <a:srgbClr val="000000"/>
-                </a:solidFill>
-                <a:uFill>
-                  <a:solidFill>
-                    <a:srgbClr val="ffffff"/>
-                  </a:solidFill>
-                </a:uFill>
-                <a:latin typeface="Arial"/>
+                <a:ea typeface="DejaVu Sans"/>
               </a:rPr>
               <a:t>Bot.py</a:t>
             </a:r>
-            <a:endParaRPr b="0" lang="ru-RU" sz="4400" spc="-1" strike="noStrike">
+            <a:endParaRPr b="0" lang="ru-RU" sz="1800" spc="-1" strike="noStrike">
               <a:solidFill>
                 <a:srgbClr val="000000"/>
               </a:solidFill>
@@ -5504,13 +6958,13 @@
       </p:sp>
       <p:graphicFrame>
         <p:nvGraphicFramePr>
-          <p:cNvPr id="64" name="Table 2"/>
+          <p:cNvPr id="97" name="Table 2"/>
           <p:cNvGraphicFramePr/>
           <p:nvPr/>
         </p:nvGraphicFramePr>
         <p:xfrm>
           <a:off x="288000" y="1656000"/>
-          <a:ext cx="9431640" cy="3312000"/>
+          <a:ext cx="9431640" cy="5303160"/>
         </p:xfrm>
         <a:graphic>
           <a:graphicData uri="http://schemas.openxmlformats.org/drawingml/2006/table">
@@ -5524,7 +6978,7 @@
               <a:tr h="662040">
                 <a:tc>
                   <a:txBody>
-                    <a:bodyPr lIns="90000" rIns="90000" tIns="46800" bIns="46800"/>
+                    <a:bodyPr lIns="90000" rIns="90000"/>
                     <a:p>
                       <a:r>
                         <a:rPr b="0" lang="ru-RU" sz="1800" spc="-1" strike="noStrike">
@@ -5581,7 +7035,7 @@
                 </a:tc>
                 <a:tc>
                   <a:txBody>
-                    <a:bodyPr lIns="90000" rIns="90000" tIns="46800" bIns="46800"/>
+                    <a:bodyPr lIns="90000" rIns="90000"/>
                     <a:p>
                       <a:r>
                         <a:rPr b="0" lang="ru-RU" sz="1800" spc="-1" strike="noStrike">
@@ -5638,7 +7092,7 @@
                 </a:tc>
                 <a:tc>
                   <a:txBody>
-                    <a:bodyPr lIns="90000" rIns="90000" tIns="46800" bIns="46800"/>
+                    <a:bodyPr lIns="90000" rIns="90000"/>
                     <a:p>
                       <a:r>
                         <a:rPr b="0" lang="ru-RU" sz="1800" spc="-1" strike="noStrike">
@@ -5697,7 +7151,7 @@
               <a:tr h="662040">
                 <a:tc>
                   <a:txBody>
-                    <a:bodyPr lIns="90000" rIns="90000" tIns="46800" bIns="46800"/>
+                    <a:bodyPr lIns="90000" rIns="90000"/>
                     <a:p>
                       <a:r>
                         <a:rPr b="0" lang="ru-RU" sz="1800" spc="-1" strike="noStrike">
@@ -5754,7 +7208,7 @@
                 </a:tc>
                 <a:tc>
                   <a:txBody>
-                    <a:bodyPr lIns="90000" rIns="90000" tIns="46800" bIns="46800"/>
+                    <a:bodyPr lIns="90000" rIns="90000"/>
                     <a:p>
                       <a:r>
                         <a:rPr b="0" lang="ru-RU" sz="1800" spc="-1" strike="noStrike">
@@ -5811,7 +7265,7 @@
                 </a:tc>
                 <a:tc>
                   <a:txBody>
-                    <a:bodyPr lIns="90000" rIns="90000" tIns="46800" bIns="46800"/>
+                    <a:bodyPr lIns="90000" rIns="90000"/>
                     <a:p>
                       <a:r>
                         <a:rPr b="0" lang="ru-RU" sz="1800" spc="-1" strike="noStrike">
@@ -5870,7 +7324,7 @@
               <a:tr h="662040">
                 <a:tc>
                   <a:txBody>
-                    <a:bodyPr lIns="90000" rIns="90000" tIns="46800" bIns="46800"/>
+                    <a:bodyPr lIns="90000" rIns="90000"/>
                     <a:p>
                       <a:r>
                         <a:rPr b="0" lang="ru-RU" sz="1800" spc="-1" strike="noStrike">
@@ -5927,7 +7381,7 @@
                 </a:tc>
                 <a:tc>
                   <a:txBody>
-                    <a:bodyPr lIns="90000" rIns="90000" tIns="46800" bIns="46800"/>
+                    <a:bodyPr lIns="90000" rIns="90000"/>
                     <a:p>
                       <a:r>
                         <a:rPr b="0" lang="ru-RU" sz="1800" spc="-1" strike="noStrike">
@@ -5984,7 +7438,7 @@
                 </a:tc>
                 <a:tc>
                   <a:txBody>
-                    <a:bodyPr lIns="90000" rIns="90000" tIns="46800" bIns="46800"/>
+                    <a:bodyPr lIns="90000" rIns="90000"/>
                     <a:p>
                       <a:r>
                         <a:rPr b="0" lang="ru-RU" sz="1800" spc="-1" strike="noStrike">
@@ -6043,7 +7497,7 @@
               <a:tr h="662040">
                 <a:tc>
                   <a:txBody>
-                    <a:bodyPr lIns="90000" rIns="90000" tIns="46800" bIns="46800"/>
+                    <a:bodyPr lIns="90000" rIns="90000"/>
                     <a:p>
                       <a:r>
                         <a:rPr b="0" lang="ru-RU" sz="1800" spc="-1" strike="noStrike">
@@ -6100,7 +7554,7 @@
                 </a:tc>
                 <a:tc>
                   <a:txBody>
-                    <a:bodyPr lIns="90000" rIns="90000" tIns="46800" bIns="46800"/>
+                    <a:bodyPr lIns="90000" rIns="90000"/>
                     <a:p>
                       <a:r>
                         <a:rPr b="0" lang="ru-RU" sz="1800" spc="-1" strike="noStrike">
@@ -6157,7 +7611,7 @@
                 </a:tc>
                 <a:tc>
                   <a:txBody>
-                    <a:bodyPr lIns="90000" rIns="90000" tIns="46800" bIns="46800"/>
+                    <a:bodyPr lIns="90000" rIns="90000"/>
                     <a:p>
                       <a:r>
                         <a:rPr b="0" lang="ru-RU" sz="1800" spc="-1" strike="noStrike">
@@ -6216,7 +7670,7 @@
               <a:tr h="663840">
                 <a:tc>
                   <a:txBody>
-                    <a:bodyPr lIns="90000" rIns="90000" tIns="46800" bIns="46800"/>
+                    <a:bodyPr lIns="90000" rIns="90000"/>
                     <a:p>
                       <a:r>
                         <a:rPr b="0" lang="ru-RU" sz="1800" spc="-1" strike="noStrike">
@@ -6273,7 +7727,7 @@
                 </a:tc>
                 <a:tc>
                   <a:txBody>
-                    <a:bodyPr lIns="90000" rIns="90000" tIns="46800" bIns="46800"/>
+                    <a:bodyPr lIns="90000" rIns="90000"/>
                     <a:p>
                       <a:r>
                         <a:rPr b="0" lang="ru-RU" sz="1800" spc="-1" strike="noStrike">
@@ -6330,7 +7784,7 @@
                 </a:tc>
                 <a:tc>
                   <a:txBody>
-                    <a:bodyPr lIns="90000" rIns="90000" tIns="46800" bIns="46800"/>
+                    <a:bodyPr lIns="90000" rIns="90000"/>
                     <a:p>
                       <a:r>
                         <a:rPr b="0" lang="ru-RU" sz="1800" spc="-1" strike="noStrike">
@@ -6389,7 +7843,7 @@
               <a:tr h="663840">
                 <a:tc>
                   <a:txBody>
-                    <a:bodyPr lIns="90000" rIns="90000" tIns="46800" bIns="46800"/>
+                    <a:bodyPr lIns="90000" rIns="90000"/>
                     <a:p>
                       <a:r>
                         <a:rPr b="0" lang="ru-RU" sz="1800" spc="-1" strike="noStrike">
@@ -6446,7 +7900,7 @@
                 </a:tc>
                 <a:tc>
                   <a:txBody>
-                    <a:bodyPr lIns="90000" rIns="90000" tIns="46800" bIns="46800"/>
+                    <a:bodyPr lIns="90000" rIns="90000"/>
                     <a:p>
                       <a:r>
                         <a:rPr b="0" lang="ru-RU" sz="1800" spc="-1" strike="noStrike">
@@ -6503,7 +7957,7 @@
                 </a:tc>
                 <a:tc>
                   <a:txBody>
-                    <a:bodyPr lIns="90000" rIns="90000" tIns="46800" bIns="46800"/>
+                    <a:bodyPr lIns="90000" rIns="90000"/>
                     <a:p>
                       <a:r>
                         <a:rPr b="0" lang="ru-RU" sz="1800" spc="-1" strike="noStrike">
@@ -6562,7 +8016,7 @@
               <a:tr h="663840">
                 <a:tc>
                   <a:txBody>
-                    <a:bodyPr lIns="90000" rIns="90000" tIns="46800" bIns="46800"/>
+                    <a:bodyPr lIns="90000" rIns="90000"/>
                     <a:p>
                       <a:r>
                         <a:rPr b="0" lang="ru-RU" sz="1800" spc="-1" strike="noStrike">
@@ -6619,7 +8073,7 @@
                 </a:tc>
                 <a:tc>
                   <a:txBody>
-                    <a:bodyPr lIns="90000" rIns="90000" tIns="46800" bIns="46800"/>
+                    <a:bodyPr lIns="90000" rIns="90000"/>
                     <a:p>
                       <a:r>
                         <a:rPr b="0" lang="ru-RU" sz="1800" spc="-1" strike="noStrike">
@@ -6676,7 +8130,7 @@
                 </a:tc>
                 <a:tc>
                   <a:txBody>
-                    <a:bodyPr lIns="90000" rIns="90000" tIns="46800" bIns="46800"/>
+                    <a:bodyPr lIns="90000" rIns="90000"/>
                     <a:p>
                       <a:r>
                         <a:rPr b="0" lang="ru-RU" sz="1800" spc="-1" strike="noStrike">
@@ -6735,7 +8189,7 @@
               <a:tr h="663840">
                 <a:tc>
                   <a:txBody>
-                    <a:bodyPr lIns="90000" rIns="90000" tIns="46800" bIns="46800"/>
+                    <a:bodyPr lIns="90000" rIns="90000"/>
                     <a:p>
                       <a:r>
                         <a:rPr b="0" lang="ru-RU" sz="1800" spc="-1" strike="noStrike">
@@ -6792,7 +8246,7 @@
                 </a:tc>
                 <a:tc>
                   <a:txBody>
-                    <a:bodyPr lIns="90000" rIns="90000" tIns="46800" bIns="46800"/>
+                    <a:bodyPr lIns="90000" rIns="90000"/>
                     <a:p>
                       <a:r>
                         <a:rPr b="0" lang="ru-RU" sz="1800" spc="-1" strike="noStrike">
@@ -6849,7 +8303,7 @@
                 </a:tc>
                 <a:tc>
                   <a:txBody>
-                    <a:bodyPr lIns="90000" rIns="90000" tIns="46800" bIns="46800"/>
+                    <a:bodyPr lIns="90000" rIns="90000"/>
                     <a:p>
                       <a:r>
                         <a:rPr b="0" lang="ru-RU" sz="1800" spc="-1" strike="noStrike">
@@ -6960,14 +8414,14 @@
       </p:grpSpPr>
       <p:sp>
         <p:nvSpPr>
-          <p:cNvPr id="65" name="TextShape 1"/>
-          <p:cNvSpPr txBox="1"/>
+          <p:cNvPr id="98" name="CustomShape 1"/>
+          <p:cNvSpPr/>
           <p:nvPr/>
         </p:nvSpPr>
         <p:spPr>
           <a:xfrm>
             <a:off x="504000" y="301320"/>
-            <a:ext cx="9071640" cy="1262160"/>
+            <a:ext cx="9070920" cy="1261440"/>
           </a:xfrm>
           <a:prstGeom prst="rect">
             <a:avLst/>
@@ -6977,10 +8431,20 @@
             <a:noFill/>
           </a:ln>
         </p:spPr>
+        <p:style>
+          <a:lnRef idx="0"/>
+          <a:fillRef idx="0"/>
+          <a:effectRef idx="0"/>
+          <a:fontRef idx="minor"/>
+        </p:style>
         <p:txBody>
           <a:bodyPr lIns="0" rIns="0" tIns="0" bIns="0" anchor="ctr"/>
           <a:p>
-            <a:pPr algn="ctr"/>
+            <a:pPr algn="ctr">
+              <a:lnSpc>
+                <a:spcPct val="100000"/>
+              </a:lnSpc>
+            </a:pPr>
             <a:r>
               <a:rPr b="0" lang="ru-RU" sz="4400" spc="-1" strike="noStrike">
                 <a:solidFill>
@@ -6992,9 +8456,28 @@
                   </a:solidFill>
                 </a:uFill>
                 <a:latin typeface="Arial"/>
+                <a:ea typeface="DejaVu Sans"/>
               </a:rPr>
               <a:t>Описание реализации</a:t>
             </a:r>
+            <a:endParaRPr b="0" lang="ru-RU" sz="1800" spc="-1" strike="noStrike">
+              <a:solidFill>
+                <a:srgbClr val="000000"/>
+              </a:solidFill>
+              <a:uFill>
+                <a:solidFill>
+                  <a:srgbClr val="ffffff"/>
+                </a:solidFill>
+              </a:uFill>
+              <a:latin typeface="Arial"/>
+            </a:endParaRPr>
+          </a:p>
+          <a:p>
+            <a:pPr algn="ctr">
+              <a:lnSpc>
+                <a:spcPct val="100000"/>
+              </a:lnSpc>
+            </a:pPr>
             <a:r>
               <a:rPr b="0" lang="ru-RU" sz="4400" spc="-1" strike="noStrike">
                 <a:solidFill>
@@ -7006,25 +8489,11 @@
                   </a:solidFill>
                 </a:uFill>
                 <a:latin typeface="Arial"/>
-              </a:rPr>
-              <a:t>
-</a:t>
-            </a:r>
-            <a:r>
-              <a:rPr b="0" lang="ru-RU" sz="4400" spc="-1" strike="noStrike">
-                <a:solidFill>
-                  <a:srgbClr val="000000"/>
-                </a:solidFill>
-                <a:uFill>
-                  <a:solidFill>
-                    <a:srgbClr val="ffffff"/>
-                  </a:solidFill>
-                </a:uFill>
-                <a:latin typeface="Arial"/>
+                <a:ea typeface="DejaVu Sans"/>
               </a:rPr>
               <a:t>Bot.py</a:t>
             </a:r>
-            <a:endParaRPr b="0" lang="ru-RU" sz="4400" spc="-1" strike="noStrike">
+            <a:endParaRPr b="0" lang="ru-RU" sz="1800" spc="-1" strike="noStrike">
               <a:solidFill>
                 <a:srgbClr val="000000"/>
               </a:solidFill>
@@ -7040,13 +8509,13 @@
       </p:sp>
       <p:graphicFrame>
         <p:nvGraphicFramePr>
-          <p:cNvPr id="66" name="Table 2"/>
+          <p:cNvPr id="99" name="Table 2"/>
           <p:cNvGraphicFramePr/>
           <p:nvPr/>
         </p:nvGraphicFramePr>
         <p:xfrm>
           <a:off x="288000" y="1656000"/>
-          <a:ext cx="9431640" cy="3312000"/>
+          <a:ext cx="9431640" cy="5303160"/>
         </p:xfrm>
         <a:graphic>
           <a:graphicData uri="http://schemas.openxmlformats.org/drawingml/2006/table">
@@ -7060,7 +8529,7 @@
               <a:tr h="662040">
                 <a:tc>
                   <a:txBody>
-                    <a:bodyPr lIns="90000" rIns="90000" tIns="46800" bIns="46800"/>
+                    <a:bodyPr lIns="90000" rIns="90000"/>
                     <a:p>
                       <a:r>
                         <a:rPr b="0" lang="ru-RU" sz="1800" spc="-1" strike="noStrike">
@@ -7117,7 +8586,7 @@
                 </a:tc>
                 <a:tc>
                   <a:txBody>
-                    <a:bodyPr lIns="90000" rIns="90000" tIns="46800" bIns="46800"/>
+                    <a:bodyPr lIns="90000" rIns="90000"/>
                     <a:p>
                       <a:r>
                         <a:rPr b="0" lang="ru-RU" sz="1800" spc="-1" strike="noStrike">
@@ -7174,7 +8643,7 @@
                 </a:tc>
                 <a:tc>
                   <a:txBody>
-                    <a:bodyPr lIns="90000" rIns="90000" tIns="46800" bIns="46800"/>
+                    <a:bodyPr lIns="90000" rIns="90000"/>
                     <a:p>
                       <a:r>
                         <a:rPr b="0" lang="ru-RU" sz="1800" spc="-1" strike="noStrike">
@@ -7233,7 +8702,7 @@
               <a:tr h="662040">
                 <a:tc>
                   <a:txBody>
-                    <a:bodyPr lIns="90000" rIns="90000" tIns="46800" bIns="46800"/>
+                    <a:bodyPr lIns="90000" rIns="90000"/>
                     <a:p>
                       <a:r>
                         <a:rPr b="0" lang="ru-RU" sz="1800" spc="-1" strike="noStrike">
@@ -7290,7 +8759,7 @@
                 </a:tc>
                 <a:tc>
                   <a:txBody>
-                    <a:bodyPr lIns="90000" rIns="90000" tIns="46800" bIns="46800"/>
+                    <a:bodyPr lIns="90000" rIns="90000"/>
                     <a:p>
                       <a:r>
                         <a:rPr b="0" lang="ru-RU" sz="1800" spc="-1" strike="noStrike">
@@ -7347,7 +8816,7 @@
                 </a:tc>
                 <a:tc>
                   <a:txBody>
-                    <a:bodyPr lIns="90000" rIns="90000" tIns="46800" bIns="46800"/>
+                    <a:bodyPr lIns="90000" rIns="90000"/>
                     <a:p>
                       <a:r>
                         <a:rPr b="0" lang="ru-RU" sz="1800" spc="-1" strike="noStrike">
@@ -7406,7 +8875,7 @@
               <a:tr h="662040">
                 <a:tc>
                   <a:txBody>
-                    <a:bodyPr lIns="90000" rIns="90000" tIns="46800" bIns="46800"/>
+                    <a:bodyPr lIns="90000" rIns="90000"/>
                     <a:p>
                       <a:r>
                         <a:rPr b="0" lang="ru-RU" sz="1800" spc="-1" strike="noStrike">
@@ -7463,7 +8932,7 @@
                 </a:tc>
                 <a:tc>
                   <a:txBody>
-                    <a:bodyPr lIns="90000" rIns="90000" tIns="46800" bIns="46800"/>
+                    <a:bodyPr lIns="90000" rIns="90000"/>
                     <a:p>
                       <a:r>
                         <a:rPr b="0" lang="ru-RU" sz="1800" spc="-1" strike="noStrike">
@@ -7520,7 +8989,7 @@
                 </a:tc>
                 <a:tc>
                   <a:txBody>
-                    <a:bodyPr lIns="90000" rIns="90000" tIns="46800" bIns="46800"/>
+                    <a:bodyPr lIns="90000" rIns="90000"/>
                     <a:p>
                       <a:r>
                         <a:rPr b="0" lang="ru-RU" sz="1800" spc="-1" strike="noStrike">
@@ -7579,7 +9048,7 @@
               <a:tr h="662040">
                 <a:tc>
                   <a:txBody>
-                    <a:bodyPr lIns="90000" rIns="90000" tIns="46800" bIns="46800"/>
+                    <a:bodyPr lIns="90000" rIns="90000"/>
                     <a:p>
                       <a:r>
                         <a:rPr b="0" lang="ru-RU" sz="1800" spc="-1" strike="noStrike">
@@ -7636,7 +9105,7 @@
                 </a:tc>
                 <a:tc>
                   <a:txBody>
-                    <a:bodyPr lIns="90000" rIns="90000" tIns="46800" bIns="46800"/>
+                    <a:bodyPr lIns="90000" rIns="90000"/>
                     <a:p>
                       <a:r>
                         <a:rPr b="0" lang="ru-RU" sz="1800" spc="-1" strike="noStrike">
@@ -7693,7 +9162,7 @@
                 </a:tc>
                 <a:tc>
                   <a:txBody>
-                    <a:bodyPr lIns="90000" rIns="90000" tIns="46800" bIns="46800"/>
+                    <a:bodyPr lIns="90000" rIns="90000"/>
                     <a:p>
                       <a:r>
                         <a:rPr b="0" lang="ru-RU" sz="1800" spc="-1" strike="noStrike">
@@ -7752,7 +9221,7 @@
               <a:tr h="663840">
                 <a:tc>
                   <a:txBody>
-                    <a:bodyPr lIns="90000" rIns="90000" tIns="46800" bIns="46800"/>
+                    <a:bodyPr lIns="90000" rIns="90000"/>
                     <a:p>
                       <a:r>
                         <a:rPr b="0" lang="ru-RU" sz="1800" spc="-1" strike="noStrike">
@@ -7809,7 +9278,7 @@
                 </a:tc>
                 <a:tc>
                   <a:txBody>
-                    <a:bodyPr lIns="90000" rIns="90000" tIns="46800" bIns="46800"/>
+                    <a:bodyPr lIns="90000" rIns="90000"/>
                     <a:p>
                       <a:r>
                         <a:rPr b="0" lang="ru-RU" sz="1800" spc="-1" strike="noStrike">
@@ -7866,7 +9335,7 @@
                 </a:tc>
                 <a:tc>
                   <a:txBody>
-                    <a:bodyPr lIns="90000" rIns="90000" tIns="46800" bIns="46800"/>
+                    <a:bodyPr lIns="90000" rIns="90000"/>
                     <a:p>
                       <a:r>
                         <a:rPr b="0" lang="ru-RU" sz="1800" spc="-1" strike="noStrike">
@@ -7925,7 +9394,7 @@
               <a:tr h="663840">
                 <a:tc>
                   <a:txBody>
-                    <a:bodyPr lIns="90000" rIns="90000" tIns="46800" bIns="46800"/>
+                    <a:bodyPr lIns="90000" rIns="90000"/>
                     <a:p>
                       <a:r>
                         <a:rPr b="0" lang="ru-RU" sz="1800" spc="-1" strike="noStrike">
@@ -7982,7 +9451,7 @@
                 </a:tc>
                 <a:tc>
                   <a:txBody>
-                    <a:bodyPr lIns="90000" rIns="90000" tIns="46800" bIns="46800"/>
+                    <a:bodyPr lIns="90000" rIns="90000"/>
                     <a:p>
                       <a:r>
                         <a:rPr b="0" lang="ru-RU" sz="1800" spc="-1" strike="noStrike">
@@ -8039,7 +9508,7 @@
                 </a:tc>
                 <a:tc>
                   <a:txBody>
-                    <a:bodyPr lIns="90000" rIns="90000" tIns="46800" bIns="46800"/>
+                    <a:bodyPr lIns="90000" rIns="90000"/>
                     <a:p>
                       <a:r>
                         <a:rPr b="0" lang="ru-RU" sz="1800" spc="-1" strike="noStrike">
@@ -8098,7 +9567,7 @@
               <a:tr h="663840">
                 <a:tc>
                   <a:txBody>
-                    <a:bodyPr lIns="90000" rIns="90000" tIns="46800" bIns="46800"/>
+                    <a:bodyPr lIns="90000" rIns="90000"/>
                     <a:p>
                       <a:r>
                         <a:rPr b="0" lang="ru-RU" sz="1800" spc="-1" strike="noStrike">
@@ -8155,7 +9624,7 @@
                 </a:tc>
                 <a:tc>
                   <a:txBody>
-                    <a:bodyPr lIns="90000" rIns="90000" tIns="46800" bIns="46800"/>
+                    <a:bodyPr lIns="90000" rIns="90000"/>
                     <a:p>
                       <a:r>
                         <a:rPr b="0" lang="ru-RU" sz="1800" spc="-1" strike="noStrike">
@@ -8212,7 +9681,7 @@
                 </a:tc>
                 <a:tc>
                   <a:txBody>
-                    <a:bodyPr lIns="90000" rIns="90000" tIns="46800" bIns="46800"/>
+                    <a:bodyPr lIns="90000" rIns="90000"/>
                     <a:p>
                       <a:r>
                         <a:rPr b="0" lang="ru-RU" sz="1800" spc="-1" strike="noStrike">
@@ -8271,7 +9740,7 @@
               <a:tr h="663840">
                 <a:tc>
                   <a:txBody>
-                    <a:bodyPr lIns="90000" rIns="90000" tIns="46800" bIns="46800"/>
+                    <a:bodyPr lIns="90000" rIns="90000"/>
                     <a:p>
                       <a:r>
                         <a:rPr b="0" lang="ru-RU" sz="1800" spc="-1" strike="noStrike">
@@ -8328,7 +9797,7 @@
                 </a:tc>
                 <a:tc>
                   <a:txBody>
-                    <a:bodyPr lIns="90000" rIns="90000" tIns="46800" bIns="46800"/>
+                    <a:bodyPr lIns="90000" rIns="90000"/>
                     <a:p>
                       <a:r>
                         <a:rPr b="0" lang="ru-RU" sz="1800" spc="-1" strike="noStrike">
@@ -8385,7 +9854,7 @@
                 </a:tc>
                 <a:tc>
                   <a:txBody>
-                    <a:bodyPr lIns="90000" rIns="90000" tIns="46800" bIns="46800"/>
+                    <a:bodyPr lIns="90000" rIns="90000"/>
                     <a:p>
                       <a:r>
                         <a:rPr b="0" lang="ru-RU" sz="1800" spc="-1" strike="noStrike">
@@ -8496,14 +9965,14 @@
       </p:grpSpPr>
       <p:sp>
         <p:nvSpPr>
-          <p:cNvPr id="67" name="TextShape 1"/>
-          <p:cNvSpPr txBox="1"/>
+          <p:cNvPr id="100" name="CustomShape 1"/>
+          <p:cNvSpPr/>
           <p:nvPr/>
         </p:nvSpPr>
         <p:spPr>
           <a:xfrm>
             <a:off x="504000" y="301320"/>
-            <a:ext cx="9071640" cy="1262160"/>
+            <a:ext cx="9070920" cy="1261440"/>
           </a:xfrm>
           <a:prstGeom prst="rect">
             <a:avLst/>
@@ -8513,10 +9982,20 @@
             <a:noFill/>
           </a:ln>
         </p:spPr>
+        <p:style>
+          <a:lnRef idx="0"/>
+          <a:fillRef idx="0"/>
+          <a:effectRef idx="0"/>
+          <a:fontRef idx="minor"/>
+        </p:style>
         <p:txBody>
           <a:bodyPr lIns="0" rIns="0" tIns="0" bIns="0" anchor="ctr"/>
           <a:p>
-            <a:pPr algn="ctr"/>
+            <a:pPr algn="ctr">
+              <a:lnSpc>
+                <a:spcPct val="100000"/>
+              </a:lnSpc>
+            </a:pPr>
             <a:r>
               <a:rPr b="0" lang="ru-RU" sz="4400" spc="-1" strike="noStrike">
                 <a:solidFill>
@@ -8528,9 +10007,28 @@
                   </a:solidFill>
                 </a:uFill>
                 <a:latin typeface="Arial"/>
+                <a:ea typeface="DejaVu Sans"/>
               </a:rPr>
               <a:t>Описание реализации</a:t>
             </a:r>
+            <a:endParaRPr b="0" lang="ru-RU" sz="1800" spc="-1" strike="noStrike">
+              <a:solidFill>
+                <a:srgbClr val="000000"/>
+              </a:solidFill>
+              <a:uFill>
+                <a:solidFill>
+                  <a:srgbClr val="ffffff"/>
+                </a:solidFill>
+              </a:uFill>
+              <a:latin typeface="Arial"/>
+            </a:endParaRPr>
+          </a:p>
+          <a:p>
+            <a:pPr algn="ctr">
+              <a:lnSpc>
+                <a:spcPct val="100000"/>
+              </a:lnSpc>
+            </a:pPr>
             <a:r>
               <a:rPr b="0" lang="ru-RU" sz="4400" spc="-1" strike="noStrike">
                 <a:solidFill>
@@ -8542,25 +10040,11 @@
                   </a:solidFill>
                 </a:uFill>
                 <a:latin typeface="Arial"/>
-              </a:rPr>
-              <a:t>
-</a:t>
-            </a:r>
-            <a:r>
-              <a:rPr b="0" lang="ru-RU" sz="4400" spc="-1" strike="noStrike">
-                <a:solidFill>
-                  <a:srgbClr val="000000"/>
-                </a:solidFill>
-                <a:uFill>
-                  <a:solidFill>
-                    <a:srgbClr val="ffffff"/>
-                  </a:solidFill>
-                </a:uFill>
-                <a:latin typeface="Arial"/>
+                <a:ea typeface="DejaVu Sans"/>
               </a:rPr>
               <a:t>Bot.py</a:t>
             </a:r>
-            <a:endParaRPr b="0" lang="ru-RU" sz="4400" spc="-1" strike="noStrike">
+            <a:endParaRPr b="0" lang="ru-RU" sz="1800" spc="-1" strike="noStrike">
               <a:solidFill>
                 <a:srgbClr val="000000"/>
               </a:solidFill>
@@ -8576,13 +10060,13 @@
       </p:sp>
       <p:graphicFrame>
         <p:nvGraphicFramePr>
-          <p:cNvPr id="68" name="Table 2"/>
+          <p:cNvPr id="101" name="Table 2"/>
           <p:cNvGraphicFramePr/>
           <p:nvPr/>
         </p:nvGraphicFramePr>
         <p:xfrm>
           <a:off x="288000" y="1656000"/>
-          <a:ext cx="9431640" cy="3312000"/>
+          <a:ext cx="9431640" cy="5303160"/>
         </p:xfrm>
         <a:graphic>
           <a:graphicData uri="http://schemas.openxmlformats.org/drawingml/2006/table">
@@ -8596,7 +10080,7 @@
               <a:tr h="662040">
                 <a:tc>
                   <a:txBody>
-                    <a:bodyPr lIns="90000" rIns="90000" tIns="46800" bIns="46800"/>
+                    <a:bodyPr lIns="90000" rIns="90000"/>
                     <a:p>
                       <a:r>
                         <a:rPr b="0" lang="ru-RU" sz="1800" spc="-1" strike="noStrike">
@@ -8653,7 +10137,7 @@
                 </a:tc>
                 <a:tc>
                   <a:txBody>
-                    <a:bodyPr lIns="90000" rIns="90000" tIns="46800" bIns="46800"/>
+                    <a:bodyPr lIns="90000" rIns="90000"/>
                     <a:p>
                       <a:r>
                         <a:rPr b="0" lang="ru-RU" sz="1800" spc="-1" strike="noStrike">
@@ -8710,7 +10194,7 @@
                 </a:tc>
                 <a:tc>
                   <a:txBody>
-                    <a:bodyPr lIns="90000" rIns="90000" tIns="46800" bIns="46800"/>
+                    <a:bodyPr lIns="90000" rIns="90000"/>
                     <a:p>
                       <a:r>
                         <a:rPr b="0" lang="ru-RU" sz="1800" spc="-1" strike="noStrike">
@@ -8769,7 +10253,7 @@
               <a:tr h="662040">
                 <a:tc>
                   <a:txBody>
-                    <a:bodyPr lIns="90000" rIns="90000" tIns="46800" bIns="46800"/>
+                    <a:bodyPr lIns="90000" rIns="90000"/>
                     <a:p>
                       <a:r>
                         <a:rPr b="0" lang="ru-RU" sz="1800" spc="-1" strike="noStrike">
@@ -8826,7 +10310,7 @@
                 </a:tc>
                 <a:tc>
                   <a:txBody>
-                    <a:bodyPr lIns="90000" rIns="90000" tIns="46800" bIns="46800"/>
+                    <a:bodyPr lIns="90000" rIns="90000"/>
                     <a:p>
                       <a:r>
                         <a:rPr b="0" lang="ru-RU" sz="1800" spc="-1" strike="noStrike">
@@ -8883,7 +10367,7 @@
                 </a:tc>
                 <a:tc>
                   <a:txBody>
-                    <a:bodyPr lIns="90000" rIns="90000" tIns="46800" bIns="46800"/>
+                    <a:bodyPr lIns="90000" rIns="90000"/>
                     <a:p>
                       <a:r>
                         <a:rPr b="0" lang="ru-RU" sz="1800" spc="-1" strike="noStrike">
@@ -8942,7 +10426,7 @@
               <a:tr h="662040">
                 <a:tc>
                   <a:txBody>
-                    <a:bodyPr lIns="90000" rIns="90000" tIns="46800" bIns="46800"/>
+                    <a:bodyPr lIns="90000" rIns="90000"/>
                     <a:p>
                       <a:r>
                         <a:rPr b="0" lang="ru-RU" sz="1800" spc="-1" strike="noStrike">
@@ -8999,7 +10483,7 @@
                 </a:tc>
                 <a:tc>
                   <a:txBody>
-                    <a:bodyPr lIns="90000" rIns="90000" tIns="46800" bIns="46800"/>
+                    <a:bodyPr lIns="90000" rIns="90000"/>
                     <a:p>
                       <a:r>
                         <a:rPr b="0" lang="ru-RU" sz="1800" spc="-1" strike="noStrike">
@@ -9056,7 +10540,7 @@
                 </a:tc>
                 <a:tc>
                   <a:txBody>
-                    <a:bodyPr lIns="90000" rIns="90000" tIns="46800" bIns="46800"/>
+                    <a:bodyPr lIns="90000" rIns="90000"/>
                     <a:p>
                       <a:r>
                         <a:rPr b="0" lang="ru-RU" sz="1800" spc="-1" strike="noStrike">
@@ -9115,7 +10599,7 @@
               <a:tr h="662040">
                 <a:tc>
                   <a:txBody>
-                    <a:bodyPr lIns="90000" rIns="90000" tIns="46800" bIns="46800"/>
+                    <a:bodyPr lIns="90000" rIns="90000"/>
                     <a:p>
                       <a:r>
                         <a:rPr b="0" lang="ru-RU" sz="1800" spc="-1" strike="noStrike">
@@ -9172,7 +10656,7 @@
                 </a:tc>
                 <a:tc>
                   <a:txBody>
-                    <a:bodyPr lIns="90000" rIns="90000" tIns="46800" bIns="46800"/>
+                    <a:bodyPr lIns="90000" rIns="90000"/>
                     <a:p>
                       <a:r>
                         <a:rPr b="0" lang="ru-RU" sz="1800" spc="-1" strike="noStrike">
@@ -9229,7 +10713,7 @@
                 </a:tc>
                 <a:tc>
                   <a:txBody>
-                    <a:bodyPr lIns="90000" rIns="90000" tIns="46800" bIns="46800"/>
+                    <a:bodyPr lIns="90000" rIns="90000"/>
                     <a:p>
                       <a:r>
                         <a:rPr b="0" lang="ru-RU" sz="1800" spc="-1" strike="noStrike">
@@ -9288,7 +10772,7 @@
               <a:tr h="663840">
                 <a:tc>
                   <a:txBody>
-                    <a:bodyPr lIns="90000" rIns="90000" tIns="46800" bIns="46800"/>
+                    <a:bodyPr lIns="90000" rIns="90000"/>
                     <a:p>
                       <a:r>
                         <a:rPr b="0" lang="ru-RU" sz="1800" spc="-1" strike="noStrike">
@@ -9345,7 +10829,7 @@
                 </a:tc>
                 <a:tc>
                   <a:txBody>
-                    <a:bodyPr lIns="90000" rIns="90000" tIns="46800" bIns="46800"/>
+                    <a:bodyPr lIns="90000" rIns="90000"/>
                     <a:p>
                       <a:r>
                         <a:rPr b="0" lang="ru-RU" sz="1800" spc="-1" strike="noStrike">
@@ -9402,7 +10886,7 @@
                 </a:tc>
                 <a:tc>
                   <a:txBody>
-                    <a:bodyPr lIns="90000" rIns="90000" tIns="46800" bIns="46800"/>
+                    <a:bodyPr lIns="90000" rIns="90000"/>
                     <a:p>
                       <a:r>
                         <a:rPr b="0" lang="ru-RU" sz="1800" spc="-1" strike="noStrike">
@@ -9461,7 +10945,7 @@
               <a:tr h="663840">
                 <a:tc>
                   <a:txBody>
-                    <a:bodyPr lIns="90000" rIns="90000" tIns="46800" bIns="46800"/>
+                    <a:bodyPr lIns="90000" rIns="90000"/>
                     <a:p>
                       <a:r>
                         <a:rPr b="0" lang="ru-RU" sz="1800" spc="-1" strike="noStrike">
@@ -9518,7 +11002,7 @@
                 </a:tc>
                 <a:tc>
                   <a:txBody>
-                    <a:bodyPr lIns="90000" rIns="90000" tIns="46800" bIns="46800"/>
+                    <a:bodyPr lIns="90000" rIns="90000"/>
                     <a:p>
                       <a:r>
                         <a:rPr b="0" lang="ru-RU" sz="1800" spc="-1" strike="noStrike">
@@ -9575,7 +11059,7 @@
                 </a:tc>
                 <a:tc>
                   <a:txBody>
-                    <a:bodyPr lIns="90000" rIns="90000" tIns="46800" bIns="46800"/>
+                    <a:bodyPr lIns="90000" rIns="90000"/>
                     <a:p>
                       <a:r>
                         <a:rPr b="0" lang="ru-RU" sz="1800" spc="-1" strike="noStrike">
@@ -9634,7 +11118,7 @@
               <a:tr h="663840">
                 <a:tc>
                   <a:txBody>
-                    <a:bodyPr lIns="90000" rIns="90000" tIns="46800" bIns="46800"/>
+                    <a:bodyPr lIns="90000" rIns="90000"/>
                     <a:p>
                       <a:r>
                         <a:rPr b="0" lang="ru-RU" sz="1800" spc="-1" strike="noStrike">
@@ -9691,7 +11175,7 @@
                 </a:tc>
                 <a:tc>
                   <a:txBody>
-                    <a:bodyPr lIns="90000" rIns="90000" tIns="46800" bIns="46800"/>
+                    <a:bodyPr lIns="90000" rIns="90000"/>
                     <a:p>
                       <a:r>
                         <a:rPr b="0" lang="ru-RU" sz="1800" spc="-1" strike="noStrike">
@@ -9748,7 +11232,7 @@
                 </a:tc>
                 <a:tc>
                   <a:txBody>
-                    <a:bodyPr lIns="90000" rIns="90000" tIns="46800" bIns="46800"/>
+                    <a:bodyPr lIns="90000" rIns="90000"/>
                     <a:p>
                       <a:r>
                         <a:rPr b="0" lang="ru-RU" sz="1800" spc="-1" strike="noStrike">
@@ -9807,7 +11291,7 @@
               <a:tr h="663840">
                 <a:tc>
                   <a:txBody>
-                    <a:bodyPr lIns="90000" rIns="90000" tIns="46800" bIns="46800"/>
+                    <a:bodyPr lIns="90000" rIns="90000"/>
                     <a:p>
                       <a:r>
                         <a:rPr b="0" lang="ru-RU" sz="1800" spc="-1" strike="noStrike">
@@ -9864,7 +11348,7 @@
                 </a:tc>
                 <a:tc>
                   <a:txBody>
-                    <a:bodyPr lIns="90000" rIns="90000" tIns="46800" bIns="46800"/>
+                    <a:bodyPr lIns="90000" rIns="90000"/>
                     <a:p>
                       <a:r>
                         <a:rPr b="0" lang="ru-RU" sz="1800" spc="-1" strike="noStrike">
@@ -9921,7 +11405,7 @@
                 </a:tc>
                 <a:tc>
                   <a:txBody>
-                    <a:bodyPr lIns="90000" rIns="90000" tIns="46800" bIns="46800"/>
+                    <a:bodyPr lIns="90000" rIns="90000"/>
                     <a:p>
                       <a:r>
                         <a:rPr b="0" lang="ru-RU" sz="1800" spc="-1" strike="noStrike">
@@ -10032,14 +11516,14 @@
       </p:grpSpPr>
       <p:sp>
         <p:nvSpPr>
-          <p:cNvPr id="69" name="TextShape 1"/>
-          <p:cNvSpPr txBox="1"/>
+          <p:cNvPr id="102" name="CustomShape 1"/>
+          <p:cNvSpPr/>
           <p:nvPr/>
         </p:nvSpPr>
         <p:spPr>
           <a:xfrm>
             <a:off x="504000" y="301320"/>
-            <a:ext cx="9071640" cy="1262160"/>
+            <a:ext cx="9070920" cy="1261440"/>
           </a:xfrm>
           <a:prstGeom prst="rect">
             <a:avLst/>
@@ -10049,10 +11533,20 @@
             <a:noFill/>
           </a:ln>
         </p:spPr>
+        <p:style>
+          <a:lnRef idx="0"/>
+          <a:fillRef idx="0"/>
+          <a:effectRef idx="0"/>
+          <a:fontRef idx="minor"/>
+        </p:style>
         <p:txBody>
           <a:bodyPr lIns="0" rIns="0" tIns="0" bIns="0" anchor="ctr"/>
           <a:p>
-            <a:pPr algn="ctr"/>
+            <a:pPr algn="ctr">
+              <a:lnSpc>
+                <a:spcPct val="100000"/>
+              </a:lnSpc>
+            </a:pPr>
             <a:r>
               <a:rPr b="0" lang="ru-RU" sz="4400" spc="-1" strike="noStrike">
                 <a:solidFill>
@@ -10064,9 +11558,28 @@
                   </a:solidFill>
                 </a:uFill>
                 <a:latin typeface="Arial"/>
+                <a:ea typeface="DejaVu Sans"/>
               </a:rPr>
               <a:t>Описание реализации</a:t>
             </a:r>
+            <a:endParaRPr b="0" lang="ru-RU" sz="1800" spc="-1" strike="noStrike">
+              <a:solidFill>
+                <a:srgbClr val="000000"/>
+              </a:solidFill>
+              <a:uFill>
+                <a:solidFill>
+                  <a:srgbClr val="ffffff"/>
+                </a:solidFill>
+              </a:uFill>
+              <a:latin typeface="Arial"/>
+            </a:endParaRPr>
+          </a:p>
+          <a:p>
+            <a:pPr algn="ctr">
+              <a:lnSpc>
+                <a:spcPct val="100000"/>
+              </a:lnSpc>
+            </a:pPr>
             <a:r>
               <a:rPr b="0" lang="ru-RU" sz="4400" spc="-1" strike="noStrike">
                 <a:solidFill>
@@ -10078,25 +11591,11 @@
                   </a:solidFill>
                 </a:uFill>
                 <a:latin typeface="Arial"/>
-              </a:rPr>
-              <a:t>
-</a:t>
-            </a:r>
-            <a:r>
-              <a:rPr b="0" lang="ru-RU" sz="4400" spc="-1" strike="noStrike">
-                <a:solidFill>
-                  <a:srgbClr val="000000"/>
-                </a:solidFill>
-                <a:uFill>
-                  <a:solidFill>
-                    <a:srgbClr val="ffffff"/>
-                  </a:solidFill>
-                </a:uFill>
-                <a:latin typeface="Arial"/>
+                <a:ea typeface="DejaVu Sans"/>
               </a:rPr>
               <a:t>Bot.py</a:t>
             </a:r>
-            <a:endParaRPr b="0" lang="ru-RU" sz="4400" spc="-1" strike="noStrike">
+            <a:endParaRPr b="0" lang="ru-RU" sz="1800" spc="-1" strike="noStrike">
               <a:solidFill>
                 <a:srgbClr val="000000"/>
               </a:solidFill>
@@ -10112,13 +11611,13 @@
       </p:sp>
       <p:graphicFrame>
         <p:nvGraphicFramePr>
-          <p:cNvPr id="70" name="Table 2"/>
+          <p:cNvPr id="103" name="Table 2"/>
           <p:cNvGraphicFramePr/>
           <p:nvPr/>
         </p:nvGraphicFramePr>
         <p:xfrm>
           <a:off x="288000" y="1656000"/>
-          <a:ext cx="9431640" cy="3312000"/>
+          <a:ext cx="9431640" cy="5303160"/>
         </p:xfrm>
         <a:graphic>
           <a:graphicData uri="http://schemas.openxmlformats.org/drawingml/2006/table">
@@ -10132,7 +11631,7 @@
               <a:tr h="662040">
                 <a:tc>
                   <a:txBody>
-                    <a:bodyPr lIns="90000" rIns="90000" tIns="46800" bIns="46800"/>
+                    <a:bodyPr lIns="90000" rIns="90000"/>
                     <a:p>
                       <a:r>
                         <a:rPr b="0" lang="ru-RU" sz="1800" spc="-1" strike="noStrike">
@@ -10189,7 +11688,7 @@
                 </a:tc>
                 <a:tc>
                   <a:txBody>
-                    <a:bodyPr lIns="90000" rIns="90000" tIns="46800" bIns="46800"/>
+                    <a:bodyPr lIns="90000" rIns="90000"/>
                     <a:p>
                       <a:r>
                         <a:rPr b="0" lang="ru-RU" sz="1800" spc="-1" strike="noStrike">
@@ -10246,7 +11745,7 @@
                 </a:tc>
                 <a:tc>
                   <a:txBody>
-                    <a:bodyPr lIns="90000" rIns="90000" tIns="46800" bIns="46800"/>
+                    <a:bodyPr lIns="90000" rIns="90000"/>
                     <a:p>
                       <a:r>
                         <a:rPr b="0" lang="ru-RU" sz="1800" spc="-1" strike="noStrike">
@@ -10305,7 +11804,7 @@
               <a:tr h="662040">
                 <a:tc>
                   <a:txBody>
-                    <a:bodyPr lIns="90000" rIns="90000" tIns="46800" bIns="46800"/>
+                    <a:bodyPr lIns="90000" rIns="90000"/>
                     <a:p>
                       <a:r>
                         <a:rPr b="0" lang="ru-RU" sz="1800" spc="-1" strike="noStrike">
@@ -10362,7 +11861,7 @@
                 </a:tc>
                 <a:tc>
                   <a:txBody>
-                    <a:bodyPr lIns="90000" rIns="90000" tIns="46800" bIns="46800"/>
+                    <a:bodyPr lIns="90000" rIns="90000"/>
                     <a:p>
                       <a:r>
                         <a:rPr b="0" lang="ru-RU" sz="1800" spc="-1" strike="noStrike">
@@ -10419,7 +11918,7 @@
                 </a:tc>
                 <a:tc>
                   <a:txBody>
-                    <a:bodyPr lIns="90000" rIns="90000" tIns="46800" bIns="46800"/>
+                    <a:bodyPr lIns="90000" rIns="90000"/>
                     <a:p>
                       <a:r>
                         <a:rPr b="0" lang="ru-RU" sz="1800" spc="-1" strike="noStrike">
@@ -10478,7 +11977,7 @@
               <a:tr h="662040">
                 <a:tc>
                   <a:txBody>
-                    <a:bodyPr lIns="90000" rIns="90000" tIns="46800" bIns="46800"/>
+                    <a:bodyPr lIns="90000" rIns="90000"/>
                     <a:p>
                       <a:r>
                         <a:rPr b="0" lang="ru-RU" sz="1800" spc="-1" strike="noStrike">
@@ -10535,7 +12034,7 @@
                 </a:tc>
                 <a:tc>
                   <a:txBody>
-                    <a:bodyPr lIns="90000" rIns="90000" tIns="46800" bIns="46800"/>
+                    <a:bodyPr lIns="90000" rIns="90000"/>
                     <a:p>
                       <a:r>
                         <a:rPr b="0" lang="ru-RU" sz="1800" spc="-1" strike="noStrike">
@@ -10592,7 +12091,7 @@
                 </a:tc>
                 <a:tc>
                   <a:txBody>
-                    <a:bodyPr lIns="90000" rIns="90000" tIns="46800" bIns="46800"/>
+                    <a:bodyPr lIns="90000" rIns="90000"/>
                     <a:p>
                       <a:r>
                         <a:rPr b="0" lang="ru-RU" sz="1800" spc="-1" strike="noStrike">
@@ -10651,7 +12150,7 @@
               <a:tr h="662040">
                 <a:tc>
                   <a:txBody>
-                    <a:bodyPr lIns="90000" rIns="90000" tIns="46800" bIns="46800"/>
+                    <a:bodyPr lIns="90000" rIns="90000"/>
                     <a:p>
                       <a:r>
                         <a:rPr b="0" lang="ru-RU" sz="1800" spc="-1" strike="noStrike">
@@ -10708,7 +12207,7 @@
                 </a:tc>
                 <a:tc>
                   <a:txBody>
-                    <a:bodyPr lIns="90000" rIns="90000" tIns="46800" bIns="46800"/>
+                    <a:bodyPr lIns="90000" rIns="90000"/>
                     <a:p>
                       <a:r>
                         <a:rPr b="0" lang="ru-RU" sz="1800" spc="-1" strike="noStrike">
@@ -10765,7 +12264,7 @@
                 </a:tc>
                 <a:tc>
                   <a:txBody>
-                    <a:bodyPr lIns="90000" rIns="90000" tIns="46800" bIns="46800"/>
+                    <a:bodyPr lIns="90000" rIns="90000"/>
                     <a:p>
                       <a:r>
                         <a:rPr b="0" lang="ru-RU" sz="1800" spc="-1" strike="noStrike">
@@ -10824,7 +12323,7 @@
               <a:tr h="663840">
                 <a:tc>
                   <a:txBody>
-                    <a:bodyPr lIns="90000" rIns="90000" tIns="46800" bIns="46800"/>
+                    <a:bodyPr lIns="90000" rIns="90000"/>
                     <a:p>
                       <a:r>
                         <a:rPr b="0" lang="ru-RU" sz="1800" spc="-1" strike="noStrike">
@@ -10881,7 +12380,7 @@
                 </a:tc>
                 <a:tc>
                   <a:txBody>
-                    <a:bodyPr lIns="90000" rIns="90000" tIns="46800" bIns="46800"/>
+                    <a:bodyPr lIns="90000" rIns="90000"/>
                     <a:p>
                       <a:r>
                         <a:rPr b="0" lang="ru-RU" sz="1800" spc="-1" strike="noStrike">
@@ -10938,7 +12437,7 @@
                 </a:tc>
                 <a:tc>
                   <a:txBody>
-                    <a:bodyPr lIns="90000" rIns="90000" tIns="46800" bIns="46800"/>
+                    <a:bodyPr lIns="90000" rIns="90000"/>
                     <a:p>
                       <a:r>
                         <a:rPr b="0" lang="ru-RU" sz="1800" spc="-1" strike="noStrike">
@@ -10997,7 +12496,7 @@
               <a:tr h="663840">
                 <a:tc>
                   <a:txBody>
-                    <a:bodyPr lIns="90000" rIns="90000" tIns="46800" bIns="46800"/>
+                    <a:bodyPr lIns="90000" rIns="90000"/>
                     <a:p>
                       <a:r>
                         <a:rPr b="0" lang="ru-RU" sz="1800" spc="-1" strike="noStrike">
@@ -11054,7 +12553,7 @@
                 </a:tc>
                 <a:tc>
                   <a:txBody>
-                    <a:bodyPr lIns="90000" rIns="90000" tIns="46800" bIns="46800"/>
+                    <a:bodyPr lIns="90000" rIns="90000"/>
                     <a:p>
                       <a:r>
                         <a:rPr b="0" lang="ru-RU" sz="1800" spc="-1" strike="noStrike">
@@ -11111,7 +12610,7 @@
                 </a:tc>
                 <a:tc>
                   <a:txBody>
-                    <a:bodyPr lIns="90000" rIns="90000" tIns="46800" bIns="46800"/>
+                    <a:bodyPr lIns="90000" rIns="90000"/>
                     <a:p>
                       <a:r>
                         <a:rPr b="0" lang="ru-RU" sz="1800" spc="-1" strike="noStrike">
@@ -11170,7 +12669,7 @@
               <a:tr h="663840">
                 <a:tc>
                   <a:txBody>
-                    <a:bodyPr lIns="90000" rIns="90000" tIns="46800" bIns="46800"/>
+                    <a:bodyPr lIns="90000" rIns="90000"/>
                     <a:p>
                       <a:r>
                         <a:rPr b="0" lang="ru-RU" sz="1800" spc="-1" strike="noStrike">
@@ -11227,7 +12726,7 @@
                 </a:tc>
                 <a:tc>
                   <a:txBody>
-                    <a:bodyPr lIns="90000" rIns="90000" tIns="46800" bIns="46800"/>
+                    <a:bodyPr lIns="90000" rIns="90000"/>
                     <a:p>
                       <a:r>
                         <a:rPr b="0" lang="ru-RU" sz="1800" spc="-1" strike="noStrike">
@@ -11284,7 +12783,7 @@
                 </a:tc>
                 <a:tc>
                   <a:txBody>
-                    <a:bodyPr lIns="90000" rIns="90000" tIns="46800" bIns="46800"/>
+                    <a:bodyPr lIns="90000" rIns="90000"/>
                     <a:p>
                       <a:r>
                         <a:rPr b="0" lang="ru-RU" sz="1800" spc="-1" strike="noStrike">
@@ -11343,7 +12842,7 @@
               <a:tr h="663840">
                 <a:tc>
                   <a:txBody>
-                    <a:bodyPr lIns="90000" rIns="90000" tIns="46800" bIns="46800"/>
+                    <a:bodyPr lIns="90000" rIns="90000"/>
                     <a:p>
                       <a:r>
                         <a:rPr b="0" lang="ru-RU" sz="1800" spc="-1" strike="noStrike">
@@ -11400,7 +12899,7 @@
                 </a:tc>
                 <a:tc>
                   <a:txBody>
-                    <a:bodyPr lIns="90000" rIns="90000" tIns="46800" bIns="46800"/>
+                    <a:bodyPr lIns="90000" rIns="90000"/>
                     <a:p>
                       <a:r>
                         <a:rPr b="0" lang="ru-RU" sz="1800" spc="-1" strike="noStrike">
@@ -11457,7 +12956,7 @@
                 </a:tc>
                 <a:tc>
                   <a:txBody>
-                    <a:bodyPr lIns="90000" rIns="90000" tIns="46800" bIns="46800"/>
+                    <a:bodyPr lIns="90000" rIns="90000"/>
                     <a:p>
                       <a:r>
                         <a:rPr b="0" lang="ru-RU" sz="1800" spc="-1" strike="noStrike">
@@ -11568,14 +13067,14 @@
       </p:grpSpPr>
       <p:sp>
         <p:nvSpPr>
-          <p:cNvPr id="71" name="TextShape 1"/>
-          <p:cNvSpPr txBox="1"/>
+          <p:cNvPr id="104" name="CustomShape 1"/>
+          <p:cNvSpPr/>
           <p:nvPr/>
         </p:nvSpPr>
         <p:spPr>
           <a:xfrm>
             <a:off x="504000" y="301320"/>
-            <a:ext cx="9071640" cy="1262160"/>
+            <a:ext cx="9070920" cy="1261440"/>
           </a:xfrm>
           <a:prstGeom prst="rect">
             <a:avLst/>
@@ -11585,10 +13084,20 @@
             <a:noFill/>
           </a:ln>
         </p:spPr>
+        <p:style>
+          <a:lnRef idx="0"/>
+          <a:fillRef idx="0"/>
+          <a:effectRef idx="0"/>
+          <a:fontRef idx="minor"/>
+        </p:style>
         <p:txBody>
           <a:bodyPr lIns="0" rIns="0" tIns="0" bIns="0" anchor="ctr"/>
           <a:p>
-            <a:pPr algn="ctr"/>
+            <a:pPr algn="ctr">
+              <a:lnSpc>
+                <a:spcPct val="100000"/>
+              </a:lnSpc>
+            </a:pPr>
             <a:r>
               <a:rPr b="0" lang="ru-RU" sz="4400" spc="-1" strike="noStrike">
                 <a:solidFill>
@@ -11600,9 +13109,28 @@
                   </a:solidFill>
                 </a:uFill>
                 <a:latin typeface="Arial"/>
+                <a:ea typeface="DejaVu Sans"/>
               </a:rPr>
               <a:t>Описание реализации</a:t>
             </a:r>
+            <a:endParaRPr b="0" lang="ru-RU" sz="1800" spc="-1" strike="noStrike">
+              <a:solidFill>
+                <a:srgbClr val="000000"/>
+              </a:solidFill>
+              <a:uFill>
+                <a:solidFill>
+                  <a:srgbClr val="ffffff"/>
+                </a:solidFill>
+              </a:uFill>
+              <a:latin typeface="Arial"/>
+            </a:endParaRPr>
+          </a:p>
+          <a:p>
+            <a:pPr algn="ctr">
+              <a:lnSpc>
+                <a:spcPct val="100000"/>
+              </a:lnSpc>
+            </a:pPr>
             <a:r>
               <a:rPr b="0" lang="ru-RU" sz="4400" spc="-1" strike="noStrike">
                 <a:solidFill>
@@ -11614,25 +13142,11 @@
                   </a:solidFill>
                 </a:uFill>
                 <a:latin typeface="Arial"/>
-              </a:rPr>
-              <a:t>
-</a:t>
-            </a:r>
-            <a:r>
-              <a:rPr b="0" lang="ru-RU" sz="4400" spc="-1" strike="noStrike">
-                <a:solidFill>
-                  <a:srgbClr val="000000"/>
-                </a:solidFill>
-                <a:uFill>
-                  <a:solidFill>
-                    <a:srgbClr val="ffffff"/>
-                  </a:solidFill>
-                </a:uFill>
-                <a:latin typeface="Arial"/>
+                <a:ea typeface="DejaVu Sans"/>
               </a:rPr>
               <a:t>Bot.py</a:t>
             </a:r>
-            <a:endParaRPr b="0" lang="ru-RU" sz="4400" spc="-1" strike="noStrike">
+            <a:endParaRPr b="0" lang="ru-RU" sz="1800" spc="-1" strike="noStrike">
               <a:solidFill>
                 <a:srgbClr val="000000"/>
               </a:solidFill>
@@ -11648,13 +13162,13 @@
       </p:sp>
       <p:graphicFrame>
         <p:nvGraphicFramePr>
-          <p:cNvPr id="72" name="Table 2"/>
+          <p:cNvPr id="105" name="Table 2"/>
           <p:cNvGraphicFramePr/>
           <p:nvPr/>
         </p:nvGraphicFramePr>
         <p:xfrm>
           <a:off x="288000" y="1656000"/>
-          <a:ext cx="9431640" cy="3312000"/>
+          <a:ext cx="9431640" cy="4639320"/>
         </p:xfrm>
         <a:graphic>
           <a:graphicData uri="http://schemas.openxmlformats.org/drawingml/2006/table">
@@ -11668,7 +13182,7 @@
               <a:tr h="662040">
                 <a:tc>
                   <a:txBody>
-                    <a:bodyPr lIns="90000" rIns="90000" tIns="46800" bIns="46800"/>
+                    <a:bodyPr lIns="90000" rIns="90000"/>
                     <a:p>
                       <a:r>
                         <a:rPr b="0" lang="ru-RU" sz="1800" spc="-1" strike="noStrike">
@@ -11725,7 +13239,7 @@
                 </a:tc>
                 <a:tc>
                   <a:txBody>
-                    <a:bodyPr lIns="90000" rIns="90000" tIns="46800" bIns="46800"/>
+                    <a:bodyPr lIns="90000" rIns="90000"/>
                     <a:p>
                       <a:r>
                         <a:rPr b="0" lang="ru-RU" sz="1800" spc="-1" strike="noStrike">
@@ -11782,7 +13296,7 @@
                 </a:tc>
                 <a:tc>
                   <a:txBody>
-                    <a:bodyPr lIns="90000" rIns="90000" tIns="46800" bIns="46800"/>
+                    <a:bodyPr lIns="90000" rIns="90000"/>
                     <a:p>
                       <a:r>
                         <a:rPr b="0" lang="ru-RU" sz="1800" spc="-1" strike="noStrike">
@@ -11841,7 +13355,7 @@
               <a:tr h="662040">
                 <a:tc>
                   <a:txBody>
-                    <a:bodyPr lIns="90000" rIns="90000" tIns="46800" bIns="46800"/>
+                    <a:bodyPr lIns="90000" rIns="90000"/>
                     <a:p>
                       <a:r>
                         <a:rPr b="0" lang="ru-RU" sz="1800" spc="-1" strike="noStrike">
@@ -11898,7 +13412,7 @@
                 </a:tc>
                 <a:tc>
                   <a:txBody>
-                    <a:bodyPr lIns="90000" rIns="90000" tIns="46800" bIns="46800"/>
+                    <a:bodyPr lIns="90000" rIns="90000"/>
                     <a:p>
                       <a:r>
                         <a:rPr b="0" lang="ru-RU" sz="1800" spc="-1" strike="noStrike">
@@ -11955,7 +13469,7 @@
                 </a:tc>
                 <a:tc>
                   <a:txBody>
-                    <a:bodyPr lIns="90000" rIns="90000" tIns="46800" bIns="46800"/>
+                    <a:bodyPr lIns="90000" rIns="90000"/>
                     <a:p>
                       <a:r>
                         <a:rPr b="0" lang="ru-RU" sz="1800" spc="-1" strike="noStrike">
@@ -12014,7 +13528,7 @@
               <a:tr h="662040">
                 <a:tc>
                   <a:txBody>
-                    <a:bodyPr lIns="90000" rIns="90000" tIns="46800" bIns="46800"/>
+                    <a:bodyPr lIns="90000" rIns="90000"/>
                     <a:p>
                       <a:r>
                         <a:rPr b="0" lang="ru-RU" sz="1800" spc="-1" strike="noStrike">
@@ -12071,7 +13585,7 @@
                 </a:tc>
                 <a:tc>
                   <a:txBody>
-                    <a:bodyPr lIns="90000" rIns="90000" tIns="46800" bIns="46800"/>
+                    <a:bodyPr lIns="90000" rIns="90000"/>
                     <a:p>
                       <a:r>
                         <a:rPr b="0" lang="ru-RU" sz="1800" spc="-1" strike="noStrike">
@@ -12128,7 +13642,7 @@
                 </a:tc>
                 <a:tc>
                   <a:txBody>
-                    <a:bodyPr lIns="90000" rIns="90000" tIns="46800" bIns="46800"/>
+                    <a:bodyPr lIns="90000" rIns="90000"/>
                     <a:p>
                       <a:r>
                         <a:rPr b="0" lang="ru-RU" sz="1800" spc="-1" strike="noStrike">
@@ -12187,7 +13701,7 @@
               <a:tr h="662040">
                 <a:tc>
                   <a:txBody>
-                    <a:bodyPr lIns="90000" rIns="90000" tIns="46800" bIns="46800"/>
+                    <a:bodyPr lIns="90000" rIns="90000"/>
                     <a:p>
                       <a:r>
                         <a:rPr b="0" lang="ru-RU" sz="1800" spc="-1" strike="noStrike">
@@ -12244,7 +13758,7 @@
                 </a:tc>
                 <a:tc>
                   <a:txBody>
-                    <a:bodyPr lIns="90000" rIns="90000" tIns="46800" bIns="46800"/>
+                    <a:bodyPr lIns="90000" rIns="90000"/>
                     <a:p>
                       <a:r>
                         <a:rPr b="0" lang="ru-RU" sz="1800" spc="-1" strike="noStrike">
@@ -12301,7 +13815,7 @@
                 </a:tc>
                 <a:tc>
                   <a:txBody>
-                    <a:bodyPr lIns="90000" rIns="90000" tIns="46800" bIns="46800"/>
+                    <a:bodyPr lIns="90000" rIns="90000"/>
                     <a:p>
                       <a:r>
                         <a:rPr b="0" lang="ru-RU" sz="1800" spc="-1" strike="noStrike">
@@ -12360,7 +13874,7 @@
               <a:tr h="663840">
                 <a:tc>
                   <a:txBody>
-                    <a:bodyPr lIns="90000" rIns="90000" tIns="46800" bIns="46800"/>
+                    <a:bodyPr lIns="90000" rIns="90000"/>
                     <a:p>
                       <a:r>
                         <a:rPr b="0" lang="ru-RU" sz="1800" spc="-1" strike="noStrike">
@@ -12417,7 +13931,7 @@
                 </a:tc>
                 <a:tc>
                   <a:txBody>
-                    <a:bodyPr lIns="90000" rIns="90000" tIns="46800" bIns="46800"/>
+                    <a:bodyPr lIns="90000" rIns="90000"/>
                     <a:p>
                       <a:r>
                         <a:rPr b="0" lang="ru-RU" sz="1800" spc="-1" strike="noStrike">
@@ -12474,7 +13988,7 @@
                 </a:tc>
                 <a:tc>
                   <a:txBody>
-                    <a:bodyPr lIns="90000" rIns="90000" tIns="46800" bIns="46800"/>
+                    <a:bodyPr lIns="90000" rIns="90000"/>
                     <a:p>
                       <a:r>
                         <a:rPr b="0" lang="ru-RU" sz="1800" spc="-1" strike="noStrike">
@@ -12533,7 +14047,7 @@
               <a:tr h="663840">
                 <a:tc>
                   <a:txBody>
-                    <a:bodyPr lIns="90000" rIns="90000" tIns="46800" bIns="46800"/>
+                    <a:bodyPr lIns="90000" rIns="90000"/>
                     <a:p>
                       <a:r>
                         <a:rPr b="0" lang="ru-RU" sz="1800" spc="-1" strike="noStrike">
@@ -12590,7 +14104,7 @@
                 </a:tc>
                 <a:tc>
                   <a:txBody>
-                    <a:bodyPr lIns="90000" rIns="90000" tIns="46800" bIns="46800"/>
+                    <a:bodyPr lIns="90000" rIns="90000"/>
                     <a:p>
                       <a:r>
                         <a:rPr b="0" lang="ru-RU" sz="1800" spc="-1" strike="noStrike">
@@ -12647,7 +14161,7 @@
                 </a:tc>
                 <a:tc>
                   <a:txBody>
-                    <a:bodyPr lIns="90000" rIns="90000" tIns="46800" bIns="46800"/>
+                    <a:bodyPr lIns="90000" rIns="90000"/>
                     <a:p>
                       <a:r>
                         <a:rPr b="0" lang="ru-RU" sz="1800" spc="-1" strike="noStrike">
@@ -12706,7 +14220,7 @@
               <a:tr h="663840">
                 <a:tc>
                   <a:txBody>
-                    <a:bodyPr lIns="90000" rIns="90000" tIns="46800" bIns="46800"/>
+                    <a:bodyPr lIns="90000" rIns="90000"/>
                     <a:p>
                       <a:r>
                         <a:rPr b="0" lang="ru-RU" sz="1800" spc="-1" strike="noStrike">
@@ -12763,7 +14277,7 @@
                 </a:tc>
                 <a:tc>
                   <a:txBody>
-                    <a:bodyPr lIns="90000" rIns="90000" tIns="46800" bIns="46800"/>
+                    <a:bodyPr lIns="90000" rIns="90000"/>
                     <a:p>
                       <a:r>
                         <a:rPr b="0" lang="ru-RU" sz="1800" spc="-1" strike="noStrike">
@@ -12820,7 +14334,7 @@
                 </a:tc>
                 <a:tc>
                   <a:txBody>
-                    <a:bodyPr lIns="90000" rIns="90000" tIns="46800" bIns="46800"/>
+                    <a:bodyPr lIns="90000" rIns="90000"/>
                     <a:p>
                       <a:r>
                         <a:rPr b="0" lang="ru-RU" sz="1800" spc="-1" strike="noStrike">
@@ -12931,14 +14445,14 @@
       </p:grpSpPr>
       <p:sp>
         <p:nvSpPr>
-          <p:cNvPr id="73" name="TextShape 1"/>
-          <p:cNvSpPr txBox="1"/>
+          <p:cNvPr id="106" name="CustomShape 1"/>
+          <p:cNvSpPr/>
           <p:nvPr/>
         </p:nvSpPr>
         <p:spPr>
           <a:xfrm>
             <a:off x="504000" y="301320"/>
-            <a:ext cx="9071640" cy="1262160"/>
+            <a:ext cx="9070920" cy="1261440"/>
           </a:xfrm>
           <a:prstGeom prst="rect">
             <a:avLst/>
@@ -12948,10 +14462,20 @@
             <a:noFill/>
           </a:ln>
         </p:spPr>
+        <p:style>
+          <a:lnRef idx="0"/>
+          <a:fillRef idx="0"/>
+          <a:effectRef idx="0"/>
+          <a:fontRef idx="minor"/>
+        </p:style>
         <p:txBody>
           <a:bodyPr lIns="0" rIns="0" tIns="0" bIns="0" anchor="ctr"/>
           <a:p>
-            <a:pPr algn="ctr"/>
+            <a:pPr algn="ctr">
+              <a:lnSpc>
+                <a:spcPct val="100000"/>
+              </a:lnSpc>
+            </a:pPr>
             <a:r>
               <a:rPr b="0" lang="ru-RU" sz="4400" spc="-1" strike="noStrike">
                 <a:solidFill>
@@ -12963,10 +14487,11 @@
                   </a:solidFill>
                 </a:uFill>
                 <a:latin typeface="Arial"/>
+                <a:ea typeface="DejaVu Sans"/>
               </a:rPr>
               <a:t>Заключение</a:t>
             </a:r>
-            <a:endParaRPr b="0" lang="ru-RU" sz="4400" spc="-1" strike="noStrike">
+            <a:endParaRPr b="0" lang="ru-RU" sz="1800" spc="-1" strike="noStrike">
               <a:solidFill>
                 <a:srgbClr val="000000"/>
               </a:solidFill>
@@ -12982,14 +14507,14 @@
       </p:sp>
       <p:sp>
         <p:nvSpPr>
-          <p:cNvPr id="74" name="TextShape 2"/>
-          <p:cNvSpPr txBox="1"/>
+          <p:cNvPr id="107" name="CustomShape 2"/>
+          <p:cNvSpPr/>
           <p:nvPr/>
         </p:nvSpPr>
         <p:spPr>
           <a:xfrm>
             <a:off x="504000" y="1769040"/>
-            <a:ext cx="9071640" cy="5934960"/>
+            <a:ext cx="9070920" cy="5934240"/>
           </a:xfrm>
           <a:prstGeom prst="rect">
             <a:avLst/>
@@ -12999,6 +14524,12 @@
             <a:noFill/>
           </a:ln>
         </p:spPr>
+        <p:style>
+          <a:lnRef idx="0"/>
+          <a:fillRef idx="0"/>
+          <a:effectRef idx="0"/>
+          <a:fontRef idx="minor"/>
+        </p:style>
         <p:txBody>
           <a:bodyPr lIns="0" rIns="0" tIns="0" bIns="0"/>
           <a:p>
@@ -13013,10 +14544,11 @@
                   </a:solidFill>
                 </a:uFill>
                 <a:latin typeface="Arial"/>
+                <a:ea typeface="DejaVu Sans"/>
               </a:rPr>
               <a:t>В ходе работы над проектом я научился работать с API одной из крупнейших банковских систем и освоил его возможности приблизительно на 60%. </a:t>
             </a:r>
-            <a:endParaRPr b="0" lang="ru-RU" sz="2600" spc="-1" strike="noStrike">
+            <a:endParaRPr b="0" lang="ru-RU" sz="1800" spc="-1" strike="noStrike">
               <a:solidFill>
                 <a:srgbClr val="000000"/>
               </a:solidFill>
@@ -13040,10 +14572,11 @@
                   </a:solidFill>
                 </a:uFill>
                 <a:latin typeface="Arial"/>
+                <a:ea typeface="DejaVu Sans"/>
               </a:rPr>
               <a:t>В целом я доволен проделанной работой.</a:t>
             </a:r>
-            <a:endParaRPr b="0" lang="ru-RU" sz="2600" spc="-1" strike="noStrike">
+            <a:endParaRPr b="0" lang="ru-RU" sz="1800" spc="-1" strike="noStrike">
               <a:solidFill>
                 <a:srgbClr val="000000"/>
               </a:solidFill>
@@ -13056,7 +14589,7 @@
             </a:endParaRPr>
           </a:p>
           <a:p>
-            <a:endParaRPr b="0" lang="ru-RU" sz="2600" spc="-1" strike="noStrike">
+            <a:endParaRPr b="0" lang="ru-RU" sz="1800" spc="-1" strike="noStrike">
               <a:solidFill>
                 <a:srgbClr val="000000"/>
               </a:solidFill>
@@ -13080,10 +14613,11 @@
                   </a:solidFill>
                 </a:uFill>
                 <a:latin typeface="Arial"/>
+                <a:ea typeface="DejaVu Sans"/>
               </a:rPr>
               <a:t>В дальнейшем можно оптимизировать работу бота. </a:t>
             </a:r>
-            <a:endParaRPr b="0" lang="ru-RU" sz="2600" spc="-1" strike="noStrike">
+            <a:endParaRPr b="0" lang="ru-RU" sz="1800" spc="-1" strike="noStrike">
               <a:solidFill>
                 <a:srgbClr val="000000"/>
               </a:solidFill>
@@ -13107,10 +14641,11 @@
                   </a:solidFill>
                 </a:uFill>
                 <a:latin typeface="Arial"/>
+                <a:ea typeface="DejaVu Sans"/>
               </a:rPr>
               <a:t>Добавить больше видов оплаты. </a:t>
             </a:r>
-            <a:endParaRPr b="0" lang="ru-RU" sz="2600" spc="-1" strike="noStrike">
+            <a:endParaRPr b="0" lang="ru-RU" sz="1800" spc="-1" strike="noStrike">
               <a:solidFill>
                 <a:srgbClr val="000000"/>
               </a:solidFill>
@@ -13134,10 +14669,11 @@
                   </a:solidFill>
                 </a:uFill>
                 <a:latin typeface="Arial"/>
+                <a:ea typeface="DejaVu Sans"/>
               </a:rPr>
               <a:t>Доделать локализацию приложения.</a:t>
             </a:r>
-            <a:endParaRPr b="0" lang="ru-RU" sz="2600" spc="-1" strike="noStrike">
+            <a:endParaRPr b="0" lang="ru-RU" sz="1800" spc="-1" strike="noStrike">
               <a:solidFill>
                 <a:srgbClr val="000000"/>
               </a:solidFill>
@@ -13161,10 +14697,11 @@
                   </a:solidFill>
                 </a:uFill>
                 <a:latin typeface="Arial"/>
+                <a:ea typeface="DejaVu Sans"/>
               </a:rPr>
               <a:t>Кастомизировать взаимодействие с ботом.</a:t>
             </a:r>
-            <a:endParaRPr b="0" lang="ru-RU" sz="2600" spc="-1" strike="noStrike">
+            <a:endParaRPr b="0" lang="ru-RU" sz="1800" spc="-1" strike="noStrike">
               <a:solidFill>
                 <a:srgbClr val="000000"/>
               </a:solidFill>
@@ -13188,10 +14725,11 @@
                   </a:solidFill>
                 </a:uFill>
                 <a:latin typeface="Arial"/>
+                <a:ea typeface="DejaVu Sans"/>
               </a:rPr>
               <a:t>Улучшить обработку обработку карты терминалов</a:t>
             </a:r>
-            <a:endParaRPr b="0" lang="ru-RU" sz="2600" spc="-1" strike="noStrike">
+            <a:endParaRPr b="0" lang="ru-RU" sz="1800" spc="-1" strike="noStrike">
               <a:solidFill>
                 <a:srgbClr val="000000"/>
               </a:solidFill>
@@ -13256,14 +14794,14 @@
       </p:grpSpPr>
       <p:sp>
         <p:nvSpPr>
-          <p:cNvPr id="41" name="TextShape 1"/>
-          <p:cNvSpPr txBox="1"/>
+          <p:cNvPr id="74" name="CustomShape 1"/>
+          <p:cNvSpPr/>
           <p:nvPr/>
         </p:nvSpPr>
         <p:spPr>
           <a:xfrm>
             <a:off x="504000" y="301320"/>
-            <a:ext cx="9071640" cy="1262160"/>
+            <a:ext cx="9070920" cy="1261440"/>
           </a:xfrm>
           <a:prstGeom prst="rect">
             <a:avLst/>
@@ -13273,10 +14811,20 @@
             <a:noFill/>
           </a:ln>
         </p:spPr>
+        <p:style>
+          <a:lnRef idx="0"/>
+          <a:fillRef idx="0"/>
+          <a:effectRef idx="0"/>
+          <a:fontRef idx="minor"/>
+        </p:style>
         <p:txBody>
           <a:bodyPr lIns="0" rIns="0" tIns="0" bIns="0" anchor="ctr"/>
           <a:p>
-            <a:pPr algn="ctr"/>
+            <a:pPr algn="ctr">
+              <a:lnSpc>
+                <a:spcPct val="100000"/>
+              </a:lnSpc>
+            </a:pPr>
             <a:r>
               <a:rPr b="0" lang="ru-RU" sz="4400" spc="-1" strike="noStrike">
                 <a:solidFill>
@@ -13288,10 +14836,11 @@
                   </a:solidFill>
                 </a:uFill>
                 <a:latin typeface="Arial"/>
+                <a:ea typeface="DejaVu Sans"/>
               </a:rPr>
               <a:t>Введение</a:t>
             </a:r>
-            <a:endParaRPr b="0" lang="ru-RU" sz="4400" spc="-1" strike="noStrike">
+            <a:endParaRPr b="0" lang="ru-RU" sz="1800" spc="-1" strike="noStrike">
               <a:solidFill>
                 <a:srgbClr val="000000"/>
               </a:solidFill>
@@ -13307,14 +14856,14 @@
       </p:sp>
       <p:sp>
         <p:nvSpPr>
-          <p:cNvPr id="42" name="TextShape 2"/>
-          <p:cNvSpPr txBox="1"/>
+          <p:cNvPr id="75" name="CustomShape 2"/>
+          <p:cNvSpPr/>
           <p:nvPr/>
         </p:nvSpPr>
         <p:spPr>
           <a:xfrm>
             <a:off x="504000" y="1769040"/>
-            <a:ext cx="9071640" cy="4384440"/>
+            <a:ext cx="9070920" cy="4383720"/>
           </a:xfrm>
           <a:prstGeom prst="rect">
             <a:avLst/>
@@ -13324,6 +14873,12 @@
             <a:noFill/>
           </a:ln>
         </p:spPr>
+        <p:style>
+          <a:lnRef idx="0"/>
+          <a:fillRef idx="0"/>
+          <a:effectRef idx="0"/>
+          <a:fontRef idx="minor"/>
+        </p:style>
         <p:txBody>
           <a:bodyPr lIns="0" rIns="0" tIns="0" bIns="0"/>
           <a:p>
@@ -13338,10 +14893,11 @@
                   </a:solidFill>
                 </a:uFill>
                 <a:latin typeface="Arial"/>
+                <a:ea typeface="DejaVu Sans"/>
               </a:rPr>
               <a:t>Приложение создано для рядовых пользователей Telegram и Qiwi</a:t>
             </a:r>
-            <a:endParaRPr b="0" lang="ru-RU" sz="3200" spc="-1" strike="noStrike">
+            <a:endParaRPr b="0" lang="ru-RU" sz="1800" spc="-1" strike="noStrike">
               <a:solidFill>
                 <a:srgbClr val="000000"/>
               </a:solidFill>
@@ -13354,7 +14910,7 @@
             </a:endParaRPr>
           </a:p>
           <a:p>
-            <a:endParaRPr b="0" lang="ru-RU" sz="3200" spc="-1" strike="noStrike">
+            <a:endParaRPr b="0" lang="ru-RU" sz="1800" spc="-1" strike="noStrike">
               <a:solidFill>
                 <a:srgbClr val="000000"/>
               </a:solidFill>
@@ -13378,10 +14934,11 @@
                   </a:solidFill>
                 </a:uFill>
                 <a:latin typeface="Arial"/>
+                <a:ea typeface="DejaVu Sans"/>
               </a:rPr>
               <a:t>С помощью данного продукта можно совершать банковские операции, просматривать статус платежей,</a:t>
             </a:r>
-            <a:endParaRPr b="0" lang="ru-RU" sz="3200" spc="-1" strike="noStrike">
+            <a:endParaRPr b="0" lang="ru-RU" sz="1800" spc="-1" strike="noStrike">
               <a:solidFill>
                 <a:srgbClr val="000000"/>
               </a:solidFill>
@@ -13405,10 +14962,11 @@
                   </a:solidFill>
                 </a:uFill>
                 <a:latin typeface="Arial"/>
+                <a:ea typeface="DejaVu Sans"/>
               </a:rPr>
               <a:t>искать ближайшие пункты пополнения</a:t>
             </a:r>
-            <a:endParaRPr b="0" lang="ru-RU" sz="3200" spc="-1" strike="noStrike">
+            <a:endParaRPr b="0" lang="ru-RU" sz="1800" spc="-1" strike="noStrike">
               <a:solidFill>
                 <a:srgbClr val="000000"/>
               </a:solidFill>
@@ -13473,14 +15031,14 @@
       </p:grpSpPr>
       <p:sp>
         <p:nvSpPr>
-          <p:cNvPr id="43" name="TextShape 1"/>
-          <p:cNvSpPr txBox="1"/>
+          <p:cNvPr id="76" name="CustomShape 1"/>
+          <p:cNvSpPr/>
           <p:nvPr/>
         </p:nvSpPr>
         <p:spPr>
           <a:xfrm>
             <a:off x="504000" y="301320"/>
-            <a:ext cx="9071640" cy="1262160"/>
+            <a:ext cx="9070920" cy="1261440"/>
           </a:xfrm>
           <a:prstGeom prst="rect">
             <a:avLst/>
@@ -13490,10 +15048,20 @@
             <a:noFill/>
           </a:ln>
         </p:spPr>
+        <p:style>
+          <a:lnRef idx="0"/>
+          <a:fillRef idx="0"/>
+          <a:effectRef idx="0"/>
+          <a:fontRef idx="minor"/>
+        </p:style>
         <p:txBody>
           <a:bodyPr lIns="0" rIns="0" tIns="0" bIns="0" anchor="ctr"/>
           <a:p>
-            <a:pPr algn="ctr"/>
+            <a:pPr algn="ctr">
+              <a:lnSpc>
+                <a:spcPct val="100000"/>
+              </a:lnSpc>
+            </a:pPr>
             <a:r>
               <a:rPr b="0" lang="ru-RU" sz="4400" spc="-1" strike="noStrike">
                 <a:solidFill>
@@ -13505,9 +15073,28 @@
                   </a:solidFill>
                 </a:uFill>
                 <a:latin typeface="Arial"/>
+                <a:ea typeface="DejaVu Sans"/>
               </a:rPr>
               <a:t>Введение </a:t>
             </a:r>
+            <a:endParaRPr b="0" lang="ru-RU" sz="1800" spc="-1" strike="noStrike">
+              <a:solidFill>
+                <a:srgbClr val="000000"/>
+              </a:solidFill>
+              <a:uFill>
+                <a:solidFill>
+                  <a:srgbClr val="ffffff"/>
+                </a:solidFill>
+              </a:uFill>
+              <a:latin typeface="Arial"/>
+            </a:endParaRPr>
+          </a:p>
+          <a:p>
+            <a:pPr algn="ctr">
+              <a:lnSpc>
+                <a:spcPct val="100000"/>
+              </a:lnSpc>
+            </a:pPr>
             <a:r>
               <a:rPr b="0" lang="ru-RU" sz="4400" spc="-1" strike="noStrike">
                 <a:solidFill>
@@ -13519,25 +15106,11 @@
                   </a:solidFill>
                 </a:uFill>
                 <a:latin typeface="Arial"/>
-              </a:rPr>
-              <a:t>
-</a:t>
-            </a:r>
-            <a:r>
-              <a:rPr b="0" lang="ru-RU" sz="4400" spc="-1" strike="noStrike">
-                <a:solidFill>
-                  <a:srgbClr val="000000"/>
-                </a:solidFill>
-                <a:uFill>
-                  <a:solidFill>
-                    <a:srgbClr val="ffffff"/>
-                  </a:solidFill>
-                </a:uFill>
-                <a:latin typeface="Arial"/>
+                <a:ea typeface="DejaVu Sans"/>
               </a:rPr>
               <a:t>(используемые API)</a:t>
             </a:r>
-            <a:endParaRPr b="0" lang="ru-RU" sz="4400" spc="-1" strike="noStrike">
+            <a:endParaRPr b="0" lang="ru-RU" sz="1800" spc="-1" strike="noStrike">
               <a:solidFill>
                 <a:srgbClr val="000000"/>
               </a:solidFill>
@@ -13553,14 +15126,14 @@
       </p:sp>
       <p:sp>
         <p:nvSpPr>
-          <p:cNvPr id="44" name="TextShape 2"/>
-          <p:cNvSpPr txBox="1"/>
+          <p:cNvPr id="77" name="CustomShape 2"/>
+          <p:cNvSpPr/>
           <p:nvPr/>
         </p:nvSpPr>
         <p:spPr>
           <a:xfrm>
             <a:off x="504000" y="1769040"/>
-            <a:ext cx="9071640" cy="4384440"/>
+            <a:ext cx="9070920" cy="4383720"/>
           </a:xfrm>
           <a:prstGeom prst="rect">
             <a:avLst/>
@@ -13570,19 +15143,22 @@
             <a:noFill/>
           </a:ln>
         </p:spPr>
+        <p:style>
+          <a:lnRef idx="0"/>
+          <a:fillRef idx="0"/>
+          <a:effectRef idx="0"/>
+          <a:fontRef idx="minor"/>
+        </p:style>
         <p:txBody>
           <a:bodyPr lIns="0" rIns="0" tIns="0" bIns="0"/>
           <a:p>
-            <a:pPr marL="432000" indent="-324000">
-              <a:buClr>
-                <a:srgbClr val="000000"/>
-              </a:buClr>
-              <a:buSzPct val="45000"/>
-              <a:buFont typeface="Wingdings" charset="2"/>
-              <a:buChar char=""/>
+            <a:pPr>
+              <a:lnSpc>
+                <a:spcPct val="100000"/>
+              </a:lnSpc>
             </a:pPr>
             <a:r>
-              <a:rPr b="0" lang="ru-RU" sz="3200" spc="-1" strike="noStrike">
+              <a:rPr b="0" lang="ru-RU" sz="2100" spc="-1" strike="noStrike">
                 <a:solidFill>
                   <a:srgbClr val="000000"/>
                 </a:solidFill>
@@ -13592,24 +15168,12 @@
                   </a:solidFill>
                 </a:uFill>
                 <a:latin typeface="Arial"/>
+                <a:ea typeface="DejaVu Sans"/>
               </a:rPr>
               <a:t> </a:t>
             </a:r>
-            <a:endParaRPr b="0" lang="ru-RU" sz="3200" spc="-1" strike="noStrike">
-              <a:solidFill>
-                <a:srgbClr val="000000"/>
-              </a:solidFill>
-              <a:uFill>
-                <a:solidFill>
-                  <a:srgbClr val="ffffff"/>
-                </a:solidFill>
-              </a:uFill>
-              <a:latin typeface="Arial"/>
-            </a:endParaRPr>
-          </a:p>
-          <a:p>
             <a:r>
-              <a:rPr b="0" lang="ru-RU" sz="9600" spc="-1" strike="noStrike">
+              <a:rPr b="0" lang="ru-RU" sz="2100" spc="-1" strike="noStrike">
                 <a:solidFill>
                   <a:srgbClr val="000000"/>
                 </a:solidFill>
@@ -13619,10 +15183,11 @@
                   </a:solidFill>
                 </a:uFill>
                 <a:latin typeface="Arial"/>
+                <a:ea typeface="DejaVu Sans"/>
               </a:rPr>
               <a:t>QiwiAPI: https://developer.qiwi.com/ru/qiwi-wallet-personal/</a:t>
             </a:r>
-            <a:endParaRPr b="0" lang="ru-RU" sz="3200" spc="-1" strike="noStrike">
+            <a:endParaRPr b="0" lang="ru-RU" sz="1800" spc="-1" strike="noStrike">
               <a:solidFill>
                 <a:srgbClr val="000000"/>
               </a:solidFill>
@@ -13635,7 +15200,12 @@
             </a:endParaRPr>
           </a:p>
           <a:p>
-            <a:endParaRPr b="0" lang="ru-RU" sz="3200" spc="-1" strike="noStrike">
+            <a:pPr>
+              <a:lnSpc>
+                <a:spcPct val="100000"/>
+              </a:lnSpc>
+            </a:pPr>
+            <a:endParaRPr b="0" lang="ru-RU" sz="1800" spc="-1" strike="noStrike">
               <a:solidFill>
                 <a:srgbClr val="000000"/>
               </a:solidFill>
@@ -13648,8 +15218,13 @@
             </a:endParaRPr>
           </a:p>
           <a:p>
+            <a:pPr>
+              <a:lnSpc>
+                <a:spcPct val="100000"/>
+              </a:lnSpc>
+            </a:pPr>
             <a:r>
-              <a:rPr b="0" lang="ru-RU" sz="9600" spc="-1" strike="noStrike">
+              <a:rPr b="0" lang="ru-RU" sz="2100" spc="-1" strike="noStrike">
                 <a:solidFill>
                   <a:srgbClr val="000000"/>
                 </a:solidFill>
@@ -13659,10 +15234,11 @@
                   </a:solidFill>
                 </a:uFill>
                 <a:latin typeface="Arial"/>
+                <a:ea typeface="DejaVu Sans"/>
               </a:rPr>
               <a:t>QiwiAPI карт терминалов: https://developer.qiwi.com/ru/qiwi-map/</a:t>
             </a:r>
-            <a:endParaRPr b="0" lang="ru-RU" sz="3200" spc="-1" strike="noStrike">
+            <a:endParaRPr b="0" lang="ru-RU" sz="1800" spc="-1" strike="noStrike">
               <a:solidFill>
                 <a:srgbClr val="000000"/>
               </a:solidFill>
@@ -13675,7 +15251,12 @@
             </a:endParaRPr>
           </a:p>
           <a:p>
-            <a:endParaRPr b="0" lang="ru-RU" sz="3200" spc="-1" strike="noStrike">
+            <a:pPr>
+              <a:lnSpc>
+                <a:spcPct val="100000"/>
+              </a:lnSpc>
+            </a:pPr>
+            <a:endParaRPr b="0" lang="ru-RU" sz="1800" spc="-1" strike="noStrike">
               <a:solidFill>
                 <a:srgbClr val="000000"/>
               </a:solidFill>
@@ -13688,8 +15269,13 @@
             </a:endParaRPr>
           </a:p>
           <a:p>
+            <a:pPr>
+              <a:lnSpc>
+                <a:spcPct val="100000"/>
+              </a:lnSpc>
+            </a:pPr>
             <a:r>
-              <a:rPr b="0" lang="ru-RU" sz="9600" spc="-1" strike="noStrike">
+              <a:rPr b="0" lang="ru-RU" sz="2100" spc="-1" strike="noStrike">
                 <a:solidFill>
                   <a:srgbClr val="000000"/>
                 </a:solidFill>
@@ -13699,10 +15285,11 @@
                   </a:solidFill>
                 </a:uFill>
                 <a:latin typeface="Arial"/>
+                <a:ea typeface="DejaVu Sans"/>
               </a:rPr>
               <a:t>API для вычисления города по IP: http://freegeoip.net/</a:t>
             </a:r>
-            <a:endParaRPr b="0" lang="ru-RU" sz="3200" spc="-1" strike="noStrike">
+            <a:endParaRPr b="0" lang="ru-RU" sz="1800" spc="-1" strike="noStrike">
               <a:solidFill>
                 <a:srgbClr val="000000"/>
               </a:solidFill>
@@ -13715,7 +15302,12 @@
             </a:endParaRPr>
           </a:p>
           <a:p>
-            <a:endParaRPr b="0" lang="ru-RU" sz="3200" spc="-1" strike="noStrike">
+            <a:pPr>
+              <a:lnSpc>
+                <a:spcPct val="100000"/>
+              </a:lnSpc>
+            </a:pPr>
+            <a:endParaRPr b="0" lang="ru-RU" sz="1800" spc="-1" strike="noStrike">
               <a:solidFill>
                 <a:srgbClr val="000000"/>
               </a:solidFill>
@@ -13728,8 +15320,13 @@
             </a:endParaRPr>
           </a:p>
           <a:p>
+            <a:pPr>
+              <a:lnSpc>
+                <a:spcPct val="100000"/>
+              </a:lnSpc>
+            </a:pPr>
             <a:r>
-              <a:rPr b="0" lang="ru-RU" sz="9600" spc="-1" strike="noStrike">
+              <a:rPr b="0" lang="ru-RU" sz="2100" spc="-1" strike="noStrike">
                 <a:solidFill>
                   <a:srgbClr val="000000"/>
                 </a:solidFill>
@@ -13739,10 +15336,11 @@
                   </a:solidFill>
                 </a:uFill>
                 <a:latin typeface="Arial"/>
+                <a:ea typeface="DejaVu Sans"/>
               </a:rPr>
               <a:t>Statick API Яндекс карт: https://tech.yandex.ru/maps/staticapi/?from=mapsapi</a:t>
             </a:r>
-            <a:endParaRPr b="0" lang="ru-RU" sz="3200" spc="-1" strike="noStrike">
+            <a:endParaRPr b="0" lang="ru-RU" sz="1800" spc="-1" strike="noStrike">
               <a:solidFill>
                 <a:srgbClr val="000000"/>
               </a:solidFill>
@@ -13755,7 +15353,12 @@
             </a:endParaRPr>
           </a:p>
           <a:p>
-            <a:endParaRPr b="0" lang="ru-RU" sz="3200" spc="-1" strike="noStrike">
+            <a:pPr>
+              <a:lnSpc>
+                <a:spcPct val="100000"/>
+              </a:lnSpc>
+            </a:pPr>
+            <a:endParaRPr b="0" lang="ru-RU" sz="1800" spc="-1" strike="noStrike">
               <a:solidFill>
                 <a:srgbClr val="000000"/>
               </a:solidFill>
@@ -13768,8 +15371,13 @@
             </a:endParaRPr>
           </a:p>
           <a:p>
+            <a:pPr>
+              <a:lnSpc>
+                <a:spcPct val="100000"/>
+              </a:lnSpc>
+            </a:pPr>
             <a:r>
-              <a:rPr b="0" lang="ru-RU" sz="9600" spc="-1" strike="noStrike">
+              <a:rPr b="0" lang="ru-RU" sz="2100" spc="-1" strike="noStrike">
                 <a:solidFill>
                   <a:srgbClr val="000000"/>
                 </a:solidFill>
@@ -13779,10 +15387,11 @@
                   </a:solidFill>
                 </a:uFill>
                 <a:latin typeface="Arial"/>
+                <a:ea typeface="DejaVu Sans"/>
               </a:rPr>
               <a:t>Геокодер Яндекс карт: https://tech.yandex.ru/maps/geocoder/?from=mapsapi</a:t>
             </a:r>
-            <a:endParaRPr b="0" lang="ru-RU" sz="3200" spc="-1" strike="noStrike">
+            <a:endParaRPr b="0" lang="ru-RU" sz="1800" spc="-1" strike="noStrike">
               <a:solidFill>
                 <a:srgbClr val="000000"/>
               </a:solidFill>
@@ -13795,7 +15404,12 @@
             </a:endParaRPr>
           </a:p>
           <a:p>
-            <a:endParaRPr b="0" lang="ru-RU" sz="3200" spc="-1" strike="noStrike">
+            <a:pPr>
+              <a:lnSpc>
+                <a:spcPct val="100000"/>
+              </a:lnSpc>
+            </a:pPr>
+            <a:endParaRPr b="0" lang="ru-RU" sz="1800" spc="-1" strike="noStrike">
               <a:solidFill>
                 <a:srgbClr val="000000"/>
               </a:solidFill>
@@ -13808,8 +15422,13 @@
             </a:endParaRPr>
           </a:p>
           <a:p>
+            <a:pPr>
+              <a:lnSpc>
+                <a:spcPct val="100000"/>
+              </a:lnSpc>
+            </a:pPr>
             <a:r>
-              <a:rPr b="0" lang="ru-RU" sz="9600" spc="-1" strike="noStrike">
+              <a:rPr b="0" lang="ru-RU" sz="2100" spc="-1" strike="noStrike">
                 <a:solidFill>
                   <a:srgbClr val="000000"/>
                 </a:solidFill>
@@ -13819,10 +15438,11 @@
                   </a:solidFill>
                 </a:uFill>
                 <a:latin typeface="Arial"/>
+                <a:ea typeface="DejaVu Sans"/>
               </a:rPr>
               <a:t>Python-Telegram-Bot: https://github.com/python-telegram-bot/python-telegram-bot</a:t>
             </a:r>
-            <a:endParaRPr b="0" lang="ru-RU" sz="3200" spc="-1" strike="noStrike">
+            <a:endParaRPr b="0" lang="ru-RU" sz="1800" spc="-1" strike="noStrike">
               <a:solidFill>
                 <a:srgbClr val="000000"/>
               </a:solidFill>
@@ -13835,7 +15455,12 @@
             </a:endParaRPr>
           </a:p>
           <a:p>
-            <a:endParaRPr b="0" lang="ru-RU" sz="3200" spc="-1" strike="noStrike">
+            <a:pPr>
+              <a:lnSpc>
+                <a:spcPct val="100000"/>
+              </a:lnSpc>
+            </a:pPr>
+            <a:endParaRPr b="0" lang="ru-RU" sz="1800" spc="-1" strike="noStrike">
               <a:solidFill>
                 <a:srgbClr val="000000"/>
               </a:solidFill>
@@ -13848,8 +15473,13 @@
             </a:endParaRPr>
           </a:p>
           <a:p>
+            <a:pPr>
+              <a:lnSpc>
+                <a:spcPct val="100000"/>
+              </a:lnSpc>
+            </a:pPr>
             <a:r>
-              <a:rPr b="0" lang="ru-RU" sz="9600" spc="-1" strike="noStrike">
+              <a:rPr b="0" lang="ru-RU" sz="2100" spc="-1" strike="noStrike">
                 <a:solidFill>
                   <a:srgbClr val="000000"/>
                 </a:solidFill>
@@ -13859,10 +15489,11 @@
                   </a:solidFill>
                 </a:uFill>
                 <a:latin typeface="Arial"/>
+                <a:ea typeface="DejaVu Sans"/>
               </a:rPr>
               <a:t>В ходе разработки был создан проект на GitHub для работы с QiwiAPI: https://github.com/Kirill-Lekhov/QIWI_API.git</a:t>
             </a:r>
-            <a:endParaRPr b="0" lang="ru-RU" sz="3200" spc="-1" strike="noStrike">
+            <a:endParaRPr b="0" lang="ru-RU" sz="1800" spc="-1" strike="noStrike">
               <a:solidFill>
                 <a:srgbClr val="000000"/>
               </a:solidFill>
@@ -13927,14 +15558,14 @@
       </p:grpSpPr>
       <p:sp>
         <p:nvSpPr>
-          <p:cNvPr id="45" name="TextShape 1"/>
-          <p:cNvSpPr txBox="1"/>
+          <p:cNvPr id="78" name="CustomShape 1"/>
+          <p:cNvSpPr/>
           <p:nvPr/>
         </p:nvSpPr>
         <p:spPr>
           <a:xfrm>
             <a:off x="504000" y="301320"/>
-            <a:ext cx="9071640" cy="1262160"/>
+            <a:ext cx="9070920" cy="1261440"/>
           </a:xfrm>
           <a:prstGeom prst="rect">
             <a:avLst/>
@@ -13944,10 +15575,20 @@
             <a:noFill/>
           </a:ln>
         </p:spPr>
+        <p:style>
+          <a:lnRef idx="0"/>
+          <a:fillRef idx="0"/>
+          <a:effectRef idx="0"/>
+          <a:fontRef idx="minor"/>
+        </p:style>
         <p:txBody>
           <a:bodyPr lIns="0" rIns="0" tIns="0" bIns="0" anchor="ctr"/>
           <a:p>
-            <a:pPr algn="ctr"/>
+            <a:pPr algn="ctr">
+              <a:lnSpc>
+                <a:spcPct val="100000"/>
+              </a:lnSpc>
+            </a:pPr>
             <a:r>
               <a:rPr b="0" lang="ru-RU" sz="4400" spc="-1" strike="noStrike">
                 <a:solidFill>
@@ -13959,10 +15600,11 @@
                   </a:solidFill>
                 </a:uFill>
                 <a:latin typeface="Arial"/>
+                <a:ea typeface="DejaVu Sans"/>
               </a:rPr>
               <a:t>Описание реализации</a:t>
             </a:r>
-            <a:endParaRPr b="0" lang="ru-RU" sz="4400" spc="-1" strike="noStrike">
+            <a:endParaRPr b="0" lang="ru-RU" sz="1800" spc="-1" strike="noStrike">
               <a:solidFill>
                 <a:srgbClr val="000000"/>
               </a:solidFill>
@@ -13978,14 +15620,14 @@
       </p:sp>
       <p:sp>
         <p:nvSpPr>
-          <p:cNvPr id="46" name="TextShape 2"/>
-          <p:cNvSpPr txBox="1"/>
+          <p:cNvPr id="79" name="CustomShape 2"/>
+          <p:cNvSpPr/>
           <p:nvPr/>
         </p:nvSpPr>
         <p:spPr>
           <a:xfrm>
             <a:off x="504000" y="1769040"/>
-            <a:ext cx="9071640" cy="4384440"/>
+            <a:ext cx="9070920" cy="4383720"/>
           </a:xfrm>
           <a:prstGeom prst="rect">
             <a:avLst/>
@@ -13995,6 +15637,12 @@
             <a:noFill/>
           </a:ln>
         </p:spPr>
+        <p:style>
+          <a:lnRef idx="0"/>
+          <a:fillRef idx="0"/>
+          <a:effectRef idx="0"/>
+          <a:fontRef idx="minor"/>
+        </p:style>
         <p:txBody>
           <a:bodyPr lIns="0" rIns="0" tIns="0" bIns="0"/>
           <a:p>
@@ -14009,10 +15657,11 @@
                   </a:solidFill>
                 </a:uFill>
                 <a:latin typeface="Arial"/>
+                <a:ea typeface="DejaVu Sans"/>
               </a:rPr>
               <a:t>Структура:</a:t>
             </a:r>
-            <a:endParaRPr b="0" lang="ru-RU" sz="3200" spc="-1" strike="noStrike">
+            <a:endParaRPr b="0" lang="ru-RU" sz="1800" spc="-1" strike="noStrike">
               <a:solidFill>
                 <a:srgbClr val="000000"/>
               </a:solidFill>
@@ -14036,10 +15685,11 @@
                   </a:solidFill>
                 </a:uFill>
                 <a:latin typeface="Arial"/>
+                <a:ea typeface="DejaVu Sans"/>
               </a:rPr>
               <a:t>Приложение разбито на 3 файла</a:t>
             </a:r>
-            <a:endParaRPr b="0" lang="ru-RU" sz="3200" spc="-1" strike="noStrike">
+            <a:endParaRPr b="0" lang="ru-RU" sz="1800" spc="-1" strike="noStrike">
               <a:solidFill>
                 <a:srgbClr val="000000"/>
               </a:solidFill>
@@ -14063,10 +15713,11 @@
                   </a:solidFill>
                 </a:uFill>
                 <a:latin typeface="Arial"/>
+                <a:ea typeface="DejaVu Sans"/>
               </a:rPr>
               <a:t>1) Bot.py — основная логика бота</a:t>
             </a:r>
-            <a:endParaRPr b="0" lang="ru-RU" sz="3200" spc="-1" strike="noStrike">
+            <a:endParaRPr b="0" lang="ru-RU" sz="1800" spc="-1" strike="noStrike">
               <a:solidFill>
                 <a:srgbClr val="000000"/>
               </a:solidFill>
@@ -14090,10 +15741,11 @@
                   </a:solidFill>
                 </a:uFill>
                 <a:latin typeface="Arial"/>
+                <a:ea typeface="DejaVu Sans"/>
               </a:rPr>
               <a:t>2) QIWI_API.py — работа с API</a:t>
             </a:r>
-            <a:endParaRPr b="0" lang="ru-RU" sz="3200" spc="-1" strike="noStrike">
+            <a:endParaRPr b="0" lang="ru-RU" sz="1800" spc="-1" strike="noStrike">
               <a:solidFill>
                 <a:srgbClr val="000000"/>
               </a:solidFill>
@@ -14117,10 +15769,11 @@
                   </a:solidFill>
                 </a:uFill>
                 <a:latin typeface="Arial"/>
+                <a:ea typeface="DejaVu Sans"/>
               </a:rPr>
               <a:t>3) Languages.json — тест кнопок и диалогов</a:t>
             </a:r>
-            <a:endParaRPr b="0" lang="ru-RU" sz="3200" spc="-1" strike="noStrike">
+            <a:endParaRPr b="0" lang="ru-RU" sz="1800" spc="-1" strike="noStrike">
               <a:solidFill>
                 <a:srgbClr val="000000"/>
               </a:solidFill>
@@ -14185,14 +15838,14 @@
       </p:grpSpPr>
       <p:sp>
         <p:nvSpPr>
-          <p:cNvPr id="47" name="TextShape 1"/>
-          <p:cNvSpPr txBox="1"/>
+          <p:cNvPr id="80" name="CustomShape 1"/>
+          <p:cNvSpPr/>
           <p:nvPr/>
         </p:nvSpPr>
         <p:spPr>
           <a:xfrm>
             <a:off x="504000" y="301320"/>
-            <a:ext cx="9071640" cy="1262160"/>
+            <a:ext cx="9070920" cy="1261440"/>
           </a:xfrm>
           <a:prstGeom prst="rect">
             <a:avLst/>
@@ -14202,6 +15855,12 @@
             <a:noFill/>
           </a:ln>
         </p:spPr>
+        <p:style>
+          <a:lnRef idx="0"/>
+          <a:fillRef idx="0"/>
+          <a:effectRef idx="0"/>
+          <a:fontRef idx="minor"/>
+        </p:style>
         <p:txBody>
           <a:bodyPr lIns="0" rIns="0" tIns="0" bIns="0" anchor="ctr"/>
           <a:p>
@@ -14217,9 +15876,28 @@
                   </a:solidFill>
                 </a:uFill>
                 <a:latin typeface="Arial"/>
+                <a:ea typeface="DejaVu Sans"/>
               </a:rPr>
               <a:t>Описание реализации</a:t>
             </a:r>
+            <a:endParaRPr b="0" lang="ru-RU" sz="1800" spc="-1" strike="noStrike">
+              <a:solidFill>
+                <a:srgbClr val="000000"/>
+              </a:solidFill>
+              <a:uFill>
+                <a:solidFill>
+                  <a:srgbClr val="ffffff"/>
+                </a:solidFill>
+              </a:uFill>
+              <a:latin typeface="Arial"/>
+            </a:endParaRPr>
+          </a:p>
+          <a:p>
+            <a:pPr algn="ctr">
+              <a:lnSpc>
+                <a:spcPct val="100000"/>
+              </a:lnSpc>
+            </a:pPr>
             <a:r>
               <a:rPr b="0" lang="ru-RU" sz="4400" spc="-1" strike="noStrike">
                 <a:solidFill>
@@ -14231,25 +15909,11 @@
                   </a:solidFill>
                 </a:uFill>
                 <a:latin typeface="Arial"/>
-              </a:rPr>
-              <a:t>
-</a:t>
-            </a:r>
-            <a:r>
-              <a:rPr b="0" lang="ru-RU" sz="4400" spc="-1" strike="noStrike">
-                <a:solidFill>
-                  <a:srgbClr val="000000"/>
-                </a:solidFill>
-                <a:uFill>
-                  <a:solidFill>
-                    <a:srgbClr val="ffffff"/>
-                  </a:solidFill>
-                </a:uFill>
-                <a:latin typeface="Arial"/>
+                <a:ea typeface="DejaVu Sans"/>
               </a:rPr>
               <a:t>(особенности)</a:t>
             </a:r>
-            <a:endParaRPr b="0" lang="ru-RU" sz="4400" spc="-1" strike="noStrike">
+            <a:endParaRPr b="0" lang="ru-RU" sz="1800" spc="-1" strike="noStrike">
               <a:solidFill>
                 <a:srgbClr val="000000"/>
               </a:solidFill>
@@ -14265,14 +15929,14 @@
       </p:sp>
       <p:sp>
         <p:nvSpPr>
-          <p:cNvPr id="48" name="TextShape 2"/>
-          <p:cNvSpPr txBox="1"/>
+          <p:cNvPr id="81" name="CustomShape 2"/>
+          <p:cNvSpPr/>
           <p:nvPr/>
         </p:nvSpPr>
         <p:spPr>
           <a:xfrm>
             <a:off x="504000" y="1769040"/>
-            <a:ext cx="9071640" cy="5502960"/>
+            <a:ext cx="9070920" cy="5502240"/>
           </a:xfrm>
           <a:prstGeom prst="rect">
             <a:avLst/>
@@ -14282,6 +15946,12 @@
             <a:noFill/>
           </a:ln>
         </p:spPr>
+        <p:style>
+          <a:lnRef idx="0"/>
+          <a:fillRef idx="0"/>
+          <a:effectRef idx="0"/>
+          <a:fontRef idx="minor"/>
+        </p:style>
         <p:txBody>
           <a:bodyPr lIns="0" rIns="0" tIns="0" bIns="0"/>
           <a:p>
@@ -14296,10 +15966,11 @@
                   </a:solidFill>
                 </a:uFill>
                 <a:latin typeface="Arial"/>
+                <a:ea typeface="DejaVu Sans"/>
               </a:rPr>
               <a:t>Приложение использует 6 видов API</a:t>
             </a:r>
-            <a:endParaRPr b="0" lang="ru-RU" sz="3200" spc="-1" strike="noStrike">
+            <a:endParaRPr b="0" lang="ru-RU" sz="1800" spc="-1" strike="noStrike">
               <a:solidFill>
                 <a:srgbClr val="000000"/>
               </a:solidFill>
@@ -14328,10 +15999,11 @@
                   </a:solidFill>
                 </a:uFill>
                 <a:latin typeface="Arial"/>
+                <a:ea typeface="DejaVu Sans"/>
               </a:rPr>
               <a:t>Геокодер и Static API от компании «Яндекс» работают в связке с QIWI-Terminal-Map API и FreeGEOIP для отображения пользователю карты терминалов или их адресов. </a:t>
             </a:r>
-            <a:endParaRPr b="0" lang="ru-RU" sz="3200" spc="-1" strike="noStrike">
+            <a:endParaRPr b="0" lang="ru-RU" sz="1800" spc="-1" strike="noStrike">
               <a:solidFill>
                 <a:srgbClr val="000000"/>
               </a:solidFill>
@@ -14341,7 +16013,6 @@
                 </a:solidFill>
               </a:uFill>
               <a:latin typeface="Arial"/>
-              <a:ea typeface="WenQuanYi Micro Hei"/>
             </a:endParaRPr>
           </a:p>
           <a:p>
@@ -14361,10 +16032,11 @@
                   </a:solidFill>
                 </a:uFill>
                 <a:latin typeface="Arial"/>
+                <a:ea typeface="DejaVu Sans"/>
               </a:rPr>
               <a:t>Так же у пользователя есть возможность отправить своё местоположение.</a:t>
             </a:r>
-            <a:endParaRPr b="0" lang="ru-RU" sz="3200" spc="-1" strike="noStrike">
+            <a:endParaRPr b="0" lang="ru-RU" sz="1800" spc="-1" strike="noStrike">
               <a:solidFill>
                 <a:srgbClr val="000000"/>
               </a:solidFill>
@@ -14374,7 +16046,6 @@
                 </a:solidFill>
               </a:uFill>
               <a:latin typeface="Arial"/>
-              <a:ea typeface="WenQuanYi Micro Hei"/>
             </a:endParaRPr>
           </a:p>
         </p:txBody>
@@ -14430,14 +16101,14 @@
       </p:grpSpPr>
       <p:sp>
         <p:nvSpPr>
-          <p:cNvPr id="49" name="TextShape 1"/>
-          <p:cNvSpPr txBox="1"/>
+          <p:cNvPr id="82" name="CustomShape 1"/>
+          <p:cNvSpPr/>
           <p:nvPr/>
         </p:nvSpPr>
         <p:spPr>
           <a:xfrm>
             <a:off x="504000" y="301320"/>
-            <a:ext cx="9071640" cy="1262160"/>
+            <a:ext cx="9070920" cy="1261440"/>
           </a:xfrm>
           <a:prstGeom prst="rect">
             <a:avLst/>
@@ -14447,10 +16118,20 @@
             <a:noFill/>
           </a:ln>
         </p:spPr>
+        <p:style>
+          <a:lnRef idx="0"/>
+          <a:fillRef idx="0"/>
+          <a:effectRef idx="0"/>
+          <a:fontRef idx="minor"/>
+        </p:style>
         <p:txBody>
           <a:bodyPr lIns="0" rIns="0" tIns="0" bIns="0" anchor="ctr"/>
           <a:p>
-            <a:pPr algn="ctr"/>
+            <a:pPr algn="ctr">
+              <a:lnSpc>
+                <a:spcPct val="100000"/>
+              </a:lnSpc>
+            </a:pPr>
             <a:r>
               <a:rPr b="0" lang="ru-RU" sz="4400" spc="-1" strike="noStrike">
                 <a:solidFill>
@@ -14462,9 +16143,28 @@
                   </a:solidFill>
                 </a:uFill>
                 <a:latin typeface="Arial"/>
+                <a:ea typeface="DejaVu Sans"/>
               </a:rPr>
               <a:t>Описание реализации</a:t>
             </a:r>
+            <a:endParaRPr b="0" lang="ru-RU" sz="1800" spc="-1" strike="noStrike">
+              <a:solidFill>
+                <a:srgbClr val="000000"/>
+              </a:solidFill>
+              <a:uFill>
+                <a:solidFill>
+                  <a:srgbClr val="ffffff"/>
+                </a:solidFill>
+              </a:uFill>
+              <a:latin typeface="Arial"/>
+            </a:endParaRPr>
+          </a:p>
+          <a:p>
+            <a:pPr algn="ctr">
+              <a:lnSpc>
+                <a:spcPct val="100000"/>
+              </a:lnSpc>
+            </a:pPr>
             <a:r>
               <a:rPr b="0" lang="ru-RU" sz="4400" spc="-1" strike="noStrike">
                 <a:solidFill>
@@ -14476,25 +16176,11 @@
                   </a:solidFill>
                 </a:uFill>
                 <a:latin typeface="Arial"/>
-              </a:rPr>
-              <a:t>
-</a:t>
-            </a:r>
-            <a:r>
-              <a:rPr b="0" lang="ru-RU" sz="4400" spc="-1" strike="noStrike">
-                <a:solidFill>
-                  <a:srgbClr val="000000"/>
-                </a:solidFill>
-                <a:uFill>
-                  <a:solidFill>
-                    <a:srgbClr val="ffffff"/>
-                  </a:solidFill>
-                </a:uFill>
-                <a:latin typeface="Arial"/>
+                <a:ea typeface="DejaVu Sans"/>
               </a:rPr>
               <a:t>(модули)</a:t>
             </a:r>
-            <a:endParaRPr b="0" lang="ru-RU" sz="4400" spc="-1" strike="noStrike">
+            <a:endParaRPr b="0" lang="ru-RU" sz="1800" spc="-1" strike="noStrike">
               <a:solidFill>
                 <a:srgbClr val="000000"/>
               </a:solidFill>
@@ -14510,14 +16196,14 @@
       </p:sp>
       <p:sp>
         <p:nvSpPr>
-          <p:cNvPr id="50" name="TextShape 2"/>
-          <p:cNvSpPr txBox="1"/>
+          <p:cNvPr id="83" name="CustomShape 2"/>
+          <p:cNvSpPr/>
           <p:nvPr/>
         </p:nvSpPr>
         <p:spPr>
           <a:xfrm>
             <a:off x="0" y="2088000"/>
-            <a:ext cx="9864000" cy="4384440"/>
+            <a:ext cx="9863280" cy="4383720"/>
           </a:xfrm>
           <a:prstGeom prst="rect">
             <a:avLst/>
@@ -14527,10 +16213,19 @@
             <a:noFill/>
           </a:ln>
         </p:spPr>
+        <p:style>
+          <a:lnRef idx="0"/>
+          <a:fillRef idx="0"/>
+          <a:effectRef idx="0"/>
+          <a:fontRef idx="minor"/>
+        </p:style>
         <p:txBody>
           <a:bodyPr lIns="0" rIns="0" tIns="0" bIns="0"/>
           <a:p>
-            <a:pPr marL="432000" indent="-324000">
+            <a:pPr marL="432000" indent="-323280">
+              <a:lnSpc>
+                <a:spcPct val="100000"/>
+              </a:lnSpc>
               <a:buClr>
                 <a:srgbClr val="000000"/>
               </a:buClr>
@@ -14549,10 +16244,11 @@
                   </a:solidFill>
                 </a:uFill>
                 <a:latin typeface="Arial"/>
+                <a:ea typeface="DejaVu Sans"/>
               </a:rPr>
               <a:t>1) urllib — отправка GET запросов</a:t>
             </a:r>
-            <a:endParaRPr b="0" lang="ru-RU" sz="2800" spc="-1" strike="noStrike">
+            <a:endParaRPr b="0" lang="ru-RU" sz="1800" spc="-1" strike="noStrike">
               <a:solidFill>
                 <a:srgbClr val="000000"/>
               </a:solidFill>
@@ -14565,7 +16261,10 @@
             </a:endParaRPr>
           </a:p>
           <a:p>
-            <a:pPr marL="432000" indent="-324000">
+            <a:pPr marL="432000" indent="-323280">
+              <a:lnSpc>
+                <a:spcPct val="100000"/>
+              </a:lnSpc>
               <a:buClr>
                 <a:srgbClr val="000000"/>
               </a:buClr>
@@ -14584,10 +16283,11 @@
                   </a:solidFill>
                 </a:uFill>
                 <a:latin typeface="Arial"/>
+                <a:ea typeface="DejaVu Sans"/>
               </a:rPr>
               <a:t>2) json — помощь в отправке POST запросов и работа с локализацией</a:t>
             </a:r>
-            <a:endParaRPr b="0" lang="ru-RU" sz="2800" spc="-1" strike="noStrike">
+            <a:endParaRPr b="0" lang="ru-RU" sz="1800" spc="-1" strike="noStrike">
               <a:solidFill>
                 <a:srgbClr val="000000"/>
               </a:solidFill>
@@ -14600,7 +16300,10 @@
             </a:endParaRPr>
           </a:p>
           <a:p>
-            <a:pPr marL="432000" indent="-324000">
+            <a:pPr marL="432000" indent="-323280">
+              <a:lnSpc>
+                <a:spcPct val="100000"/>
+              </a:lnSpc>
               <a:buClr>
                 <a:srgbClr val="000000"/>
               </a:buClr>
@@ -14619,10 +16322,11 @@
                   </a:solidFill>
                 </a:uFill>
                 <a:latin typeface="Arial"/>
+                <a:ea typeface="DejaVu Sans"/>
               </a:rPr>
               <a:t>3) time — помощь в отправке POST запросов (UNIX TIME) </a:t>
             </a:r>
-            <a:endParaRPr b="0" lang="ru-RU" sz="2800" spc="-1" strike="noStrike">
+            <a:endParaRPr b="0" lang="ru-RU" sz="1800" spc="-1" strike="noStrike">
               <a:solidFill>
                 <a:srgbClr val="000000"/>
               </a:solidFill>
@@ -14635,7 +16339,10 @@
             </a:endParaRPr>
           </a:p>
           <a:p>
-            <a:pPr marL="432000" indent="-324000">
+            <a:pPr marL="432000" indent="-323280">
+              <a:lnSpc>
+                <a:spcPct val="100000"/>
+              </a:lnSpc>
               <a:buClr>
                 <a:srgbClr val="000000"/>
               </a:buClr>
@@ -14654,10 +16361,11 @@
                   </a:solidFill>
                 </a:uFill>
                 <a:latin typeface="Arial"/>
+                <a:ea typeface="DejaVu Sans"/>
               </a:rPr>
               <a:t>4) requests — отправка POST запросов</a:t>
             </a:r>
-            <a:endParaRPr b="0" lang="ru-RU" sz="2800" spc="-1" strike="noStrike">
+            <a:endParaRPr b="0" lang="ru-RU" sz="1800" spc="-1" strike="noStrike">
               <a:solidFill>
                 <a:srgbClr val="000000"/>
               </a:solidFill>
@@ -14670,7 +16378,10 @@
             </a:endParaRPr>
           </a:p>
           <a:p>
-            <a:pPr marL="432000" indent="-324000">
+            <a:pPr marL="432000" indent="-323280">
+              <a:lnSpc>
+                <a:spcPct val="100000"/>
+              </a:lnSpc>
               <a:buClr>
                 <a:srgbClr val="000000"/>
               </a:buClr>
@@ -14689,10 +16400,11 @@
                   </a:solidFill>
                 </a:uFill>
                 <a:latin typeface="Arial"/>
+                <a:ea typeface="DejaVu Sans"/>
               </a:rPr>
               <a:t>5) os — очистка рабочей папки после отправки изображения чека</a:t>
             </a:r>
-            <a:endParaRPr b="0" lang="ru-RU" sz="2800" spc="-1" strike="noStrike">
+            <a:endParaRPr b="0" lang="ru-RU" sz="1800" spc="-1" strike="noStrike">
               <a:solidFill>
                 <a:srgbClr val="000000"/>
               </a:solidFill>
@@ -14705,7 +16417,10 @@
             </a:endParaRPr>
           </a:p>
           <a:p>
-            <a:pPr marL="432000" indent="-324000">
+            <a:pPr marL="432000" indent="-323280">
+              <a:lnSpc>
+                <a:spcPct val="100000"/>
+              </a:lnSpc>
               <a:buClr>
                 <a:srgbClr val="000000"/>
               </a:buClr>
@@ -14724,10 +16439,11 @@
                   </a:solidFill>
                 </a:uFill>
                 <a:latin typeface="Arial"/>
+                <a:ea typeface="DejaVu Sans"/>
               </a:rPr>
               <a:t>6) telegram (Python-Telegram-Bot) — взаимодействие с серверами Telegram</a:t>
             </a:r>
-            <a:endParaRPr b="0" lang="ru-RU" sz="2800" spc="-1" strike="noStrike">
+            <a:endParaRPr b="0" lang="ru-RU" sz="1800" spc="-1" strike="noStrike">
               <a:solidFill>
                 <a:srgbClr val="000000"/>
               </a:solidFill>
@@ -14792,14 +16508,14 @@
       </p:grpSpPr>
       <p:sp>
         <p:nvSpPr>
-          <p:cNvPr id="51" name="TextShape 1"/>
-          <p:cNvSpPr txBox="1"/>
+          <p:cNvPr id="84" name="CustomShape 1"/>
+          <p:cNvSpPr/>
           <p:nvPr/>
         </p:nvSpPr>
         <p:spPr>
           <a:xfrm>
             <a:off x="504000" y="301320"/>
-            <a:ext cx="9071640" cy="1262160"/>
+            <a:ext cx="9070920" cy="1261440"/>
           </a:xfrm>
           <a:prstGeom prst="rect">
             <a:avLst/>
@@ -14809,10 +16525,20 @@
             <a:noFill/>
           </a:ln>
         </p:spPr>
+        <p:style>
+          <a:lnRef idx="0"/>
+          <a:fillRef idx="0"/>
+          <a:effectRef idx="0"/>
+          <a:fontRef idx="minor"/>
+        </p:style>
         <p:txBody>
           <a:bodyPr lIns="0" rIns="0" tIns="0" bIns="0" anchor="ctr"/>
           <a:p>
-            <a:pPr algn="ctr"/>
+            <a:pPr algn="ctr">
+              <a:lnSpc>
+                <a:spcPct val="100000"/>
+              </a:lnSpc>
+            </a:pPr>
             <a:r>
               <a:rPr b="0" lang="ru-RU" sz="4400" spc="-1" strike="noStrike">
                 <a:solidFill>
@@ -14824,9 +16550,28 @@
                   </a:solidFill>
                 </a:uFill>
                 <a:latin typeface="Arial"/>
+                <a:ea typeface="DejaVu Sans"/>
               </a:rPr>
               <a:t>Описание реализации</a:t>
             </a:r>
+            <a:endParaRPr b="0" lang="ru-RU" sz="1800" spc="-1" strike="noStrike">
+              <a:solidFill>
+                <a:srgbClr val="000000"/>
+              </a:solidFill>
+              <a:uFill>
+                <a:solidFill>
+                  <a:srgbClr val="ffffff"/>
+                </a:solidFill>
+              </a:uFill>
+              <a:latin typeface="Arial"/>
+            </a:endParaRPr>
+          </a:p>
+          <a:p>
+            <a:pPr algn="ctr">
+              <a:lnSpc>
+                <a:spcPct val="100000"/>
+              </a:lnSpc>
+            </a:pPr>
             <a:r>
               <a:rPr b="0" lang="ru-RU" sz="4400" spc="-1" strike="noStrike">
                 <a:solidFill>
@@ -14838,25 +16583,11 @@
                   </a:solidFill>
                 </a:uFill>
                 <a:latin typeface="Arial"/>
-              </a:rPr>
-              <a:t>
-</a:t>
-            </a:r>
-            <a:r>
-              <a:rPr b="0" lang="ru-RU" sz="4400" spc="-1" strike="noStrike">
-                <a:solidFill>
-                  <a:srgbClr val="000000"/>
-                </a:solidFill>
-                <a:uFill>
-                  <a:solidFill>
-                    <a:srgbClr val="ffffff"/>
-                  </a:solidFill>
-                </a:uFill>
-                <a:latin typeface="Arial"/>
+                <a:ea typeface="DejaVu Sans"/>
               </a:rPr>
               <a:t>(классы ошибок)</a:t>
             </a:r>
-            <a:endParaRPr b="0" lang="ru-RU" sz="4400" spc="-1" strike="noStrike">
+            <a:endParaRPr b="0" lang="ru-RU" sz="1800" spc="-1" strike="noStrike">
               <a:solidFill>
                 <a:srgbClr val="000000"/>
               </a:solidFill>
@@ -14872,14 +16603,14 @@
       </p:sp>
       <p:sp>
         <p:nvSpPr>
-          <p:cNvPr id="52" name="TextShape 2"/>
-          <p:cNvSpPr txBox="1"/>
+          <p:cNvPr id="85" name="CustomShape 2"/>
+          <p:cNvSpPr/>
           <p:nvPr/>
         </p:nvSpPr>
         <p:spPr>
           <a:xfrm>
             <a:off x="360000" y="1620360"/>
-            <a:ext cx="8352000" cy="5723640"/>
+            <a:ext cx="8351280" cy="5722920"/>
           </a:xfrm>
           <a:prstGeom prst="rect">
             <a:avLst/>
@@ -14889,6 +16620,12 @@
             <a:noFill/>
           </a:ln>
         </p:spPr>
+        <p:style>
+          <a:lnRef idx="0"/>
+          <a:fillRef idx="0"/>
+          <a:effectRef idx="0"/>
+          <a:fontRef idx="minor"/>
+        </p:style>
         <p:txBody>
           <a:bodyPr lIns="0" rIns="0" tIns="0" bIns="0"/>
           <a:p>
@@ -14898,7 +16635,7 @@
               </a:lnSpc>
             </a:pPr>
             <a:r>
-              <a:rPr b="0" lang="ru-RU" sz="8800" spc="-1" strike="noStrike">
+              <a:rPr b="0" lang="ru-RU" sz="1800" spc="-1" strike="noStrike">
                 <a:solidFill>
                   <a:srgbClr val="000000"/>
                 </a:solidFill>
@@ -14908,10 +16645,11 @@
                   </a:solidFill>
                 </a:uFill>
                 <a:latin typeface="Arial"/>
+                <a:ea typeface="DejaVu Sans"/>
               </a:rPr>
               <a:t>QiwiError(Exception):</a:t>
             </a:r>
-            <a:endParaRPr b="0" lang="ru-RU" sz="8800" spc="-1" strike="noStrike">
+            <a:endParaRPr b="0" lang="ru-RU" sz="1800" spc="-1" strike="noStrike">
               <a:solidFill>
                 <a:srgbClr val="000000"/>
               </a:solidFill>
@@ -14930,7 +16668,7 @@
               </a:lnSpc>
             </a:pPr>
             <a:r>
-              <a:rPr b="0" lang="ru-RU" sz="8800" spc="-1" strike="noStrike">
+              <a:rPr b="0" lang="ru-RU" sz="1800" spc="-1" strike="noStrike">
                 <a:solidFill>
                   <a:srgbClr val="000000"/>
                 </a:solidFill>
@@ -14940,10 +16678,11 @@
                   </a:solidFill>
                 </a:uFill>
                 <a:latin typeface="Arial"/>
+                <a:ea typeface="DejaVu Sans"/>
               </a:rPr>
               <a:t>SyntaxisError(QiwiError)  "Query execution failed"</a:t>
             </a:r>
-            <a:endParaRPr b="0" lang="ru-RU" sz="8800" spc="-1" strike="noStrike">
+            <a:endParaRPr b="0" lang="ru-RU" sz="1800" spc="-1" strike="noStrike">
               <a:solidFill>
                 <a:srgbClr val="000000"/>
               </a:solidFill>
@@ -14962,7 +16701,7 @@
               </a:lnSpc>
             </a:pPr>
             <a:r>
-              <a:rPr b="0" lang="ru-RU" sz="8800" spc="-1" strike="noStrike">
+              <a:rPr b="0" lang="ru-RU" sz="1800" spc="-1" strike="noStrike">
                 <a:solidFill>
                   <a:srgbClr val="000000"/>
                 </a:solidFill>
@@ -14972,10 +16711,11 @@
                   </a:solidFill>
                 </a:uFill>
                 <a:latin typeface="Arial"/>
+                <a:ea typeface="DejaVu Sans"/>
               </a:rPr>
               <a:t>TokenError(QiwiError) "Wrong TOKEN"</a:t>
             </a:r>
-            <a:endParaRPr b="0" lang="ru-RU" sz="8800" spc="-1" strike="noStrike">
+            <a:endParaRPr b="0" lang="ru-RU" sz="1800" spc="-1" strike="noStrike">
               <a:solidFill>
                 <a:srgbClr val="000000"/>
               </a:solidFill>
@@ -14994,7 +16734,7 @@
               </a:lnSpc>
             </a:pPr>
             <a:r>
-              <a:rPr b="0" lang="ru-RU" sz="8800" spc="-1" strike="noStrike">
+              <a:rPr b="0" lang="ru-RU" sz="1800" spc="-1" strike="noStrike">
                 <a:solidFill>
                   <a:srgbClr val="000000"/>
                 </a:solidFill>
@@ -15004,10 +16744,11 @@
                   </a:solidFill>
                 </a:uFill>
                 <a:latin typeface="Arial"/>
+                <a:ea typeface="DejaVu Sans"/>
               </a:rPr>
               <a:t>class NoRightsError(QiwiError): "No right"</a:t>
             </a:r>
-            <a:endParaRPr b="0" lang="ru-RU" sz="8800" spc="-1" strike="noStrike">
+            <a:endParaRPr b="0" lang="ru-RU" sz="1800" spc="-1" strike="noStrike">
               <a:solidFill>
                 <a:srgbClr val="000000"/>
               </a:solidFill>
@@ -15026,7 +16767,7 @@
               </a:lnSpc>
             </a:pPr>
             <a:r>
-              <a:rPr b="0" lang="ru-RU" sz="8800" spc="-1" strike="noStrike">
+              <a:rPr b="0" lang="ru-RU" sz="1800" spc="-1" strike="noStrike">
                 <a:solidFill>
                   <a:srgbClr val="000000"/>
                 </a:solidFill>
@@ -15036,10 +16777,11 @@
                   </a:solidFill>
                 </a:uFill>
                 <a:latin typeface="Arial"/>
+                <a:ea typeface="DejaVu Sans"/>
               </a:rPr>
               <a:t>TransactionNotFound(QiwiError) "Transaction not found or missing  payments with                                                         specified characteristics"</a:t>
             </a:r>
-            <a:endParaRPr b="0" lang="ru-RU" sz="8800" spc="-1" strike="noStrike">
+            <a:endParaRPr b="0" lang="ru-RU" sz="1800" spc="-1" strike="noStrike">
               <a:solidFill>
                 <a:srgbClr val="000000"/>
               </a:solidFill>
@@ -15058,7 +16800,7 @@
               </a:lnSpc>
             </a:pPr>
             <a:r>
-              <a:rPr b="0" lang="ru-RU" sz="8800" spc="-1" strike="noStrike">
+              <a:rPr b="0" lang="ru-RU" sz="1800" spc="-1" strike="noStrike">
                 <a:solidFill>
                   <a:srgbClr val="000000"/>
                 </a:solidFill>
@@ -15068,10 +16810,11 @@
                   </a:solidFill>
                 </a:uFill>
                 <a:latin typeface="Arial"/>
+                <a:ea typeface="DejaVu Sans"/>
               </a:rPr>
               <a:t>WalletError(QiwiError)  "Wallet not found"</a:t>
             </a:r>
-            <a:endParaRPr b="0" lang="ru-RU" sz="8800" spc="-1" strike="noStrike">
+            <a:endParaRPr b="0" lang="ru-RU" sz="1800" spc="-1" strike="noStrike">
               <a:solidFill>
                 <a:srgbClr val="000000"/>
               </a:solidFill>
@@ -15090,7 +16833,7 @@
               </a:lnSpc>
             </a:pPr>
             <a:r>
-              <a:rPr b="0" lang="ru-RU" sz="8800" spc="-1" strike="noStrike">
+              <a:rPr b="0" lang="ru-RU" sz="1800" spc="-1" strike="noStrike">
                 <a:solidFill>
                   <a:srgbClr val="000000"/>
                 </a:solidFill>
@@ -15100,10 +16843,11 @@
                   </a:solidFill>
                 </a:uFill>
                 <a:latin typeface="Arial"/>
+                <a:ea typeface="DejaVu Sans"/>
               </a:rPr>
               <a:t>HistoryError(QiwiError) "Too many requests, the service is temporarily unavailable"</a:t>
             </a:r>
-            <a:endParaRPr b="0" lang="ru-RU" sz="8800" spc="-1" strike="noStrike">
+            <a:endParaRPr b="0" lang="ru-RU" sz="1800" spc="-1" strike="noStrike">
               <a:solidFill>
                 <a:srgbClr val="000000"/>
               </a:solidFill>
@@ -15122,7 +16866,7 @@
               </a:lnSpc>
             </a:pPr>
             <a:r>
-              <a:rPr b="0" lang="ru-RU" sz="8800" spc="-1" strike="noStrike">
+              <a:rPr b="0" lang="ru-RU" sz="1800" spc="-1" strike="noStrike">
                 <a:solidFill>
                   <a:srgbClr val="000000"/>
                 </a:solidFill>
@@ -15132,10 +16876,11 @@
                   </a:solidFill>
                 </a:uFill>
                 <a:latin typeface="Arial"/>
+                <a:ea typeface="DejaVu Sans"/>
               </a:rPr>
               <a:t>MapError(QiwiError)  "Map processing errors"</a:t>
             </a:r>
-            <a:endParaRPr b="0" lang="ru-RU" sz="8800" spc="-1" strike="noStrike">
+            <a:endParaRPr b="0" lang="ru-RU" sz="1800" spc="-1" strike="noStrike">
               <a:solidFill>
                 <a:srgbClr val="000000"/>
               </a:solidFill>
@@ -15154,7 +16899,7 @@
               </a:lnSpc>
             </a:pPr>
             <a:r>
-              <a:rPr b="0" lang="ru-RU" sz="8800" spc="-1" strike="noStrike">
+              <a:rPr b="0" lang="ru-RU" sz="1800" spc="-1" strike="noStrike">
                 <a:solidFill>
                   <a:srgbClr val="000000"/>
                 </a:solidFill>
@@ -15164,10 +16909,11 @@
                   </a:solidFill>
                 </a:uFill>
                 <a:latin typeface="Arial"/>
+                <a:ea typeface="DejaVu Sans"/>
               </a:rPr>
               <a:t>NotFoundAddress(MapError) "Could not find address"</a:t>
             </a:r>
-            <a:endParaRPr b="0" lang="ru-RU" sz="8800" spc="-1" strike="noStrike">
+            <a:endParaRPr b="0" lang="ru-RU" sz="1800" spc="-1" strike="noStrike">
               <a:solidFill>
                 <a:srgbClr val="000000"/>
               </a:solidFill>
@@ -15186,7 +16932,7 @@
               </a:lnSpc>
             </a:pPr>
             <a:r>
-              <a:rPr b="0" lang="ru-RU" sz="8800" spc="-1" strike="noStrike">
+              <a:rPr b="0" lang="ru-RU" sz="1800" spc="-1" strike="noStrike">
                 <a:solidFill>
                   <a:srgbClr val="000000"/>
                 </a:solidFill>
@@ -15196,10 +16942,11 @@
                   </a:solidFill>
                 </a:uFill>
                 <a:latin typeface="Arial"/>
+                <a:ea typeface="DejaVu Sans"/>
               </a:rPr>
               <a:t>CheckError(QiwiError)  "Could not get check"</a:t>
             </a:r>
-            <a:endParaRPr b="0" lang="ru-RU" sz="8800" spc="-1" strike="noStrike">
+            <a:endParaRPr b="0" lang="ru-RU" sz="1800" spc="-1" strike="noStrike">
               <a:solidFill>
                 <a:srgbClr val="000000"/>
               </a:solidFill>
@@ -15218,7 +16965,7 @@
               </a:lnSpc>
             </a:pPr>
             <a:r>
-              <a:rPr b="0" lang="ru-RU" sz="8800" spc="-1" strike="noStrike">
+              <a:rPr b="0" lang="ru-RU" sz="1800" spc="-1" strike="noStrike">
                 <a:solidFill>
                   <a:srgbClr val="000000"/>
                 </a:solidFill>
@@ -15228,10 +16975,11 @@
                   </a:solidFill>
                 </a:uFill>
                 <a:latin typeface="Arial"/>
+                <a:ea typeface="DejaVu Sans"/>
               </a:rPr>
               <a:t>WrongEmail(CheckError) "Wrong Email address"</a:t>
             </a:r>
-            <a:endParaRPr b="0" lang="ru-RU" sz="8800" spc="-1" strike="noStrike">
+            <a:endParaRPr b="0" lang="ru-RU" sz="1800" spc="-1" strike="noStrike">
               <a:solidFill>
                 <a:srgbClr val="000000"/>
               </a:solidFill>
@@ -15250,7 +16998,7 @@
               </a:lnSpc>
             </a:pPr>
             <a:r>
-              <a:rPr b="0" lang="ru-RU" sz="8800" spc="-1" strike="noStrike">
+              <a:rPr b="0" lang="ru-RU" sz="1800" spc="-1" strike="noStrike">
                 <a:solidFill>
                   <a:srgbClr val="000000"/>
                 </a:solidFill>
@@ -15260,10 +17008,11 @@
                   </a:solidFill>
                 </a:uFill>
                 <a:latin typeface="Arial"/>
+                <a:ea typeface="DejaVu Sans"/>
               </a:rPr>
               <a:t>WrongNumber(QiwiError) "Wrong phone number"</a:t>
             </a:r>
-            <a:endParaRPr b="0" lang="ru-RU" sz="8800" spc="-1" strike="noStrike">
+            <a:endParaRPr b="0" lang="ru-RU" sz="1800" spc="-1" strike="noStrike">
               <a:solidFill>
                 <a:srgbClr val="000000"/>
               </a:solidFill>
@@ -15282,7 +17031,7 @@
               </a:lnSpc>
             </a:pPr>
             <a:r>
-              <a:rPr b="0" lang="ru-RU" sz="8800" spc="-1" strike="noStrike">
+              <a:rPr b="0" lang="ru-RU" sz="1800" spc="-1" strike="noStrike">
                 <a:solidFill>
                   <a:srgbClr val="000000"/>
                 </a:solidFill>
@@ -15292,10 +17041,11 @@
                   </a:solidFill>
                 </a:uFill>
                 <a:latin typeface="Arial"/>
+                <a:ea typeface="DejaVu Sans"/>
               </a:rPr>
               <a:t>TransactionError(QiwiError) "Failed to carry out the transaction"</a:t>
             </a:r>
-            <a:endParaRPr b="0" lang="ru-RU" sz="8800" spc="-1" strike="noStrike">
+            <a:endParaRPr b="0" lang="ru-RU" sz="1800" spc="-1" strike="noStrike">
               <a:solidFill>
                 <a:srgbClr val="000000"/>
               </a:solidFill>
@@ -15360,14 +17110,14 @@
       </p:grpSpPr>
       <p:sp>
         <p:nvSpPr>
-          <p:cNvPr id="53" name="TextShape 1"/>
-          <p:cNvSpPr txBox="1"/>
+          <p:cNvPr id="86" name="CustomShape 1"/>
+          <p:cNvSpPr/>
           <p:nvPr/>
         </p:nvSpPr>
         <p:spPr>
           <a:xfrm>
             <a:off x="504000" y="301320"/>
-            <a:ext cx="9071640" cy="1262160"/>
+            <a:ext cx="9070920" cy="1261440"/>
           </a:xfrm>
           <a:prstGeom prst="rect">
             <a:avLst/>
@@ -15377,10 +17127,20 @@
             <a:noFill/>
           </a:ln>
         </p:spPr>
+        <p:style>
+          <a:lnRef idx="0"/>
+          <a:fillRef idx="0"/>
+          <a:effectRef idx="0"/>
+          <a:fontRef idx="minor"/>
+        </p:style>
         <p:txBody>
           <a:bodyPr lIns="0" rIns="0" tIns="0" bIns="0" anchor="ctr"/>
           <a:p>
-            <a:pPr algn="ctr"/>
+            <a:pPr algn="ctr">
+              <a:lnSpc>
+                <a:spcPct val="100000"/>
+              </a:lnSpc>
+            </a:pPr>
             <a:r>
               <a:rPr b="0" lang="ru-RU" sz="4400" spc="-1" strike="noStrike">
                 <a:solidFill>
@@ -15392,9 +17152,28 @@
                   </a:solidFill>
                 </a:uFill>
                 <a:latin typeface="Arial"/>
+                <a:ea typeface="DejaVu Sans"/>
               </a:rPr>
               <a:t>Описание реализации</a:t>
             </a:r>
+            <a:endParaRPr b="0" lang="ru-RU" sz="1800" spc="-1" strike="noStrike">
+              <a:solidFill>
+                <a:srgbClr val="000000"/>
+              </a:solidFill>
+              <a:uFill>
+                <a:solidFill>
+                  <a:srgbClr val="ffffff"/>
+                </a:solidFill>
+              </a:uFill>
+              <a:latin typeface="Arial"/>
+            </a:endParaRPr>
+          </a:p>
+          <a:p>
+            <a:pPr algn="ctr">
+              <a:lnSpc>
+                <a:spcPct val="100000"/>
+              </a:lnSpc>
+            </a:pPr>
             <a:r>
               <a:rPr b="0" lang="ru-RU" sz="4400" spc="-1" strike="noStrike">
                 <a:solidFill>
@@ -15406,25 +17185,11 @@
                   </a:solidFill>
                 </a:uFill>
                 <a:latin typeface="Arial"/>
-              </a:rPr>
-              <a:t>
-</a:t>
-            </a:r>
-            <a:r>
-              <a:rPr b="0" lang="ru-RU" sz="4400" spc="-1" strike="noStrike">
-                <a:solidFill>
-                  <a:srgbClr val="000000"/>
-                </a:solidFill>
-                <a:uFill>
-                  <a:solidFill>
-                    <a:srgbClr val="ffffff"/>
-                  </a:solidFill>
-                </a:uFill>
-                <a:latin typeface="Arial"/>
+                <a:ea typeface="DejaVu Sans"/>
               </a:rPr>
               <a:t>class UserQiwi</a:t>
             </a:r>
-            <a:endParaRPr b="0" lang="ru-RU" sz="4400" spc="-1" strike="noStrike">
+            <a:endParaRPr b="0" lang="ru-RU" sz="1800" spc="-1" strike="noStrike">
               <a:solidFill>
                 <a:srgbClr val="000000"/>
               </a:solidFill>
@@ -15440,14 +17205,14 @@
       </p:sp>
       <p:sp>
         <p:nvSpPr>
-          <p:cNvPr id="54" name="TextShape 2"/>
-          <p:cNvSpPr txBox="1"/>
+          <p:cNvPr id="87" name="CustomShape 2"/>
+          <p:cNvSpPr/>
           <p:nvPr/>
         </p:nvSpPr>
         <p:spPr>
           <a:xfrm>
             <a:off x="504000" y="1769040"/>
-            <a:ext cx="9071640" cy="4384440"/>
+            <a:ext cx="9070920" cy="4383720"/>
           </a:xfrm>
           <a:prstGeom prst="rect">
             <a:avLst/>
@@ -15457,6 +17222,12 @@
             <a:noFill/>
           </a:ln>
         </p:spPr>
+        <p:style>
+          <a:lnRef idx="0"/>
+          <a:fillRef idx="0"/>
+          <a:effectRef idx="0"/>
+          <a:fontRef idx="minor"/>
+        </p:style>
         <p:txBody>
           <a:bodyPr lIns="0" rIns="0" tIns="0" bIns="0"/>
           <a:p>
@@ -15471,13 +17242,14 @@
                   </a:solidFill>
                 </a:uFill>
                 <a:latin typeface="Arial"/>
+                <a:ea typeface="DejaVu Sans"/>
               </a:rPr>
               <a:t>UserQiwi.url = </a:t>
             </a:r>
             <a:r>
-              <a:rPr b="0" lang="ru-RU" sz="3200" spc="-1" strike="noStrike">
-                <a:solidFill>
-                  <a:srgbClr val="000000"/>
+              <a:rPr b="0" lang="ru-RU" sz="3200" spc="-1" strike="noStrike" u="sng">
+                <a:solidFill>
+                  <a:srgbClr val="0000ff"/>
                 </a:solidFill>
                 <a:uFill>
                   <a:solidFill>
@@ -15485,11 +17257,12 @@
                   </a:solidFill>
                 </a:uFill>
                 <a:latin typeface="Arial"/>
+                <a:ea typeface="DejaVu Sans"/>
                 <a:hlinkClick r:id="rId1"/>
               </a:rPr>
               <a:t>https://edge.qiwi.com/</a:t>
             </a:r>
-            <a:endParaRPr b="0" lang="ru-RU" sz="3200" spc="-1" strike="noStrike">
+            <a:endParaRPr b="0" lang="ru-RU" sz="1800" spc="-1" strike="noStrike">
               <a:solidFill>
                 <a:srgbClr val="000000"/>
               </a:solidFill>
@@ -15513,10 +17286,11 @@
                   </a:solidFill>
                 </a:uFill>
                 <a:latin typeface="Arial"/>
+                <a:ea typeface="DejaVu Sans"/>
               </a:rPr>
               <a:t>self.token(str) = токен пользователя</a:t>
             </a:r>
-            <a:endParaRPr b="0" lang="ru-RU" sz="3200" spc="-1" strike="noStrike">
+            <a:endParaRPr b="0" lang="ru-RU" sz="1800" spc="-1" strike="noStrike">
               <a:solidFill>
                 <a:srgbClr val="000000"/>
               </a:solidFill>
@@ -15540,10 +17314,11 @@
                   </a:solidFill>
                 </a:uFill>
                 <a:latin typeface="Arial"/>
+                <a:ea typeface="DejaVu Sans"/>
               </a:rPr>
               <a:t>self.headers(dict) = headerы для выполнения запросов</a:t>
             </a:r>
-            <a:endParaRPr b="0" lang="ru-RU" sz="3200" spc="-1" strike="noStrike">
+            <a:endParaRPr b="0" lang="ru-RU" sz="1800" spc="-1" strike="noStrike">
               <a:solidFill>
                 <a:srgbClr val="000000"/>
               </a:solidFill>
@@ -15567,10 +17342,11 @@
                   </a:solidFill>
                 </a:uFill>
                 <a:latin typeface="Arial"/>
+                <a:ea typeface="DejaVu Sans"/>
               </a:rPr>
               <a:t>self.urls(dict) = формы заполнения ссылок для запросов</a:t>
             </a:r>
-            <a:endParaRPr b="0" lang="ru-RU" sz="3200" spc="-1" strike="noStrike">
+            <a:endParaRPr b="0" lang="ru-RU" sz="1800" spc="-1" strike="noStrike">
               <a:solidFill>
                 <a:srgbClr val="000000"/>
               </a:solidFill>
@@ -15594,10 +17370,11 @@
                   </a:solidFill>
                 </a:uFill>
                 <a:latin typeface="Arial"/>
+                <a:ea typeface="DejaVu Sans"/>
               </a:rPr>
               <a:t>self.currency(dict) = «конвертер валюты»</a:t>
             </a:r>
-            <a:endParaRPr b="0" lang="ru-RU" sz="3200" spc="-1" strike="noStrike">
+            <a:endParaRPr b="0" lang="ru-RU" sz="1800" spc="-1" strike="noStrike">
               <a:solidFill>
                 <a:srgbClr val="000000"/>
               </a:solidFill>
@@ -15621,10 +17398,11 @@
                   </a:solidFill>
                 </a:uFill>
                 <a:latin typeface="Arial"/>
+                <a:ea typeface="DejaVu Sans"/>
               </a:rPr>
               <a:t>self.identification(dict) = «конвертер идентификаторов»</a:t>
             </a:r>
-            <a:endParaRPr b="0" lang="ru-RU" sz="3200" spc="-1" strike="noStrike">
+            <a:endParaRPr b="0" lang="ru-RU" sz="1800" spc="-1" strike="noStrike">
               <a:solidFill>
                 <a:srgbClr val="000000"/>
               </a:solidFill>
@@ -15648,10 +17426,11 @@
                   </a:solidFill>
                 </a:uFill>
                 <a:latin typeface="Arial"/>
+                <a:ea typeface="DejaVu Sans"/>
               </a:rPr>
               <a:t>self.user_date(dict) = информация о пользователе </a:t>
             </a:r>
-            <a:endParaRPr b="0" lang="ru-RU" sz="3200" spc="-1" strike="noStrike">
+            <a:endParaRPr b="0" lang="ru-RU" sz="1800" spc="-1" strike="noStrike">
               <a:solidFill>
                 <a:srgbClr val="000000"/>
               </a:solidFill>
@@ -15716,14 +17495,14 @@
       </p:grpSpPr>
       <p:sp>
         <p:nvSpPr>
-          <p:cNvPr id="55" name="TextShape 1"/>
-          <p:cNvSpPr txBox="1"/>
+          <p:cNvPr id="88" name="CustomShape 1"/>
+          <p:cNvSpPr/>
           <p:nvPr/>
         </p:nvSpPr>
         <p:spPr>
           <a:xfrm>
             <a:off x="504000" y="301320"/>
-            <a:ext cx="9071640" cy="1262160"/>
+            <a:ext cx="9070920" cy="1261440"/>
           </a:xfrm>
           <a:prstGeom prst="rect">
             <a:avLst/>
@@ -15733,10 +17512,20 @@
             <a:noFill/>
           </a:ln>
         </p:spPr>
+        <p:style>
+          <a:lnRef idx="0"/>
+          <a:fillRef idx="0"/>
+          <a:effectRef idx="0"/>
+          <a:fontRef idx="minor"/>
+        </p:style>
         <p:txBody>
           <a:bodyPr lIns="0" rIns="0" tIns="0" bIns="0" anchor="ctr"/>
           <a:p>
-            <a:pPr algn="ctr"/>
+            <a:pPr algn="ctr">
+              <a:lnSpc>
+                <a:spcPct val="100000"/>
+              </a:lnSpc>
+            </a:pPr>
             <a:r>
               <a:rPr b="0" lang="ru-RU" sz="4400" spc="-1" strike="noStrike">
                 <a:solidFill>
@@ -15748,9 +17537,28 @@
                   </a:solidFill>
                 </a:uFill>
                 <a:latin typeface="Arial"/>
+                <a:ea typeface="DejaVu Sans"/>
               </a:rPr>
               <a:t>Описание реализации</a:t>
             </a:r>
+            <a:endParaRPr b="0" lang="ru-RU" sz="1800" spc="-1" strike="noStrike">
+              <a:solidFill>
+                <a:srgbClr val="000000"/>
+              </a:solidFill>
+              <a:uFill>
+                <a:solidFill>
+                  <a:srgbClr val="ffffff"/>
+                </a:solidFill>
+              </a:uFill>
+              <a:latin typeface="Arial"/>
+            </a:endParaRPr>
+          </a:p>
+          <a:p>
+            <a:pPr algn="ctr">
+              <a:lnSpc>
+                <a:spcPct val="100000"/>
+              </a:lnSpc>
+            </a:pPr>
             <a:r>
               <a:rPr b="0" lang="ru-RU" sz="4400" spc="-1" strike="noStrike">
                 <a:solidFill>
@@ -15762,25 +17570,11 @@
                   </a:solidFill>
                 </a:uFill>
                 <a:latin typeface="Arial"/>
-              </a:rPr>
-              <a:t>
-</a:t>
-            </a:r>
-            <a:r>
-              <a:rPr b="0" lang="ru-RU" sz="4400" spc="-1" strike="noStrike">
-                <a:solidFill>
-                  <a:srgbClr val="000000"/>
-                </a:solidFill>
-                <a:uFill>
-                  <a:solidFill>
-                    <a:srgbClr val="ffffff"/>
-                  </a:solidFill>
-                </a:uFill>
-                <a:latin typeface="Arial"/>
+                <a:ea typeface="DejaVu Sans"/>
               </a:rPr>
               <a:t>class UserQiwi</a:t>
             </a:r>
-            <a:endParaRPr b="0" lang="ru-RU" sz="4400" spc="-1" strike="noStrike">
+            <a:endParaRPr b="0" lang="ru-RU" sz="1800" spc="-1" strike="noStrike">
               <a:solidFill>
                 <a:srgbClr val="000000"/>
               </a:solidFill>
@@ -15796,13 +17590,13 @@
       </p:sp>
       <p:graphicFrame>
         <p:nvGraphicFramePr>
-          <p:cNvPr id="56" name="Table 2"/>
+          <p:cNvPr id="89" name="Table 2"/>
           <p:cNvGraphicFramePr/>
           <p:nvPr/>
         </p:nvGraphicFramePr>
         <p:xfrm>
           <a:off x="361440" y="1599840"/>
-          <a:ext cx="9574200" cy="3741840"/>
+          <a:ext cx="9574200" cy="5040720"/>
         </p:xfrm>
         <a:graphic>
           <a:graphicData uri="http://schemas.openxmlformats.org/drawingml/2006/table">
@@ -15817,7 +17611,7 @@
               <a:tr h="719640">
                 <a:tc>
                   <a:txBody>
-                    <a:bodyPr lIns="90000" rIns="90000" tIns="46800" bIns="46800"/>
+                    <a:bodyPr lIns="90000" rIns="90000"/>
                     <a:p>
                       <a:r>
                         <a:rPr b="0" lang="ru-RU" sz="1800" spc="-1" strike="noStrike">
@@ -15874,7 +17668,7 @@
                 </a:tc>
                 <a:tc>
                   <a:txBody>
-                    <a:bodyPr lIns="90000" rIns="90000" tIns="46800" bIns="46800"/>
+                    <a:bodyPr lIns="90000" rIns="90000"/>
                     <a:p>
                       <a:r>
                         <a:rPr b="0" lang="ru-RU" sz="1800" spc="-1" strike="noStrike">
@@ -15931,7 +17725,7 @@
                 </a:tc>
                 <a:tc>
                   <a:txBody>
-                    <a:bodyPr lIns="90000" rIns="90000" tIns="46800" bIns="46800"/>
+                    <a:bodyPr lIns="90000" rIns="90000"/>
                     <a:p>
                       <a:r>
                         <a:rPr b="0" lang="ru-RU" sz="1800" spc="-1" strike="noStrike">
@@ -15988,7 +17782,7 @@
                 </a:tc>
                 <a:tc>
                   <a:txBody>
-                    <a:bodyPr lIns="90000" rIns="90000" tIns="46800" bIns="46800"/>
+                    <a:bodyPr lIns="90000" rIns="90000"/>
                     <a:p>
                       <a:r>
                         <a:rPr b="0" lang="ru-RU" sz="1800" spc="-1" strike="noStrike">
@@ -16047,7 +17841,7 @@
               <a:tr h="719640">
                 <a:tc>
                   <a:txBody>
-                    <a:bodyPr lIns="90000" rIns="90000" tIns="46800" bIns="46800"/>
+                    <a:bodyPr lIns="90000" rIns="90000"/>
                     <a:p>
                       <a:r>
                         <a:rPr b="0" lang="ru-RU" sz="1800" spc="-1" strike="noStrike">
@@ -16104,7 +17898,7 @@
                 </a:tc>
                 <a:tc>
                   <a:txBody>
-                    <a:bodyPr lIns="90000" rIns="90000" tIns="46800" bIns="46800"/>
+                    <a:bodyPr lIns="90000" rIns="90000"/>
                     <a:p>
                       <a:r>
                         <a:rPr b="0" lang="ru-RU" sz="1800" spc="-1" strike="noStrike">
@@ -16161,7 +17955,7 @@
                 </a:tc>
                 <a:tc>
                   <a:txBody>
-                    <a:bodyPr lIns="90000" rIns="90000" tIns="46800" bIns="46800"/>
+                    <a:bodyPr lIns="90000" rIns="90000"/>
                     <a:p>
                       <a:r>
                         <a:rPr b="0" lang="ru-RU" sz="1800" spc="-1" strike="noStrike">
@@ -16218,7 +18012,7 @@
                 </a:tc>
                 <a:tc>
                   <a:txBody>
-                    <a:bodyPr lIns="90000" rIns="90000" tIns="46800" bIns="46800"/>
+                    <a:bodyPr lIns="90000" rIns="90000"/>
                     <a:p>
                       <a:r>
                         <a:rPr b="0" lang="ru-RU" sz="1800" spc="-1" strike="noStrike">
@@ -16277,7 +18071,7 @@
               <a:tr h="719640">
                 <a:tc>
                   <a:txBody>
-                    <a:bodyPr lIns="90000" rIns="90000" tIns="46800" bIns="46800"/>
+                    <a:bodyPr lIns="90000" rIns="90000"/>
                     <a:p>
                       <a:r>
                         <a:rPr b="0" lang="ru-RU" sz="1800" spc="-1" strike="noStrike">
@@ -16334,7 +18128,7 @@
                 </a:tc>
                 <a:tc>
                   <a:txBody>
-                    <a:bodyPr lIns="90000" rIns="90000" tIns="46800" bIns="46800"/>
+                    <a:bodyPr lIns="90000" rIns="90000"/>
                     <a:p>
                       <a:r>
                         <a:rPr b="0" lang="ru-RU" sz="1800" spc="-1" strike="noStrike">
@@ -16391,7 +18185,7 @@
                 </a:tc>
                 <a:tc>
                   <a:txBody>
-                    <a:bodyPr lIns="90000" rIns="90000" tIns="46800" bIns="46800"/>
+                    <a:bodyPr lIns="90000" rIns="90000"/>
                     <a:p>
                       <a:r>
                         <a:rPr b="0" lang="ru-RU" sz="1800" spc="-1" strike="noStrike">
@@ -16448,7 +18242,7 @@
                 </a:tc>
                 <a:tc>
                   <a:txBody>
-                    <a:bodyPr lIns="90000" rIns="90000" tIns="46800" bIns="46800"/>
+                    <a:bodyPr lIns="90000" rIns="90000"/>
                     <a:p>
                       <a:r>
                         <a:rPr b="0" lang="ru-RU" sz="1800" spc="-1" strike="noStrike">
@@ -16507,7 +18301,7 @@
               <a:tr h="719640">
                 <a:tc>
                   <a:txBody>
-                    <a:bodyPr lIns="90000" rIns="90000" tIns="46800" bIns="46800"/>
+                    <a:bodyPr lIns="90000" rIns="90000"/>
                     <a:p>
                       <a:r>
                         <a:rPr b="0" lang="ru-RU" sz="1800" spc="-1" strike="noStrike">
@@ -16564,7 +18358,7 @@
                 </a:tc>
                 <a:tc>
                   <a:txBody>
-                    <a:bodyPr lIns="90000" rIns="90000" tIns="46800" bIns="46800"/>
+                    <a:bodyPr lIns="90000" rIns="90000"/>
                     <a:p>
                       <a:r>
                         <a:rPr b="0" lang="ru-RU" sz="1800" spc="-1" strike="noStrike">
@@ -16621,7 +18415,7 @@
                 </a:tc>
                 <a:tc>
                   <a:txBody>
-                    <a:bodyPr lIns="90000" rIns="90000" tIns="46800" bIns="46800"/>
+                    <a:bodyPr lIns="90000" rIns="90000"/>
                     <a:p>
                       <a:r>
                         <a:rPr b="0" lang="ru-RU" sz="1800" spc="-1" strike="noStrike">
@@ -16678,7 +18472,7 @@
                 </a:tc>
                 <a:tc>
                   <a:txBody>
-                    <a:bodyPr lIns="90000" rIns="90000" tIns="46800" bIns="46800"/>
+                    <a:bodyPr lIns="90000" rIns="90000"/>
                     <a:p>
                       <a:r>
                         <a:rPr b="0" lang="ru-RU" sz="1800" spc="-1" strike="noStrike">
@@ -16737,7 +18531,7 @@
               <a:tr h="721440">
                 <a:tc>
                   <a:txBody>
-                    <a:bodyPr lIns="90000" rIns="90000" tIns="46800" bIns="46800"/>
+                    <a:bodyPr lIns="90000" rIns="90000"/>
                     <a:p>
                       <a:r>
                         <a:rPr b="0" lang="ru-RU" sz="1800" spc="-1" strike="noStrike">
@@ -16794,7 +18588,7 @@
                 </a:tc>
                 <a:tc>
                   <a:txBody>
-                    <a:bodyPr lIns="90000" rIns="90000" tIns="46800" bIns="46800"/>
+                    <a:bodyPr lIns="90000" rIns="90000"/>
                     <a:p>
                       <a:r>
                         <a:rPr b="0" lang="ru-RU" sz="1800" spc="-1" strike="noStrike">
@@ -16851,7 +18645,7 @@
                 </a:tc>
                 <a:tc>
                   <a:txBody>
-                    <a:bodyPr lIns="90000" rIns="90000" tIns="46800" bIns="46800"/>
+                    <a:bodyPr lIns="90000" rIns="90000"/>
                     <a:p>
                       <a:r>
                         <a:rPr b="0" lang="ru-RU" sz="1800" spc="-1" strike="noStrike">
@@ -16908,7 +18702,7 @@
                 </a:tc>
                 <a:tc>
                   <a:txBody>
-                    <a:bodyPr lIns="90000" rIns="90000" tIns="46800" bIns="46800"/>
+                    <a:bodyPr lIns="90000" rIns="90000"/>
                     <a:p>
                       <a:r>
                         <a:rPr b="0" lang="ru-RU" sz="1800" spc="-1" strike="noStrike">
@@ -16967,7 +18761,7 @@
               <a:tr h="721440">
                 <a:tc>
                   <a:txBody>
-                    <a:bodyPr lIns="90000" rIns="90000" tIns="46800" bIns="46800"/>
+                    <a:bodyPr lIns="90000" rIns="90000"/>
                     <a:p>
                       <a:r>
                         <a:rPr b="0" lang="ru-RU" sz="1800" spc="-1" strike="noStrike">
@@ -17024,7 +18818,7 @@
                 </a:tc>
                 <a:tc>
                   <a:txBody>
-                    <a:bodyPr lIns="90000" rIns="90000" tIns="46800" bIns="46800"/>
+                    <a:bodyPr lIns="90000" rIns="90000"/>
                     <a:p>
                       <a:r>
                         <a:rPr b="0" lang="ru-RU" sz="1800" spc="-1" strike="noStrike">
@@ -17081,7 +18875,7 @@
                 </a:tc>
                 <a:tc>
                   <a:txBody>
-                    <a:bodyPr lIns="90000" rIns="90000" tIns="46800" bIns="46800"/>
+                    <a:bodyPr lIns="90000" rIns="90000"/>
                     <a:p>
                       <a:r>
                         <a:rPr b="0" lang="ru-RU" sz="1800" spc="-1" strike="noStrike">
@@ -17138,7 +18932,7 @@
                 </a:tc>
                 <a:tc>
                   <a:txBody>
-                    <a:bodyPr lIns="90000" rIns="90000" tIns="46800" bIns="46800"/>
+                    <a:bodyPr lIns="90000" rIns="90000"/>
                     <a:p>
                       <a:r>
                         <a:rPr b="0" lang="ru-RU" sz="1800" spc="-1" strike="noStrike">
@@ -17197,7 +18991,7 @@
               <a:tr h="719640">
                 <a:tc>
                   <a:txBody>
-                    <a:bodyPr lIns="90000" rIns="90000" tIns="46800" bIns="46800"/>
+                    <a:bodyPr lIns="90000" rIns="90000"/>
                     <a:p>
                       <a:r>
                         <a:rPr b="0" lang="ru-RU" sz="1800" spc="-1" strike="noStrike">
@@ -17254,7 +19048,7 @@
                 </a:tc>
                 <a:tc>
                   <a:txBody>
-                    <a:bodyPr lIns="90000" rIns="90000" tIns="46800" bIns="46800"/>
+                    <a:bodyPr lIns="90000" rIns="90000"/>
                     <a:p>
                       <a:r>
                         <a:rPr b="0" lang="ru-RU" sz="1800" spc="-1" strike="noStrike">
@@ -17311,7 +19105,7 @@
                 </a:tc>
                 <a:tc>
                   <a:txBody>
-                    <a:bodyPr lIns="90000" rIns="90000" tIns="46800" bIns="46800"/>
+                    <a:bodyPr lIns="90000" rIns="90000"/>
                     <a:p>
                       <a:r>
                         <a:rPr b="0" lang="ru-RU" sz="1800" spc="-1" strike="noStrike">
@@ -17368,7 +19162,7 @@
                 </a:tc>
                 <a:tc>
                   <a:txBody>
-                    <a:bodyPr lIns="90000" rIns="90000" tIns="46800" bIns="46800"/>
+                    <a:bodyPr lIns="90000" rIns="90000"/>
                     <a:p>
                       <a:r>
                         <a:rPr b="0" lang="ru-RU" sz="1800" spc="-1" strike="noStrike">
@@ -17681,4 +19475,227 @@
     </a:fmtScheme>
   </a:themeElements>
 </a:theme>
+</file>
+
+<file path=ppt/theme/theme2.xml><?xml version="1.0" encoding="utf-8"?>
+<a:theme xmlns:a="http://schemas.openxmlformats.org/drawingml/2006/main" name="Office Theme">
+  <a:themeElements>
+    <a:clrScheme name="Office">
+      <a:dk1>
+        <a:sysClr val="windowText" lastClr="000000"/>
+      </a:dk1>
+      <a:lt1>
+        <a:sysClr val="window" lastClr="FFFFFF"/>
+      </a:lt1>
+      <a:dk2>
+        <a:srgbClr val="1F497D"/>
+      </a:dk2>
+      <a:lt2>
+        <a:srgbClr val="EEECE1"/>
+      </a:lt2>
+      <a:accent1>
+        <a:srgbClr val="4F81BD"/>
+      </a:accent1>
+      <a:accent2>
+        <a:srgbClr val="C0504D"/>
+      </a:accent2>
+      <a:accent3>
+        <a:srgbClr val="9BBB59"/>
+      </a:accent3>
+      <a:accent4>
+        <a:srgbClr val="8064A2"/>
+      </a:accent4>
+      <a:accent5>
+        <a:srgbClr val="4BACC6"/>
+      </a:accent5>
+      <a:accent6>
+        <a:srgbClr val="F79646"/>
+      </a:accent6>
+      <a:hlink>
+        <a:srgbClr val="0000FF"/>
+      </a:hlink>
+      <a:folHlink>
+        <a:srgbClr val="800080"/>
+      </a:folHlink>
+    </a:clrScheme>
+    <a:fontScheme name="Office">
+      <a:majorFont>
+        <a:latin typeface="Arial"/>
+        <a:ea typeface="DejaVu Sans"/>
+        <a:cs typeface="DejaVu Sans"/>
+      </a:majorFont>
+      <a:minorFont>
+        <a:latin typeface="Arial"/>
+        <a:ea typeface="DejaVu Sans"/>
+        <a:cs typeface="DejaVu Sans"/>
+      </a:minorFont>
+    </a:fontScheme>
+    <a:fmtScheme name="Office">
+      <a:fillStyleLst>
+        <a:solidFill>
+          <a:schemeClr val="phClr"/>
+        </a:solidFill>
+        <a:gradFill rotWithShape="1">
+          <a:gsLst>
+            <a:gs pos="0">
+              <a:schemeClr val="phClr">
+                <a:tint val="50000"/>
+                <a:satMod val="300000"/>
+              </a:schemeClr>
+            </a:gs>
+            <a:gs pos="35000">
+              <a:schemeClr val="phClr">
+                <a:tint val="37000"/>
+                <a:satMod val="300000"/>
+              </a:schemeClr>
+            </a:gs>
+            <a:gs pos="100000">
+              <a:schemeClr val="phClr">
+                <a:tint val="15000"/>
+                <a:satMod val="350000"/>
+              </a:schemeClr>
+            </a:gs>
+          </a:gsLst>
+          <a:lin ang="16200000" scaled="1"/>
+        </a:gradFill>
+        <a:gradFill rotWithShape="1">
+          <a:gsLst>
+            <a:gs pos="0">
+              <a:schemeClr val="phClr">
+                <a:shade val="51000"/>
+                <a:satMod val="130000"/>
+              </a:schemeClr>
+            </a:gs>
+            <a:gs pos="80000">
+              <a:schemeClr val="phClr">
+                <a:shade val="93000"/>
+                <a:satMod val="130000"/>
+              </a:schemeClr>
+            </a:gs>
+            <a:gs pos="100000">
+              <a:schemeClr val="phClr">
+                <a:shade val="94000"/>
+                <a:satMod val="135000"/>
+              </a:schemeClr>
+            </a:gs>
+          </a:gsLst>
+          <a:lin ang="16200000" scaled="0"/>
+        </a:gradFill>
+      </a:fillStyleLst>
+      <a:lnStyleLst>
+        <a:ln w="9525" cap="flat" cmpd="sng" algn="ctr">
+          <a:solidFill>
+            <a:schemeClr val="phClr">
+              <a:shade val="95000"/>
+              <a:satMod val="105000"/>
+            </a:schemeClr>
+          </a:solidFill>
+          <a:prstDash val="solid"/>
+        </a:ln>
+        <a:ln w="25400" cap="flat" cmpd="sng" algn="ctr">
+          <a:solidFill>
+            <a:schemeClr val="phClr"/>
+          </a:solidFill>
+          <a:prstDash val="solid"/>
+        </a:ln>
+        <a:ln w="38100" cap="flat" cmpd="sng" algn="ctr">
+          <a:solidFill>
+            <a:schemeClr val="phClr"/>
+          </a:solidFill>
+          <a:prstDash val="solid"/>
+        </a:ln>
+      </a:lnStyleLst>
+      <a:effectStyleLst>
+        <a:effectStyle>
+          <a:effectLst>
+            <a:outerShdw blurRad="40000" dist="20000" dir="5400000" rotWithShape="0">
+              <a:srgbClr val="000000">
+                <a:alpha val="38000"/>
+              </a:srgbClr>
+            </a:outerShdw>
+          </a:effectLst>
+        </a:effectStyle>
+        <a:effectStyle>
+          <a:effectLst>
+            <a:outerShdw blurRad="40000" dist="23000" dir="5400000" rotWithShape="0">
+              <a:srgbClr val="000000">
+                <a:alpha val="35000"/>
+              </a:srgbClr>
+            </a:outerShdw>
+          </a:effectLst>
+        </a:effectStyle>
+        <a:effectStyle>
+          <a:effectLst>
+            <a:outerShdw blurRad="40000" dist="23000" dir="5400000" rotWithShape="0">
+              <a:srgbClr val="000000">
+                <a:alpha val="35000"/>
+              </a:srgbClr>
+            </a:outerShdw>
+          </a:effectLst>
+          <a:scene3d>
+            <a:camera prst="orthographicFront">
+              <a:rot lat="0" lon="0" rev="0"/>
+            </a:camera>
+            <a:lightRig rig="threePt" dir="t">
+              <a:rot lat="0" lon="0" rev="1200000"/>
+            </a:lightRig>
+          </a:scene3d>
+          <a:sp3d>
+            <a:bevelT w="63500" h="25400"/>
+          </a:sp3d>
+        </a:effectStyle>
+      </a:effectStyleLst>
+      <a:bgFillStyleLst>
+        <a:solidFill>
+          <a:schemeClr val="phClr"/>
+        </a:solidFill>
+        <a:gradFill rotWithShape="1">
+          <a:gsLst>
+            <a:gs pos="0">
+              <a:schemeClr val="phClr">
+                <a:tint val="40000"/>
+                <a:satMod val="350000"/>
+              </a:schemeClr>
+            </a:gs>
+            <a:gs pos="40000">
+              <a:schemeClr val="phClr">
+                <a:tint val="45000"/>
+                <a:shade val="99000"/>
+                <a:satMod val="350000"/>
+              </a:schemeClr>
+            </a:gs>
+            <a:gs pos="100000">
+              <a:schemeClr val="phClr">
+                <a:shade val="20000"/>
+                <a:satMod val="255000"/>
+              </a:schemeClr>
+            </a:gs>
+          </a:gsLst>
+          <a:path path="circle">
+            <a:fillToRect l="50000" t="-80000" r="50000" b="180000"/>
+          </a:path>
+        </a:gradFill>
+        <a:gradFill rotWithShape="1">
+          <a:gsLst>
+            <a:gs pos="0">
+              <a:schemeClr val="phClr">
+                <a:tint val="80000"/>
+                <a:satMod val="300000"/>
+              </a:schemeClr>
+            </a:gs>
+            <a:gs pos="100000">
+              <a:schemeClr val="phClr">
+                <a:shade val="30000"/>
+                <a:satMod val="200000"/>
+              </a:schemeClr>
+            </a:gs>
+          </a:gsLst>
+          <a:path path="circle">
+            <a:fillToRect l="50000" t="50000" r="50000" b="50000"/>
+          </a:path>
+        </a:gradFill>
+      </a:bgFillStyleLst>
+    </a:fmtScheme>
+  </a:themeElements>
+</a:theme>
 </file>